--- a/design/mockups.pptx
+++ b/design/mockups.pptx
@@ -4,8 +4,14 @@
   <p:sldMasterIdLst>
     <p:sldMasterId id="2147483648" r:id="rId1"/>
   </p:sldMasterIdLst>
+  <p:notesMasterIdLst>
+    <p:notesMasterId r:id="rId6"/>
+  </p:notesMasterIdLst>
   <p:sldIdLst>
     <p:sldId id="257" r:id="rId2"/>
+    <p:sldId id="258" r:id="rId3"/>
+    <p:sldId id="259" r:id="rId4"/>
+    <p:sldId id="260" r:id="rId5"/>
   </p:sldIdLst>
   <p:sldSz cx="12192000" cy="6858000"/>
   <p:notesSz cx="6858000" cy="9144000"/>
@@ -104,7 +110,622 @@
       </a:defRPr>
     </a:lvl9pPr>
   </p:defaultTextStyle>
+  <p:extLst>
+    <p:ext uri="{EFAFB233-063F-42B5-8137-9DF3F51BA10A}">
+      <p15:sldGuideLst xmlns:p15="http://schemas.microsoft.com/office/powerpoint/2012/main"/>
+    </p:ext>
+  </p:extLst>
 </p:presentation>
+</file>
+
+<file path=ppt/notesMasters/notesMaster1.xml><?xml version="1.0" encoding="utf-8"?>
+<p:notesMaster xmlns:a="http://schemas.openxmlformats.org/drawingml/2006/main" xmlns:r="http://schemas.openxmlformats.org/officeDocument/2006/relationships" xmlns:p="http://schemas.openxmlformats.org/presentationml/2006/main">
+  <p:cSld>
+    <p:bg>
+      <p:bgRef idx="1001">
+        <a:schemeClr val="bg1"/>
+      </p:bgRef>
+    </p:bg>
+    <p:spTree>
+      <p:nvGrpSpPr>
+        <p:cNvPr id="1" name=""/>
+        <p:cNvGrpSpPr/>
+        <p:nvPr/>
+      </p:nvGrpSpPr>
+      <p:grpSpPr>
+        <a:xfrm>
+          <a:off x="0" y="0"/>
+          <a:ext cx="0" cy="0"/>
+          <a:chOff x="0" y="0"/>
+          <a:chExt cx="0" cy="0"/>
+        </a:xfrm>
+      </p:grpSpPr>
+      <p:sp>
+        <p:nvSpPr>
+          <p:cNvPr id="2" name="Header Placeholder 1"/>
+          <p:cNvSpPr>
+            <a:spLocks noGrp="1"/>
+          </p:cNvSpPr>
+          <p:nvPr>
+            <p:ph type="hdr" sz="quarter"/>
+          </p:nvPr>
+        </p:nvSpPr>
+        <p:spPr>
+          <a:xfrm>
+            <a:off x="0" y="0"/>
+            <a:ext cx="2971800" cy="458788"/>
+          </a:xfrm>
+          <a:prstGeom prst="rect">
+            <a:avLst/>
+          </a:prstGeom>
+        </p:spPr>
+        <p:txBody>
+          <a:bodyPr vert="horz" lIns="91440" tIns="45720" rIns="91440" bIns="45720" rtlCol="0"/>
+          <a:lstStyle>
+            <a:lvl1pPr algn="l">
+              <a:defRPr sz="1200"/>
+            </a:lvl1pPr>
+          </a:lstStyle>
+          <a:p>
+            <a:endParaRPr lang="en-US"/>
+          </a:p>
+        </p:txBody>
+      </p:sp>
+      <p:sp>
+        <p:nvSpPr>
+          <p:cNvPr id="3" name="Date Placeholder 2"/>
+          <p:cNvSpPr>
+            <a:spLocks noGrp="1"/>
+          </p:cNvSpPr>
+          <p:nvPr>
+            <p:ph type="dt" idx="1"/>
+          </p:nvPr>
+        </p:nvSpPr>
+        <p:spPr>
+          <a:xfrm>
+            <a:off x="3884613" y="0"/>
+            <a:ext cx="2971800" cy="458788"/>
+          </a:xfrm>
+          <a:prstGeom prst="rect">
+            <a:avLst/>
+          </a:prstGeom>
+        </p:spPr>
+        <p:txBody>
+          <a:bodyPr vert="horz" lIns="91440" tIns="45720" rIns="91440" bIns="45720" rtlCol="0"/>
+          <a:lstStyle>
+            <a:lvl1pPr algn="r">
+              <a:defRPr sz="1200"/>
+            </a:lvl1pPr>
+          </a:lstStyle>
+          <a:p>
+            <a:fld id="{C4902ADE-2808-B04C-8705-B2BAAD8AD498}" type="datetimeFigureOut">
+              <a:rPr lang="en-US" smtClean="0"/>
+              <a:t>4/17/20</a:t>
+            </a:fld>
+            <a:endParaRPr lang="en-US"/>
+          </a:p>
+        </p:txBody>
+      </p:sp>
+      <p:sp>
+        <p:nvSpPr>
+          <p:cNvPr id="4" name="Slide Image Placeholder 3"/>
+          <p:cNvSpPr>
+            <a:spLocks noGrp="1" noRot="1" noChangeAspect="1"/>
+          </p:cNvSpPr>
+          <p:nvPr>
+            <p:ph type="sldImg" idx="2"/>
+          </p:nvPr>
+        </p:nvSpPr>
+        <p:spPr>
+          <a:xfrm>
+            <a:off x="685800" y="1143000"/>
+            <a:ext cx="5486400" cy="3086100"/>
+          </a:xfrm>
+          <a:prstGeom prst="rect">
+            <a:avLst/>
+          </a:prstGeom>
+          <a:noFill/>
+          <a:ln w="12700">
+            <a:solidFill>
+              <a:prstClr val="black"/>
+            </a:solidFill>
+          </a:ln>
+        </p:spPr>
+        <p:txBody>
+          <a:bodyPr vert="horz" lIns="91440" tIns="45720" rIns="91440" bIns="45720" rtlCol="0" anchor="ctr"/>
+          <a:lstStyle/>
+          <a:p>
+            <a:endParaRPr lang="en-US"/>
+          </a:p>
+        </p:txBody>
+      </p:sp>
+      <p:sp>
+        <p:nvSpPr>
+          <p:cNvPr id="5" name="Notes Placeholder 4"/>
+          <p:cNvSpPr>
+            <a:spLocks noGrp="1"/>
+          </p:cNvSpPr>
+          <p:nvPr>
+            <p:ph type="body" sz="quarter" idx="3"/>
+          </p:nvPr>
+        </p:nvSpPr>
+        <p:spPr>
+          <a:xfrm>
+            <a:off x="685800" y="4400550"/>
+            <a:ext cx="5486400" cy="3600450"/>
+          </a:xfrm>
+          <a:prstGeom prst="rect">
+            <a:avLst/>
+          </a:prstGeom>
+        </p:spPr>
+        <p:txBody>
+          <a:bodyPr vert="horz" lIns="91440" tIns="45720" rIns="91440" bIns="45720" rtlCol="0"/>
+          <a:lstStyle/>
+          <a:p>
+            <a:pPr lvl="0"/>
+            <a:r>
+              <a:rPr lang="en-US"/>
+              <a:t>Click to edit Master text styles</a:t>
+            </a:r>
+          </a:p>
+          <a:p>
+            <a:pPr lvl="1"/>
+            <a:r>
+              <a:rPr lang="en-US"/>
+              <a:t>Second level</a:t>
+            </a:r>
+          </a:p>
+          <a:p>
+            <a:pPr lvl="2"/>
+            <a:r>
+              <a:rPr lang="en-US"/>
+              <a:t>Third level</a:t>
+            </a:r>
+          </a:p>
+          <a:p>
+            <a:pPr lvl="3"/>
+            <a:r>
+              <a:rPr lang="en-US"/>
+              <a:t>Fourth level</a:t>
+            </a:r>
+          </a:p>
+          <a:p>
+            <a:pPr lvl="4"/>
+            <a:r>
+              <a:rPr lang="en-US"/>
+              <a:t>Fifth level</a:t>
+            </a:r>
+          </a:p>
+        </p:txBody>
+      </p:sp>
+      <p:sp>
+        <p:nvSpPr>
+          <p:cNvPr id="6" name="Footer Placeholder 5"/>
+          <p:cNvSpPr>
+            <a:spLocks noGrp="1"/>
+          </p:cNvSpPr>
+          <p:nvPr>
+            <p:ph type="ftr" sz="quarter" idx="4"/>
+          </p:nvPr>
+        </p:nvSpPr>
+        <p:spPr>
+          <a:xfrm>
+            <a:off x="0" y="8685213"/>
+            <a:ext cx="2971800" cy="458787"/>
+          </a:xfrm>
+          <a:prstGeom prst="rect">
+            <a:avLst/>
+          </a:prstGeom>
+        </p:spPr>
+        <p:txBody>
+          <a:bodyPr vert="horz" lIns="91440" tIns="45720" rIns="91440" bIns="45720" rtlCol="0" anchor="b"/>
+          <a:lstStyle>
+            <a:lvl1pPr algn="l">
+              <a:defRPr sz="1200"/>
+            </a:lvl1pPr>
+          </a:lstStyle>
+          <a:p>
+            <a:endParaRPr lang="en-US"/>
+          </a:p>
+        </p:txBody>
+      </p:sp>
+      <p:sp>
+        <p:nvSpPr>
+          <p:cNvPr id="7" name="Slide Number Placeholder 6"/>
+          <p:cNvSpPr>
+            <a:spLocks noGrp="1"/>
+          </p:cNvSpPr>
+          <p:nvPr>
+            <p:ph type="sldNum" sz="quarter" idx="5"/>
+          </p:nvPr>
+        </p:nvSpPr>
+        <p:spPr>
+          <a:xfrm>
+            <a:off x="3884613" y="8685213"/>
+            <a:ext cx="2971800" cy="458787"/>
+          </a:xfrm>
+          <a:prstGeom prst="rect">
+            <a:avLst/>
+          </a:prstGeom>
+        </p:spPr>
+        <p:txBody>
+          <a:bodyPr vert="horz" lIns="91440" tIns="45720" rIns="91440" bIns="45720" rtlCol="0" anchor="b"/>
+          <a:lstStyle>
+            <a:lvl1pPr algn="r">
+              <a:defRPr sz="1200"/>
+            </a:lvl1pPr>
+          </a:lstStyle>
+          <a:p>
+            <a:fld id="{B43C8CF7-923B-534E-BF53-23230B27D7C1}" type="slidenum">
+              <a:rPr lang="en-US" smtClean="0"/>
+              <a:t>‹#›</a:t>
+            </a:fld>
+            <a:endParaRPr lang="en-US"/>
+          </a:p>
+        </p:txBody>
+      </p:sp>
+    </p:spTree>
+    <p:extLst>
+      <p:ext uri="{BB962C8B-B14F-4D97-AF65-F5344CB8AC3E}">
+        <p14:creationId xmlns:p14="http://schemas.microsoft.com/office/powerpoint/2010/main" val="1664660782"/>
+      </p:ext>
+    </p:extLst>
+  </p:cSld>
+  <p:clrMap bg1="lt1" tx1="dk1" bg2="lt2" tx2="dk2" accent1="accent1" accent2="accent2" accent3="accent3" accent4="accent4" accent5="accent5" accent6="accent6" hlink="hlink" folHlink="folHlink"/>
+  <p:notesStyle>
+    <a:lvl1pPr marL="0" algn="l" defTabSz="914400" rtl="0" eaLnBrk="1" latinLnBrk="0" hangingPunct="1">
+      <a:defRPr sz="1200" kern="1200">
+        <a:solidFill>
+          <a:schemeClr val="tx1"/>
+        </a:solidFill>
+        <a:latin typeface="+mn-lt"/>
+        <a:ea typeface="+mn-ea"/>
+        <a:cs typeface="+mn-cs"/>
+      </a:defRPr>
+    </a:lvl1pPr>
+    <a:lvl2pPr marL="457200" algn="l" defTabSz="914400" rtl="0" eaLnBrk="1" latinLnBrk="0" hangingPunct="1">
+      <a:defRPr sz="1200" kern="1200">
+        <a:solidFill>
+          <a:schemeClr val="tx1"/>
+        </a:solidFill>
+        <a:latin typeface="+mn-lt"/>
+        <a:ea typeface="+mn-ea"/>
+        <a:cs typeface="+mn-cs"/>
+      </a:defRPr>
+    </a:lvl2pPr>
+    <a:lvl3pPr marL="914400" algn="l" defTabSz="914400" rtl="0" eaLnBrk="1" latinLnBrk="0" hangingPunct="1">
+      <a:defRPr sz="1200" kern="1200">
+        <a:solidFill>
+          <a:schemeClr val="tx1"/>
+        </a:solidFill>
+        <a:latin typeface="+mn-lt"/>
+        <a:ea typeface="+mn-ea"/>
+        <a:cs typeface="+mn-cs"/>
+      </a:defRPr>
+    </a:lvl3pPr>
+    <a:lvl4pPr marL="1371600" algn="l" defTabSz="914400" rtl="0" eaLnBrk="1" latinLnBrk="0" hangingPunct="1">
+      <a:defRPr sz="1200" kern="1200">
+        <a:solidFill>
+          <a:schemeClr val="tx1"/>
+        </a:solidFill>
+        <a:latin typeface="+mn-lt"/>
+        <a:ea typeface="+mn-ea"/>
+        <a:cs typeface="+mn-cs"/>
+      </a:defRPr>
+    </a:lvl4pPr>
+    <a:lvl5pPr marL="1828800" algn="l" defTabSz="914400" rtl="0" eaLnBrk="1" latinLnBrk="0" hangingPunct="1">
+      <a:defRPr sz="1200" kern="1200">
+        <a:solidFill>
+          <a:schemeClr val="tx1"/>
+        </a:solidFill>
+        <a:latin typeface="+mn-lt"/>
+        <a:ea typeface="+mn-ea"/>
+        <a:cs typeface="+mn-cs"/>
+      </a:defRPr>
+    </a:lvl5pPr>
+    <a:lvl6pPr marL="2286000" algn="l" defTabSz="914400" rtl="0" eaLnBrk="1" latinLnBrk="0" hangingPunct="1">
+      <a:defRPr sz="1200" kern="1200">
+        <a:solidFill>
+          <a:schemeClr val="tx1"/>
+        </a:solidFill>
+        <a:latin typeface="+mn-lt"/>
+        <a:ea typeface="+mn-ea"/>
+        <a:cs typeface="+mn-cs"/>
+      </a:defRPr>
+    </a:lvl6pPr>
+    <a:lvl7pPr marL="2743200" algn="l" defTabSz="914400" rtl="0" eaLnBrk="1" latinLnBrk="0" hangingPunct="1">
+      <a:defRPr sz="1200" kern="1200">
+        <a:solidFill>
+          <a:schemeClr val="tx1"/>
+        </a:solidFill>
+        <a:latin typeface="+mn-lt"/>
+        <a:ea typeface="+mn-ea"/>
+        <a:cs typeface="+mn-cs"/>
+      </a:defRPr>
+    </a:lvl7pPr>
+    <a:lvl8pPr marL="3200400" algn="l" defTabSz="914400" rtl="0" eaLnBrk="1" latinLnBrk="0" hangingPunct="1">
+      <a:defRPr sz="1200" kern="1200">
+        <a:solidFill>
+          <a:schemeClr val="tx1"/>
+        </a:solidFill>
+        <a:latin typeface="+mn-lt"/>
+        <a:ea typeface="+mn-ea"/>
+        <a:cs typeface="+mn-cs"/>
+      </a:defRPr>
+    </a:lvl8pPr>
+    <a:lvl9pPr marL="3657600" algn="l" defTabSz="914400" rtl="0" eaLnBrk="1" latinLnBrk="0" hangingPunct="1">
+      <a:defRPr sz="1200" kern="1200">
+        <a:solidFill>
+          <a:schemeClr val="tx1"/>
+        </a:solidFill>
+        <a:latin typeface="+mn-lt"/>
+        <a:ea typeface="+mn-ea"/>
+        <a:cs typeface="+mn-cs"/>
+      </a:defRPr>
+    </a:lvl9pPr>
+  </p:notesStyle>
+</p:notesMaster>
+</file>
+
+<file path=ppt/notesSlides/notesSlide1.xml><?xml version="1.0" encoding="utf-8"?>
+<p:notes xmlns:a="http://schemas.openxmlformats.org/drawingml/2006/main" xmlns:r="http://schemas.openxmlformats.org/officeDocument/2006/relationships" xmlns:p="http://schemas.openxmlformats.org/presentationml/2006/main">
+  <p:cSld>
+    <p:spTree>
+      <p:nvGrpSpPr>
+        <p:cNvPr id="1" name=""/>
+        <p:cNvGrpSpPr/>
+        <p:nvPr/>
+      </p:nvGrpSpPr>
+      <p:grpSpPr>
+        <a:xfrm>
+          <a:off x="0" y="0"/>
+          <a:ext cx="0" cy="0"/>
+          <a:chOff x="0" y="0"/>
+          <a:chExt cx="0" cy="0"/>
+        </a:xfrm>
+      </p:grpSpPr>
+      <p:sp>
+        <p:nvSpPr>
+          <p:cNvPr id="2" name="Slide Image Placeholder 1"/>
+          <p:cNvSpPr>
+            <a:spLocks noGrp="1" noRot="1" noChangeAspect="1"/>
+          </p:cNvSpPr>
+          <p:nvPr>
+            <p:ph type="sldImg"/>
+          </p:nvPr>
+        </p:nvSpPr>
+        <p:spPr/>
+      </p:sp>
+      <p:sp>
+        <p:nvSpPr>
+          <p:cNvPr id="3" name="Notes Placeholder 2"/>
+          <p:cNvSpPr>
+            <a:spLocks noGrp="1"/>
+          </p:cNvSpPr>
+          <p:nvPr>
+            <p:ph type="body" idx="1"/>
+          </p:nvPr>
+        </p:nvSpPr>
+        <p:spPr/>
+        <p:txBody>
+          <a:bodyPr/>
+          <a:lstStyle/>
+          <a:p>
+            <a:r>
+              <a:rPr lang="en-US" dirty="0"/>
+              <a:t>Index Page</a:t>
+            </a:r>
+          </a:p>
+        </p:txBody>
+      </p:sp>
+      <p:sp>
+        <p:nvSpPr>
+          <p:cNvPr id="4" name="Slide Number Placeholder 3"/>
+          <p:cNvSpPr>
+            <a:spLocks noGrp="1"/>
+          </p:cNvSpPr>
+          <p:nvPr>
+            <p:ph type="sldNum" sz="quarter" idx="5"/>
+          </p:nvPr>
+        </p:nvSpPr>
+        <p:spPr/>
+        <p:txBody>
+          <a:bodyPr/>
+          <a:lstStyle/>
+          <a:p>
+            <a:fld id="{B43C8CF7-923B-534E-BF53-23230B27D7C1}" type="slidenum">
+              <a:rPr lang="en-US" smtClean="0"/>
+              <a:t>1</a:t>
+            </a:fld>
+            <a:endParaRPr lang="en-US"/>
+          </a:p>
+        </p:txBody>
+      </p:sp>
+    </p:spTree>
+    <p:extLst>
+      <p:ext uri="{BB962C8B-B14F-4D97-AF65-F5344CB8AC3E}">
+        <p14:creationId xmlns:p14="http://schemas.microsoft.com/office/powerpoint/2010/main" val="2280688541"/>
+      </p:ext>
+    </p:extLst>
+  </p:cSld>
+  <p:clrMapOvr>
+    <a:masterClrMapping/>
+  </p:clrMapOvr>
+</p:notes>
+</file>
+
+<file path=ppt/notesSlides/notesSlide2.xml><?xml version="1.0" encoding="utf-8"?>
+<p:notes xmlns:a="http://schemas.openxmlformats.org/drawingml/2006/main" xmlns:r="http://schemas.openxmlformats.org/officeDocument/2006/relationships" xmlns:p="http://schemas.openxmlformats.org/presentationml/2006/main">
+  <p:cSld>
+    <p:spTree>
+      <p:nvGrpSpPr>
+        <p:cNvPr id="1" name=""/>
+        <p:cNvGrpSpPr/>
+        <p:nvPr/>
+      </p:nvGrpSpPr>
+      <p:grpSpPr>
+        <a:xfrm>
+          <a:off x="0" y="0"/>
+          <a:ext cx="0" cy="0"/>
+          <a:chOff x="0" y="0"/>
+          <a:chExt cx="0" cy="0"/>
+        </a:xfrm>
+      </p:grpSpPr>
+      <p:sp>
+        <p:nvSpPr>
+          <p:cNvPr id="2" name="Slide Image Placeholder 1"/>
+          <p:cNvSpPr>
+            <a:spLocks noGrp="1" noRot="1" noChangeAspect="1"/>
+          </p:cNvSpPr>
+          <p:nvPr>
+            <p:ph type="sldImg"/>
+          </p:nvPr>
+        </p:nvSpPr>
+        <p:spPr/>
+      </p:sp>
+      <p:sp>
+        <p:nvSpPr>
+          <p:cNvPr id="3" name="Notes Placeholder 2"/>
+          <p:cNvSpPr>
+            <a:spLocks noGrp="1"/>
+          </p:cNvSpPr>
+          <p:nvPr>
+            <p:ph type="body" idx="1"/>
+          </p:nvPr>
+        </p:nvSpPr>
+        <p:spPr/>
+        <p:txBody>
+          <a:bodyPr/>
+          <a:lstStyle/>
+          <a:p>
+            <a:r>
+              <a:rPr lang="en-US" dirty="0"/>
+              <a:t>Product Page</a:t>
+            </a:r>
+          </a:p>
+        </p:txBody>
+      </p:sp>
+      <p:sp>
+        <p:nvSpPr>
+          <p:cNvPr id="4" name="Slide Number Placeholder 3"/>
+          <p:cNvSpPr>
+            <a:spLocks noGrp="1"/>
+          </p:cNvSpPr>
+          <p:nvPr>
+            <p:ph type="sldNum" sz="quarter" idx="5"/>
+          </p:nvPr>
+        </p:nvSpPr>
+        <p:spPr/>
+        <p:txBody>
+          <a:bodyPr/>
+          <a:lstStyle/>
+          <a:p>
+            <a:fld id="{B43C8CF7-923B-534E-BF53-23230B27D7C1}" type="slidenum">
+              <a:rPr lang="en-US" smtClean="0"/>
+              <a:t>2</a:t>
+            </a:fld>
+            <a:endParaRPr lang="en-US"/>
+          </a:p>
+        </p:txBody>
+      </p:sp>
+    </p:spTree>
+    <p:extLst>
+      <p:ext uri="{BB962C8B-B14F-4D97-AF65-F5344CB8AC3E}">
+        <p14:creationId xmlns:p14="http://schemas.microsoft.com/office/powerpoint/2010/main" val="2722879768"/>
+      </p:ext>
+    </p:extLst>
+  </p:cSld>
+  <p:clrMapOvr>
+    <a:masterClrMapping/>
+  </p:clrMapOvr>
+</p:notes>
+</file>
+
+<file path=ppt/notesSlides/notesSlide3.xml><?xml version="1.0" encoding="utf-8"?>
+<p:notes xmlns:a="http://schemas.openxmlformats.org/drawingml/2006/main" xmlns:r="http://schemas.openxmlformats.org/officeDocument/2006/relationships" xmlns:p="http://schemas.openxmlformats.org/presentationml/2006/main">
+  <p:cSld>
+    <p:spTree>
+      <p:nvGrpSpPr>
+        <p:cNvPr id="1" name=""/>
+        <p:cNvGrpSpPr/>
+        <p:nvPr/>
+      </p:nvGrpSpPr>
+      <p:grpSpPr>
+        <a:xfrm>
+          <a:off x="0" y="0"/>
+          <a:ext cx="0" cy="0"/>
+          <a:chOff x="0" y="0"/>
+          <a:chExt cx="0" cy="0"/>
+        </a:xfrm>
+      </p:grpSpPr>
+      <p:sp>
+        <p:nvSpPr>
+          <p:cNvPr id="2" name="Slide Image Placeholder 1"/>
+          <p:cNvSpPr>
+            <a:spLocks noGrp="1" noRot="1" noChangeAspect="1"/>
+          </p:cNvSpPr>
+          <p:nvPr>
+            <p:ph type="sldImg"/>
+          </p:nvPr>
+        </p:nvSpPr>
+        <p:spPr/>
+      </p:sp>
+      <p:sp>
+        <p:nvSpPr>
+          <p:cNvPr id="3" name="Notes Placeholder 2"/>
+          <p:cNvSpPr>
+            <a:spLocks noGrp="1"/>
+          </p:cNvSpPr>
+          <p:nvPr>
+            <p:ph type="body" idx="1"/>
+          </p:nvPr>
+        </p:nvSpPr>
+        <p:spPr/>
+        <p:txBody>
+          <a:bodyPr/>
+          <a:lstStyle/>
+          <a:p>
+            <a:r>
+              <a:rPr lang="en-US" dirty="0"/>
+              <a:t>Cart Page</a:t>
+            </a:r>
+          </a:p>
+        </p:txBody>
+      </p:sp>
+      <p:sp>
+        <p:nvSpPr>
+          <p:cNvPr id="4" name="Slide Number Placeholder 3"/>
+          <p:cNvSpPr>
+            <a:spLocks noGrp="1"/>
+          </p:cNvSpPr>
+          <p:nvPr>
+            <p:ph type="sldNum" sz="quarter" idx="5"/>
+          </p:nvPr>
+        </p:nvSpPr>
+        <p:spPr/>
+        <p:txBody>
+          <a:bodyPr/>
+          <a:lstStyle/>
+          <a:p>
+            <a:fld id="{B43C8CF7-923B-534E-BF53-23230B27D7C1}" type="slidenum">
+              <a:rPr lang="en-US" smtClean="0"/>
+              <a:t>3</a:t>
+            </a:fld>
+            <a:endParaRPr lang="en-US"/>
+          </a:p>
+        </p:txBody>
+      </p:sp>
+    </p:spTree>
+    <p:extLst>
+      <p:ext uri="{BB962C8B-B14F-4D97-AF65-F5344CB8AC3E}">
+        <p14:creationId xmlns:p14="http://schemas.microsoft.com/office/powerpoint/2010/main" val="3236123164"/>
+      </p:ext>
+    </p:extLst>
+  </p:cSld>
+  <p:clrMapOvr>
+    <a:masterClrMapping/>
+  </p:clrMapOvr>
+</p:notes>
 </file>
 
 <file path=ppt/slideLayouts/slideLayout1.xml><?xml version="1.0" encoding="utf-8"?>
@@ -254,7 +875,7 @@
           <a:p>
             <a:fld id="{B6B90777-D4DB-F44E-BA64-F53F1477FE6B}" type="datetimeFigureOut">
               <a:rPr lang="en-US" smtClean="0"/>
-              <a:t>4/14/20</a:t>
+              <a:t>4/17/20</a:t>
             </a:fld>
             <a:endParaRPr lang="en-US"/>
           </a:p>
@@ -452,7 +1073,7 @@
           <a:p>
             <a:fld id="{B6B90777-D4DB-F44E-BA64-F53F1477FE6B}" type="datetimeFigureOut">
               <a:rPr lang="en-US" smtClean="0"/>
-              <a:t>4/14/20</a:t>
+              <a:t>4/17/20</a:t>
             </a:fld>
             <a:endParaRPr lang="en-US"/>
           </a:p>
@@ -660,7 +1281,7 @@
           <a:p>
             <a:fld id="{B6B90777-D4DB-F44E-BA64-F53F1477FE6B}" type="datetimeFigureOut">
               <a:rPr lang="en-US" smtClean="0"/>
-              <a:t>4/14/20</a:t>
+              <a:t>4/17/20</a:t>
             </a:fld>
             <a:endParaRPr lang="en-US"/>
           </a:p>
@@ -858,7 +1479,7 @@
           <a:p>
             <a:fld id="{B6B90777-D4DB-F44E-BA64-F53F1477FE6B}" type="datetimeFigureOut">
               <a:rPr lang="en-US" smtClean="0"/>
-              <a:t>4/14/20</a:t>
+              <a:t>4/17/20</a:t>
             </a:fld>
             <a:endParaRPr lang="en-US"/>
           </a:p>
@@ -1133,7 +1754,7 @@
           <a:p>
             <a:fld id="{B6B90777-D4DB-F44E-BA64-F53F1477FE6B}" type="datetimeFigureOut">
               <a:rPr lang="en-US" smtClean="0"/>
-              <a:t>4/14/20</a:t>
+              <a:t>4/17/20</a:t>
             </a:fld>
             <a:endParaRPr lang="en-US"/>
           </a:p>
@@ -1398,7 +2019,7 @@
           <a:p>
             <a:fld id="{B6B90777-D4DB-F44E-BA64-F53F1477FE6B}" type="datetimeFigureOut">
               <a:rPr lang="en-US" smtClean="0"/>
-              <a:t>4/14/20</a:t>
+              <a:t>4/17/20</a:t>
             </a:fld>
             <a:endParaRPr lang="en-US"/>
           </a:p>
@@ -1810,7 +2431,7 @@
           <a:p>
             <a:fld id="{B6B90777-D4DB-F44E-BA64-F53F1477FE6B}" type="datetimeFigureOut">
               <a:rPr lang="en-US" smtClean="0"/>
-              <a:t>4/14/20</a:t>
+              <a:t>4/17/20</a:t>
             </a:fld>
             <a:endParaRPr lang="en-US"/>
           </a:p>
@@ -1951,7 +2572,7 @@
           <a:p>
             <a:fld id="{B6B90777-D4DB-F44E-BA64-F53F1477FE6B}" type="datetimeFigureOut">
               <a:rPr lang="en-US" smtClean="0"/>
-              <a:t>4/14/20</a:t>
+              <a:t>4/17/20</a:t>
             </a:fld>
             <a:endParaRPr lang="en-US"/>
           </a:p>
@@ -2064,7 +2685,7 @@
           <a:p>
             <a:fld id="{B6B90777-D4DB-F44E-BA64-F53F1477FE6B}" type="datetimeFigureOut">
               <a:rPr lang="en-US" smtClean="0"/>
-              <a:t>4/14/20</a:t>
+              <a:t>4/17/20</a:t>
             </a:fld>
             <a:endParaRPr lang="en-US"/>
           </a:p>
@@ -2375,7 +2996,7 @@
           <a:p>
             <a:fld id="{B6B90777-D4DB-F44E-BA64-F53F1477FE6B}" type="datetimeFigureOut">
               <a:rPr lang="en-US" smtClean="0"/>
-              <a:t>4/14/20</a:t>
+              <a:t>4/17/20</a:t>
             </a:fld>
             <a:endParaRPr lang="en-US"/>
           </a:p>
@@ -2663,7 +3284,7 @@
           <a:p>
             <a:fld id="{B6B90777-D4DB-F44E-BA64-F53F1477FE6B}" type="datetimeFigureOut">
               <a:rPr lang="en-US" smtClean="0"/>
-              <a:t>4/14/20</a:t>
+              <a:t>4/17/20</a:t>
             </a:fld>
             <a:endParaRPr lang="en-US"/>
           </a:p>
@@ -2904,7 +3525,7 @@
           <a:p>
             <a:fld id="{B6B90777-D4DB-F44E-BA64-F53F1477FE6B}" type="datetimeFigureOut">
               <a:rPr lang="en-US" smtClean="0"/>
-              <a:t>4/14/20</a:t>
+              <a:t>4/17/20</a:t>
             </a:fld>
             <a:endParaRPr lang="en-US"/>
           </a:p>
@@ -3373,8 +3994,8 @@
               <a:t>	</a:t>
             </a:r>
             <a:r>
-              <a:rPr lang="en-US" sz="2400" dirty="0"/>
-              <a:t>eFood</a:t>
+              <a:rPr lang="en-US" sz="2400" dirty="0" err="1"/>
+              <a:t>efood</a:t>
             </a:r>
             <a:endParaRPr lang="en-US" dirty="0"/>
           </a:p>
@@ -3878,16 +4499,3390 @@
             <a:pPr algn="ctr"/>
             <a:r>
               <a:rPr lang="en-US" sz="1400" dirty="0"/>
-              <a:t>Login With Google</a:t>
+              <a:t>Login With GitHub</a:t>
             </a:r>
             <a:endParaRPr lang="en-US" dirty="0"/>
           </a:p>
         </p:txBody>
       </p:sp>
+      <p:sp>
+        <p:nvSpPr>
+          <p:cNvPr id="18" name="Rounded Rectangle 17">
+            <a:extLst>
+              <a:ext uri="{FF2B5EF4-FFF2-40B4-BE49-F238E27FC236}">
+                <a16:creationId xmlns:a16="http://schemas.microsoft.com/office/drawing/2014/main" id="{77AC3FD8-50E7-1449-BC9E-E2DC407C5212}"/>
+              </a:ext>
+            </a:extLst>
+          </p:cNvPr>
+          <p:cNvSpPr/>
+          <p:nvPr/>
+        </p:nvSpPr>
+        <p:spPr>
+          <a:xfrm>
+            <a:off x="1365160" y="1584095"/>
+            <a:ext cx="3129567" cy="296216"/>
+          </a:xfrm>
+          <a:prstGeom prst="roundRect">
+            <a:avLst/>
+          </a:prstGeom>
+          <a:noFill/>
+          <a:ln>
+            <a:solidFill>
+              <a:schemeClr val="tx1"/>
+            </a:solidFill>
+          </a:ln>
+        </p:spPr>
+        <p:style>
+          <a:lnRef idx="2">
+            <a:schemeClr val="accent1">
+              <a:shade val="50000"/>
+            </a:schemeClr>
+          </a:lnRef>
+          <a:fillRef idx="1">
+            <a:schemeClr val="accent1"/>
+          </a:fillRef>
+          <a:effectRef idx="0">
+            <a:schemeClr val="accent1"/>
+          </a:effectRef>
+          <a:fontRef idx="minor">
+            <a:schemeClr val="lt1"/>
+          </a:fontRef>
+        </p:style>
+        <p:txBody>
+          <a:bodyPr rtlCol="0" anchor="ctr"/>
+          <a:lstStyle/>
+          <a:p>
+            <a:r>
+              <a:rPr lang="en-US" dirty="0">
+                <a:solidFill>
+                  <a:schemeClr val="tx1"/>
+                </a:solidFill>
+              </a:rPr>
+              <a:t>     Search</a:t>
+            </a:r>
+          </a:p>
+        </p:txBody>
+      </p:sp>
+      <p:sp>
+        <p:nvSpPr>
+          <p:cNvPr id="19" name="Donut 18">
+            <a:extLst>
+              <a:ext uri="{FF2B5EF4-FFF2-40B4-BE49-F238E27FC236}">
+                <a16:creationId xmlns:a16="http://schemas.microsoft.com/office/drawing/2014/main" id="{C7F65381-EE06-EA4F-93BD-8A7F19B28ED7}"/>
+              </a:ext>
+            </a:extLst>
+          </p:cNvPr>
+          <p:cNvSpPr/>
+          <p:nvPr/>
+        </p:nvSpPr>
+        <p:spPr>
+          <a:xfrm>
+            <a:off x="1460727" y="1640572"/>
+            <a:ext cx="110270" cy="117390"/>
+          </a:xfrm>
+          <a:prstGeom prst="donut">
+            <a:avLst>
+              <a:gd name="adj" fmla="val 0"/>
+            </a:avLst>
+          </a:prstGeom>
+          <a:solidFill>
+            <a:schemeClr val="tx1"/>
+          </a:solidFill>
+          <a:ln>
+            <a:solidFill>
+              <a:schemeClr val="tx1"/>
+            </a:solidFill>
+          </a:ln>
+        </p:spPr>
+        <p:style>
+          <a:lnRef idx="2">
+            <a:schemeClr val="accent1">
+              <a:shade val="50000"/>
+            </a:schemeClr>
+          </a:lnRef>
+          <a:fillRef idx="1">
+            <a:schemeClr val="accent1"/>
+          </a:fillRef>
+          <a:effectRef idx="0">
+            <a:schemeClr val="accent1"/>
+          </a:effectRef>
+          <a:fontRef idx="minor">
+            <a:schemeClr val="lt1"/>
+          </a:fontRef>
+        </p:style>
+        <p:txBody>
+          <a:bodyPr rtlCol="0" anchor="ctr"/>
+          <a:lstStyle/>
+          <a:p>
+            <a:pPr algn="ctr"/>
+            <a:endParaRPr lang="en-US">
+              <a:solidFill>
+                <a:schemeClr val="tx1"/>
+              </a:solidFill>
+            </a:endParaRPr>
+          </a:p>
+        </p:txBody>
+      </p:sp>
+      <p:cxnSp>
+        <p:nvCxnSpPr>
+          <p:cNvPr id="20" name="Straight Connector 19">
+            <a:extLst>
+              <a:ext uri="{FF2B5EF4-FFF2-40B4-BE49-F238E27FC236}">
+                <a16:creationId xmlns:a16="http://schemas.microsoft.com/office/drawing/2014/main" id="{CC9E478D-81B3-254A-BBF1-0EEEF9A6E61F}"/>
+              </a:ext>
+            </a:extLst>
+          </p:cNvPr>
+          <p:cNvCxnSpPr>
+            <a:stCxn id="19" idx="5"/>
+          </p:cNvCxnSpPr>
+          <p:nvPr/>
+        </p:nvCxnSpPr>
+        <p:spPr>
+          <a:xfrm>
+            <a:off x="1554848" y="1740771"/>
+            <a:ext cx="74827" cy="105174"/>
+          </a:xfrm>
+          <a:prstGeom prst="line">
+            <a:avLst/>
+          </a:prstGeom>
+          <a:ln w="19050">
+            <a:solidFill>
+              <a:schemeClr val="tx1"/>
+            </a:solidFill>
+          </a:ln>
+        </p:spPr>
+        <p:style>
+          <a:lnRef idx="1">
+            <a:schemeClr val="accent1"/>
+          </a:lnRef>
+          <a:fillRef idx="0">
+            <a:schemeClr val="accent1"/>
+          </a:fillRef>
+          <a:effectRef idx="0">
+            <a:schemeClr val="accent1"/>
+          </a:effectRef>
+          <a:fontRef idx="minor">
+            <a:schemeClr val="tx1"/>
+          </a:fontRef>
+        </p:style>
+      </p:cxnSp>
+      <p:graphicFrame>
+        <p:nvGraphicFramePr>
+          <p:cNvPr id="13" name="Table 12">
+            <a:extLst>
+              <a:ext uri="{FF2B5EF4-FFF2-40B4-BE49-F238E27FC236}">
+                <a16:creationId xmlns:a16="http://schemas.microsoft.com/office/drawing/2014/main" id="{10DC96C1-5886-8A4B-A49C-FD010631C9F0}"/>
+              </a:ext>
+            </a:extLst>
+          </p:cNvPr>
+          <p:cNvGraphicFramePr>
+            <a:graphicFrameLocks noGrp="1"/>
+          </p:cNvGraphicFramePr>
+          <p:nvPr>
+            <p:extLst>
+              <p:ext uri="{D42A27DB-BD31-4B8C-83A1-F6EECF244321}">
+                <p14:modId xmlns:p14="http://schemas.microsoft.com/office/powerpoint/2010/main" val="3046443203"/>
+              </p:ext>
+            </p:extLst>
+          </p:nvPr>
+        </p:nvGraphicFramePr>
+        <p:xfrm>
+          <a:off x="1365159" y="2550017"/>
+          <a:ext cx="8950818" cy="3772205"/>
+        </p:xfrm>
+        <a:graphic>
+          <a:graphicData uri="http://schemas.openxmlformats.org/drawingml/2006/table">
+            <a:tbl>
+              <a:tblPr firstRow="1" bandRow="1">
+                <a:tableStyleId>{5940675A-B579-460E-94D1-54222C63F5DA}</a:tableStyleId>
+              </a:tblPr>
+              <a:tblGrid>
+                <a:gridCol w="2983606">
+                  <a:extLst>
+                    <a:ext uri="{9D8B030D-6E8A-4147-A177-3AD203B41FA5}">
+                      <a16:colId xmlns:a16="http://schemas.microsoft.com/office/drawing/2014/main" val="1231118601"/>
+                    </a:ext>
+                  </a:extLst>
+                </a:gridCol>
+                <a:gridCol w="2983606">
+                  <a:extLst>
+                    <a:ext uri="{9D8B030D-6E8A-4147-A177-3AD203B41FA5}">
+                      <a16:colId xmlns:a16="http://schemas.microsoft.com/office/drawing/2014/main" val="2596623796"/>
+                    </a:ext>
+                  </a:extLst>
+                </a:gridCol>
+                <a:gridCol w="2983606">
+                  <a:extLst>
+                    <a:ext uri="{9D8B030D-6E8A-4147-A177-3AD203B41FA5}">
+                      <a16:colId xmlns:a16="http://schemas.microsoft.com/office/drawing/2014/main" val="1884620015"/>
+                    </a:ext>
+                  </a:extLst>
+                </a:gridCol>
+              </a:tblGrid>
+              <a:tr h="450440">
+                <a:tc>
+                  <a:txBody>
+                    <a:bodyPr/>
+                    <a:lstStyle/>
+                    <a:p>
+                      <a:pPr algn="l" fontAlgn="b"/>
+                      <a:r>
+                        <a:rPr lang="en-US" sz="2000" b="0" i="0" u="none" strike="noStrike" dirty="0">
+                          <a:solidFill>
+                            <a:srgbClr val="000000"/>
+                          </a:solidFill>
+                          <a:effectLst/>
+                          <a:latin typeface="Calibri" panose="020F0502020204030204" pitchFamily="34" charset="0"/>
+                        </a:rPr>
+                        <a:t>Celery</a:t>
+                      </a:r>
+                    </a:p>
+                  </a:txBody>
+                  <a:tcPr marL="9525" marR="9525" marT="9525" marB="0" anchor="b"/>
+                </a:tc>
+                <a:tc>
+                  <a:txBody>
+                    <a:bodyPr/>
+                    <a:lstStyle/>
+                    <a:p>
+                      <a:pPr algn="l" fontAlgn="b"/>
+                      <a:r>
+                        <a:rPr lang="en-US" sz="2000" b="0" i="0" u="none" strike="noStrike" dirty="0" err="1">
+                          <a:solidFill>
+                            <a:srgbClr val="000000"/>
+                          </a:solidFill>
+                          <a:effectLst/>
+                          <a:latin typeface="Calibri" panose="020F0502020204030204" pitchFamily="34" charset="0"/>
+                        </a:rPr>
+                        <a:t>en:celery</a:t>
+                      </a:r>
+                      <a:endParaRPr lang="en-US" sz="2000" b="0" i="0" u="none" strike="noStrike" dirty="0">
+                        <a:solidFill>
+                          <a:srgbClr val="000000"/>
+                        </a:solidFill>
+                        <a:effectLst/>
+                        <a:latin typeface="Calibri" panose="020F0502020204030204" pitchFamily="34" charset="0"/>
+                      </a:endParaRPr>
+                    </a:p>
+                  </a:txBody>
+                  <a:tcPr marL="9525" marR="9525" marT="9525" marB="0" anchor="b"/>
+                </a:tc>
+                <a:tc>
+                  <a:txBody>
+                    <a:bodyPr/>
+                    <a:lstStyle/>
+                    <a:p>
+                      <a:pPr algn="ctr"/>
+                      <a:r>
+                        <a:rPr lang="en-US" sz="1400" dirty="0"/>
+                        <a:t>Add to Cart</a:t>
+                      </a:r>
+                    </a:p>
+                  </a:txBody>
+                  <a:tcPr anchor="ctr"/>
+                </a:tc>
+                <a:extLst>
+                  <a:ext uri="{0D108BD9-81ED-4DB2-BD59-A6C34878D82A}">
+                    <a16:rowId xmlns:a16="http://schemas.microsoft.com/office/drawing/2014/main" val="366143541"/>
+                  </a:ext>
+                </a:extLst>
+              </a:tr>
+              <a:tr h="450440">
+                <a:tc>
+                  <a:txBody>
+                    <a:bodyPr/>
+                    <a:lstStyle/>
+                    <a:p>
+                      <a:pPr algn="l" fontAlgn="b"/>
+                      <a:r>
+                        <a:rPr lang="en-US" sz="2000" b="0" i="0" u="none" strike="noStrike" dirty="0">
+                          <a:solidFill>
+                            <a:srgbClr val="000000"/>
+                          </a:solidFill>
+                          <a:effectLst/>
+                          <a:latin typeface="Calibri" panose="020F0502020204030204" pitchFamily="34" charset="0"/>
+                        </a:rPr>
+                        <a:t>Coeur de </a:t>
+                      </a:r>
+                      <a:r>
+                        <a:rPr lang="en-US" sz="2000" b="0" i="0" u="none" strike="noStrike" dirty="0" err="1">
+                          <a:solidFill>
+                            <a:srgbClr val="000000"/>
+                          </a:solidFill>
+                          <a:effectLst/>
+                          <a:latin typeface="Calibri" panose="020F0502020204030204" pitchFamily="34" charset="0"/>
+                        </a:rPr>
+                        <a:t>laitue</a:t>
+                      </a:r>
+                      <a:endParaRPr lang="en-US" sz="2000" b="0" i="0" u="none" strike="noStrike" dirty="0">
+                        <a:solidFill>
+                          <a:srgbClr val="000000"/>
+                        </a:solidFill>
+                        <a:effectLst/>
+                        <a:latin typeface="Calibri" panose="020F0502020204030204" pitchFamily="34" charset="0"/>
+                      </a:endParaRPr>
+                    </a:p>
+                  </a:txBody>
+                  <a:tcPr marL="9525" marR="9525" marT="9525" marB="0" anchor="b"/>
+                </a:tc>
+                <a:tc>
+                  <a:txBody>
+                    <a:bodyPr/>
+                    <a:lstStyle/>
+                    <a:p>
+                      <a:pPr algn="l" fontAlgn="b"/>
+                      <a:endParaRPr lang="en-US" sz="2000" b="0" i="0" u="none" strike="noStrike">
+                        <a:solidFill>
+                          <a:srgbClr val="000000"/>
+                        </a:solidFill>
+                        <a:effectLst/>
+                        <a:latin typeface="Calibri" panose="020F0502020204030204" pitchFamily="34" charset="0"/>
+                      </a:endParaRPr>
+                    </a:p>
+                  </a:txBody>
+                  <a:tcPr marL="9525" marR="9525" marT="9525" marB="0" anchor="b"/>
+                </a:tc>
+                <a:tc>
+                  <a:txBody>
+                    <a:bodyPr/>
+                    <a:lstStyle/>
+                    <a:p>
+                      <a:pPr marL="0" marR="0" indent="0" algn="ctr" defTabSz="914400" rtl="0" eaLnBrk="1" fontAlgn="auto" latinLnBrk="0" hangingPunct="1">
+                        <a:lnSpc>
+                          <a:spcPct val="100000"/>
+                        </a:lnSpc>
+                        <a:spcBef>
+                          <a:spcPts val="0"/>
+                        </a:spcBef>
+                        <a:spcAft>
+                          <a:spcPts val="0"/>
+                        </a:spcAft>
+                        <a:buClrTx/>
+                        <a:buSzTx/>
+                        <a:buFontTx/>
+                        <a:buNone/>
+                        <a:tabLst/>
+                        <a:defRPr/>
+                      </a:pPr>
+                      <a:r>
+                        <a:rPr kumimoji="0" lang="en-US" sz="1400" b="0" i="0" u="none" strike="noStrike" kern="1200" cap="none" spc="0" normalizeH="0" baseline="0" noProof="0" dirty="0">
+                          <a:ln>
+                            <a:noFill/>
+                          </a:ln>
+                          <a:solidFill>
+                            <a:prstClr val="black"/>
+                          </a:solidFill>
+                          <a:effectLst/>
+                          <a:uLnTx/>
+                          <a:uFillTx/>
+                          <a:latin typeface="+mn-lt"/>
+                          <a:ea typeface="+mn-ea"/>
+                          <a:cs typeface="+mn-cs"/>
+                        </a:rPr>
+                        <a:t>Add to Cart</a:t>
+                      </a:r>
+                      <a:endParaRPr lang="en-US" dirty="0"/>
+                    </a:p>
+                  </a:txBody>
+                  <a:tcPr anchor="ctr"/>
+                </a:tc>
+                <a:extLst>
+                  <a:ext uri="{0D108BD9-81ED-4DB2-BD59-A6C34878D82A}">
+                    <a16:rowId xmlns:a16="http://schemas.microsoft.com/office/drawing/2014/main" val="2032564742"/>
+                  </a:ext>
+                </a:extLst>
+              </a:tr>
+              <a:tr h="604718">
+                <a:tc>
+                  <a:txBody>
+                    <a:bodyPr/>
+                    <a:lstStyle/>
+                    <a:p>
+                      <a:pPr algn="l" fontAlgn="b"/>
+                      <a:r>
+                        <a:rPr lang="en-US" sz="2000" b="0" i="0" u="none" strike="noStrike" dirty="0">
+                          <a:solidFill>
+                            <a:srgbClr val="000000"/>
+                          </a:solidFill>
+                          <a:effectLst/>
+                          <a:latin typeface="Calibri" panose="020F0502020204030204" pitchFamily="34" charset="0"/>
+                        </a:rPr>
+                        <a:t>The glace </a:t>
+                      </a:r>
+                      <a:r>
+                        <a:rPr lang="en-US" sz="2000" b="0" i="0" u="none" strike="noStrike" dirty="0" err="1">
+                          <a:solidFill>
+                            <a:srgbClr val="000000"/>
+                          </a:solidFill>
+                          <a:effectLst/>
+                          <a:latin typeface="Calibri" panose="020F0502020204030204" pitchFamily="34" charset="0"/>
+                        </a:rPr>
+                        <a:t>saveur</a:t>
+                      </a:r>
+                      <a:r>
+                        <a:rPr lang="en-US" sz="2000" b="0" i="0" u="none" strike="noStrike" dirty="0">
+                          <a:solidFill>
+                            <a:srgbClr val="000000"/>
+                          </a:solidFill>
+                          <a:effectLst/>
+                          <a:latin typeface="Calibri" panose="020F0502020204030204" pitchFamily="34" charset="0"/>
+                        </a:rPr>
+                        <a:t> </a:t>
+                      </a:r>
+                      <a:r>
+                        <a:rPr lang="en-US" sz="2000" b="0" i="0" u="none" strike="noStrike" dirty="0" err="1">
+                          <a:solidFill>
+                            <a:srgbClr val="000000"/>
+                          </a:solidFill>
+                          <a:effectLst/>
+                          <a:latin typeface="Calibri" panose="020F0502020204030204" pitchFamily="34" charset="0"/>
+                        </a:rPr>
+                        <a:t>peche</a:t>
+                      </a:r>
+                      <a:endParaRPr lang="en-US" sz="2000" b="0" i="0" u="none" strike="noStrike" dirty="0">
+                        <a:solidFill>
+                          <a:srgbClr val="000000"/>
+                        </a:solidFill>
+                        <a:effectLst/>
+                        <a:latin typeface="Calibri" panose="020F0502020204030204" pitchFamily="34" charset="0"/>
+                      </a:endParaRPr>
+                    </a:p>
+                  </a:txBody>
+                  <a:tcPr marL="9525" marR="9525" marT="9525" marB="0" anchor="b"/>
+                </a:tc>
+                <a:tc>
+                  <a:txBody>
+                    <a:bodyPr/>
+                    <a:lstStyle/>
+                    <a:p>
+                      <a:pPr algn="l" fontAlgn="b"/>
+                      <a:r>
+                        <a:rPr lang="fr" sz="2000" b="0" i="0" u="none" strike="noStrike" dirty="0">
+                          <a:solidFill>
+                            <a:srgbClr val="000000"/>
+                          </a:solidFill>
+                          <a:effectLst/>
+                          <a:latin typeface="Calibri" panose="020F0502020204030204" pitchFamily="34" charset="0"/>
+                        </a:rPr>
+                        <a:t>Aliments et boissons √† base de v√©g√©taux</a:t>
+                      </a:r>
+                    </a:p>
+                  </a:txBody>
+                  <a:tcPr marL="9525" marR="9525" marT="9525" marB="0" anchor="b"/>
+                </a:tc>
+                <a:tc>
+                  <a:txBody>
+                    <a:bodyPr/>
+                    <a:lstStyle/>
+                    <a:p>
+                      <a:pPr algn="ctr"/>
+                      <a:r>
+                        <a:rPr lang="en-US" sz="1400" dirty="0"/>
+                        <a:t>Add to Cart</a:t>
+                      </a:r>
+                    </a:p>
+                  </a:txBody>
+                  <a:tcPr anchor="ctr"/>
+                </a:tc>
+                <a:extLst>
+                  <a:ext uri="{0D108BD9-81ED-4DB2-BD59-A6C34878D82A}">
+                    <a16:rowId xmlns:a16="http://schemas.microsoft.com/office/drawing/2014/main" val="3300080902"/>
+                  </a:ext>
+                </a:extLst>
+              </a:tr>
+              <a:tr h="450440">
+                <a:tc>
+                  <a:txBody>
+                    <a:bodyPr/>
+                    <a:lstStyle/>
+                    <a:p>
+                      <a:pPr algn="l" fontAlgn="b"/>
+                      <a:r>
+                        <a:rPr lang="en-US" sz="2000" b="0" i="0" u="none" strike="noStrike" dirty="0">
+                          <a:solidFill>
+                            <a:srgbClr val="000000"/>
+                          </a:solidFill>
+                          <a:effectLst/>
+                          <a:latin typeface="Calibri" panose="020F0502020204030204" pitchFamily="34" charset="0"/>
+                        </a:rPr>
+                        <a:t>Whole Green Chile</a:t>
+                      </a:r>
+                    </a:p>
+                  </a:txBody>
+                  <a:tcPr marL="9525" marR="9525" marT="9525" marB="0" anchor="b"/>
+                </a:tc>
+                <a:tc>
+                  <a:txBody>
+                    <a:bodyPr/>
+                    <a:lstStyle/>
+                    <a:p>
+                      <a:pPr algn="l" fontAlgn="b"/>
+                      <a:endParaRPr lang="en-US" sz="2000" b="0" i="0" u="none" strike="noStrike">
+                        <a:solidFill>
+                          <a:srgbClr val="000000"/>
+                        </a:solidFill>
+                        <a:effectLst/>
+                        <a:latin typeface="Calibri" panose="020F0502020204030204" pitchFamily="34" charset="0"/>
+                      </a:endParaRPr>
+                    </a:p>
+                  </a:txBody>
+                  <a:tcPr marL="9525" marR="9525" marT="9525" marB="0" anchor="b"/>
+                </a:tc>
+                <a:tc>
+                  <a:txBody>
+                    <a:bodyPr/>
+                    <a:lstStyle/>
+                    <a:p>
+                      <a:pPr marL="0" marR="0" indent="0" algn="ctr" defTabSz="914400" rtl="0" eaLnBrk="1" fontAlgn="auto" latinLnBrk="0" hangingPunct="1">
+                        <a:lnSpc>
+                          <a:spcPct val="100000"/>
+                        </a:lnSpc>
+                        <a:spcBef>
+                          <a:spcPts val="0"/>
+                        </a:spcBef>
+                        <a:spcAft>
+                          <a:spcPts val="0"/>
+                        </a:spcAft>
+                        <a:buClrTx/>
+                        <a:buSzTx/>
+                        <a:buFontTx/>
+                        <a:buNone/>
+                        <a:tabLst/>
+                        <a:defRPr/>
+                      </a:pPr>
+                      <a:r>
+                        <a:rPr kumimoji="0" lang="en-US" sz="1400" b="0" i="0" u="none" strike="noStrike" kern="1200" cap="none" spc="0" normalizeH="0" baseline="0" noProof="0" dirty="0">
+                          <a:ln>
+                            <a:noFill/>
+                          </a:ln>
+                          <a:solidFill>
+                            <a:prstClr val="black"/>
+                          </a:solidFill>
+                          <a:effectLst/>
+                          <a:uLnTx/>
+                          <a:uFillTx/>
+                          <a:latin typeface="+mn-lt"/>
+                          <a:ea typeface="+mn-ea"/>
+                          <a:cs typeface="+mn-cs"/>
+                        </a:rPr>
+                        <a:t>Add to Cart</a:t>
+                      </a:r>
+                      <a:endParaRPr lang="en-US" dirty="0"/>
+                    </a:p>
+                  </a:txBody>
+                  <a:tcPr anchor="ctr"/>
+                </a:tc>
+                <a:extLst>
+                  <a:ext uri="{0D108BD9-81ED-4DB2-BD59-A6C34878D82A}">
+                    <a16:rowId xmlns:a16="http://schemas.microsoft.com/office/drawing/2014/main" val="4012003779"/>
+                  </a:ext>
+                </a:extLst>
+              </a:tr>
+              <a:tr h="450440">
+                <a:tc>
+                  <a:txBody>
+                    <a:bodyPr/>
+                    <a:lstStyle/>
+                    <a:p>
+                      <a:pPr algn="l" fontAlgn="b"/>
+                      <a:r>
+                        <a:rPr lang="en-US" sz="2000" b="0" i="0" u="none" strike="noStrike">
+                          <a:solidFill>
+                            <a:srgbClr val="000000"/>
+                          </a:solidFill>
+                          <a:effectLst/>
+                          <a:latin typeface="Calibri" panose="020F0502020204030204" pitchFamily="34" charset="0"/>
+                        </a:rPr>
+                        <a:t>Chopped Mixed Greens</a:t>
+                      </a:r>
+                    </a:p>
+                  </a:txBody>
+                  <a:tcPr marL="9525" marR="9525" marT="9525" marB="0" anchor="b"/>
+                </a:tc>
+                <a:tc>
+                  <a:txBody>
+                    <a:bodyPr/>
+                    <a:lstStyle/>
+                    <a:p>
+                      <a:pPr algn="l" fontAlgn="b"/>
+                      <a:endParaRPr lang="en-US" sz="2000" b="0" i="0" u="none" strike="noStrike">
+                        <a:solidFill>
+                          <a:srgbClr val="000000"/>
+                        </a:solidFill>
+                        <a:effectLst/>
+                        <a:latin typeface="Calibri" panose="020F0502020204030204" pitchFamily="34" charset="0"/>
+                      </a:endParaRPr>
+                    </a:p>
+                  </a:txBody>
+                  <a:tcPr marL="9525" marR="9525" marT="9525" marB="0" anchor="b"/>
+                </a:tc>
+                <a:tc>
+                  <a:txBody>
+                    <a:bodyPr/>
+                    <a:lstStyle/>
+                    <a:p>
+                      <a:pPr algn="ctr"/>
+                      <a:r>
+                        <a:rPr lang="en-US" sz="1400" dirty="0"/>
+                        <a:t>Add to Cart</a:t>
+                      </a:r>
+                    </a:p>
+                  </a:txBody>
+                  <a:tcPr anchor="ctr"/>
+                </a:tc>
+                <a:extLst>
+                  <a:ext uri="{0D108BD9-81ED-4DB2-BD59-A6C34878D82A}">
+                    <a16:rowId xmlns:a16="http://schemas.microsoft.com/office/drawing/2014/main" val="1819319870"/>
+                  </a:ext>
+                </a:extLst>
+              </a:tr>
+              <a:tr h="450440">
+                <a:tc>
+                  <a:txBody>
+                    <a:bodyPr/>
+                    <a:lstStyle/>
+                    <a:p>
+                      <a:pPr algn="l" fontAlgn="b"/>
+                      <a:r>
+                        <a:rPr lang="en-US" sz="2000" b="0" i="0" u="none" strike="noStrike" dirty="0">
+                          <a:solidFill>
+                            <a:srgbClr val="000000"/>
+                          </a:solidFill>
+                          <a:effectLst/>
+                          <a:latin typeface="Calibri" panose="020F0502020204030204" pitchFamily="34" charset="0"/>
+                        </a:rPr>
+                        <a:t>Bean Sprouts</a:t>
+                      </a:r>
+                    </a:p>
+                  </a:txBody>
+                  <a:tcPr marL="9525" marR="9525" marT="9525" marB="0" anchor="b"/>
+                </a:tc>
+                <a:tc>
+                  <a:txBody>
+                    <a:bodyPr/>
+                    <a:lstStyle/>
+                    <a:p>
+                      <a:pPr algn="l" fontAlgn="b"/>
+                      <a:r>
+                        <a:rPr lang="en-US" sz="2000" b="0" i="0" u="none" strike="noStrike">
+                          <a:solidFill>
+                            <a:srgbClr val="000000"/>
+                          </a:solidFill>
+                          <a:effectLst/>
+                          <a:latin typeface="Calibri" panose="020F0502020204030204" pitchFamily="34" charset="0"/>
+                        </a:rPr>
+                        <a:t>en:fresh-mung-bean-sprouts</a:t>
+                      </a:r>
+                    </a:p>
+                  </a:txBody>
+                  <a:tcPr marL="9525" marR="9525" marT="9525" marB="0" anchor="b"/>
+                </a:tc>
+                <a:tc>
+                  <a:txBody>
+                    <a:bodyPr/>
+                    <a:lstStyle/>
+                    <a:p>
+                      <a:pPr marL="0" marR="0" indent="0" algn="ctr" defTabSz="914400" rtl="0" eaLnBrk="1" fontAlgn="auto" latinLnBrk="0" hangingPunct="1">
+                        <a:lnSpc>
+                          <a:spcPct val="100000"/>
+                        </a:lnSpc>
+                        <a:spcBef>
+                          <a:spcPts val="0"/>
+                        </a:spcBef>
+                        <a:spcAft>
+                          <a:spcPts val="0"/>
+                        </a:spcAft>
+                        <a:buClrTx/>
+                        <a:buSzTx/>
+                        <a:buFontTx/>
+                        <a:buNone/>
+                        <a:tabLst/>
+                        <a:defRPr/>
+                      </a:pPr>
+                      <a:r>
+                        <a:rPr kumimoji="0" lang="en-US" sz="1400" b="0" i="0" u="none" strike="noStrike" kern="1200" cap="none" spc="0" normalizeH="0" baseline="0" noProof="0" dirty="0">
+                          <a:ln>
+                            <a:noFill/>
+                          </a:ln>
+                          <a:solidFill>
+                            <a:prstClr val="black"/>
+                          </a:solidFill>
+                          <a:effectLst/>
+                          <a:uLnTx/>
+                          <a:uFillTx/>
+                          <a:latin typeface="+mn-lt"/>
+                          <a:ea typeface="+mn-ea"/>
+                          <a:cs typeface="+mn-cs"/>
+                        </a:rPr>
+                        <a:t>Add to Cart</a:t>
+                      </a:r>
+                      <a:endParaRPr lang="en-US" dirty="0"/>
+                    </a:p>
+                  </a:txBody>
+                  <a:tcPr anchor="ctr"/>
+                </a:tc>
+                <a:extLst>
+                  <a:ext uri="{0D108BD9-81ED-4DB2-BD59-A6C34878D82A}">
+                    <a16:rowId xmlns:a16="http://schemas.microsoft.com/office/drawing/2014/main" val="1761819702"/>
+                  </a:ext>
+                </a:extLst>
+              </a:tr>
+              <a:tr h="450440">
+                <a:tc>
+                  <a:txBody>
+                    <a:bodyPr/>
+                    <a:lstStyle/>
+                    <a:p>
+                      <a:pPr algn="l" fontAlgn="b"/>
+                      <a:r>
+                        <a:rPr lang="en-US" sz="2000" b="0" i="0" u="none" strike="noStrike">
+                          <a:solidFill>
+                            <a:srgbClr val="000000"/>
+                          </a:solidFill>
+                          <a:effectLst/>
+                          <a:latin typeface="Calibri" panose="020F0502020204030204" pitchFamily="34" charset="0"/>
+                        </a:rPr>
+                        <a:t>Stir-Fry Vegetables</a:t>
+                      </a:r>
+                    </a:p>
+                  </a:txBody>
+                  <a:tcPr marL="9525" marR="9525" marT="9525" marB="0" anchor="b"/>
+                </a:tc>
+                <a:tc>
+                  <a:txBody>
+                    <a:bodyPr/>
+                    <a:lstStyle/>
+                    <a:p>
+                      <a:pPr algn="l" fontAlgn="b"/>
+                      <a:endParaRPr lang="en-US" sz="2000" b="0" i="0" u="none" strike="noStrike">
+                        <a:solidFill>
+                          <a:srgbClr val="000000"/>
+                        </a:solidFill>
+                        <a:effectLst/>
+                        <a:latin typeface="Calibri" panose="020F0502020204030204" pitchFamily="34" charset="0"/>
+                      </a:endParaRPr>
+                    </a:p>
+                  </a:txBody>
+                  <a:tcPr marL="9525" marR="9525" marT="9525" marB="0" anchor="b"/>
+                </a:tc>
+                <a:tc>
+                  <a:txBody>
+                    <a:bodyPr/>
+                    <a:lstStyle/>
+                    <a:p>
+                      <a:pPr algn="ctr"/>
+                      <a:r>
+                        <a:rPr lang="en-US" sz="1400" dirty="0"/>
+                        <a:t>Add to Cart</a:t>
+                      </a:r>
+                    </a:p>
+                  </a:txBody>
+                  <a:tcPr anchor="ctr"/>
+                </a:tc>
+                <a:extLst>
+                  <a:ext uri="{0D108BD9-81ED-4DB2-BD59-A6C34878D82A}">
+                    <a16:rowId xmlns:a16="http://schemas.microsoft.com/office/drawing/2014/main" val="68921221"/>
+                  </a:ext>
+                </a:extLst>
+              </a:tr>
+              <a:tr h="450440">
+                <a:tc>
+                  <a:txBody>
+                    <a:bodyPr/>
+                    <a:lstStyle/>
+                    <a:p>
+                      <a:pPr algn="l" fontAlgn="b"/>
+                      <a:r>
+                        <a:rPr lang="en-US" sz="2000" b="0" i="0" u="none" strike="noStrike" dirty="0">
+                          <a:solidFill>
+                            <a:srgbClr val="000000"/>
+                          </a:solidFill>
+                          <a:effectLst/>
+                          <a:latin typeface="Calibri" panose="020F0502020204030204" pitchFamily="34" charset="0"/>
+                        </a:rPr>
+                        <a:t>Chopped Collard Greens</a:t>
+                      </a:r>
+                    </a:p>
+                  </a:txBody>
+                  <a:tcPr marL="9525" marR="9525" marT="9525" marB="0" anchor="b"/>
+                </a:tc>
+                <a:tc>
+                  <a:txBody>
+                    <a:bodyPr/>
+                    <a:lstStyle/>
+                    <a:p>
+                      <a:pPr algn="l" fontAlgn="b"/>
+                      <a:endParaRPr lang="en-US" sz="2000" b="0" i="0" u="none" strike="noStrike" dirty="0">
+                        <a:solidFill>
+                          <a:srgbClr val="000000"/>
+                        </a:solidFill>
+                        <a:effectLst/>
+                        <a:latin typeface="Calibri" panose="020F0502020204030204" pitchFamily="34" charset="0"/>
+                      </a:endParaRPr>
+                    </a:p>
+                  </a:txBody>
+                  <a:tcPr marL="9525" marR="9525" marT="9525" marB="0" anchor="b"/>
+                </a:tc>
+                <a:tc>
+                  <a:txBody>
+                    <a:bodyPr/>
+                    <a:lstStyle/>
+                    <a:p>
+                      <a:pPr marL="0" marR="0" indent="0" algn="ctr" defTabSz="914400" rtl="0" eaLnBrk="1" fontAlgn="auto" latinLnBrk="0" hangingPunct="1">
+                        <a:lnSpc>
+                          <a:spcPct val="100000"/>
+                        </a:lnSpc>
+                        <a:spcBef>
+                          <a:spcPts val="0"/>
+                        </a:spcBef>
+                        <a:spcAft>
+                          <a:spcPts val="0"/>
+                        </a:spcAft>
+                        <a:buClrTx/>
+                        <a:buSzTx/>
+                        <a:buFontTx/>
+                        <a:buNone/>
+                        <a:tabLst/>
+                        <a:defRPr/>
+                      </a:pPr>
+                      <a:r>
+                        <a:rPr kumimoji="0" lang="en-US" sz="1400" b="0" i="0" u="none" strike="noStrike" kern="1200" cap="none" spc="0" normalizeH="0" baseline="0" noProof="0" dirty="0">
+                          <a:ln>
+                            <a:noFill/>
+                          </a:ln>
+                          <a:solidFill>
+                            <a:prstClr val="black"/>
+                          </a:solidFill>
+                          <a:effectLst/>
+                          <a:uLnTx/>
+                          <a:uFillTx/>
+                          <a:latin typeface="+mn-lt"/>
+                          <a:ea typeface="+mn-ea"/>
+                          <a:cs typeface="+mn-cs"/>
+                        </a:rPr>
+                        <a:t>Add to Cart</a:t>
+                      </a:r>
+                      <a:endParaRPr lang="en-US" dirty="0"/>
+                    </a:p>
+                  </a:txBody>
+                  <a:tcPr anchor="ctr"/>
+                </a:tc>
+                <a:extLst>
+                  <a:ext uri="{0D108BD9-81ED-4DB2-BD59-A6C34878D82A}">
+                    <a16:rowId xmlns:a16="http://schemas.microsoft.com/office/drawing/2014/main" val="4013289324"/>
+                  </a:ext>
+                </a:extLst>
+              </a:tr>
+            </a:tbl>
+          </a:graphicData>
+        </a:graphic>
+      </p:graphicFrame>
+      <p:sp>
+        <p:nvSpPr>
+          <p:cNvPr id="21" name="TextBox 20">
+            <a:extLst>
+              <a:ext uri="{FF2B5EF4-FFF2-40B4-BE49-F238E27FC236}">
+                <a16:creationId xmlns:a16="http://schemas.microsoft.com/office/drawing/2014/main" id="{42481228-F98D-4B41-858D-D46381AF067C}"/>
+              </a:ext>
+            </a:extLst>
+          </p:cNvPr>
+          <p:cNvSpPr txBox="1"/>
+          <p:nvPr/>
+        </p:nvSpPr>
+        <p:spPr>
+          <a:xfrm>
+            <a:off x="5335718" y="1996228"/>
+            <a:ext cx="1009700" cy="369332"/>
+          </a:xfrm>
+          <a:prstGeom prst="rect">
+            <a:avLst/>
+          </a:prstGeom>
+          <a:noFill/>
+        </p:spPr>
+        <p:txBody>
+          <a:bodyPr wrap="none" rtlCol="0">
+            <a:spAutoFit/>
+          </a:bodyPr>
+          <a:lstStyle/>
+          <a:p>
+            <a:r>
+              <a:rPr lang="en-US" dirty="0"/>
+              <a:t>Products</a:t>
+            </a:r>
+          </a:p>
+        </p:txBody>
+      </p:sp>
+      <p:sp>
+        <p:nvSpPr>
+          <p:cNvPr id="22" name="Rectangle 21">
+            <a:extLst>
+              <a:ext uri="{FF2B5EF4-FFF2-40B4-BE49-F238E27FC236}">
+                <a16:creationId xmlns:a16="http://schemas.microsoft.com/office/drawing/2014/main" id="{01C7BB9B-9F19-6C47-91B0-F78E0ECB7E31}"/>
+              </a:ext>
+            </a:extLst>
+          </p:cNvPr>
+          <p:cNvSpPr/>
+          <p:nvPr/>
+        </p:nvSpPr>
+        <p:spPr>
+          <a:xfrm>
+            <a:off x="1197734" y="6224808"/>
+            <a:ext cx="9513198" cy="285462"/>
+          </a:xfrm>
+          <a:prstGeom prst="rect">
+            <a:avLst/>
+          </a:prstGeom>
+          <a:solidFill>
+            <a:schemeClr val="bg1"/>
+          </a:solidFill>
+          <a:ln>
+            <a:noFill/>
+          </a:ln>
+        </p:spPr>
+        <p:style>
+          <a:lnRef idx="2">
+            <a:schemeClr val="accent1">
+              <a:shade val="50000"/>
+            </a:schemeClr>
+          </a:lnRef>
+          <a:fillRef idx="1">
+            <a:schemeClr val="accent1"/>
+          </a:fillRef>
+          <a:effectRef idx="0">
+            <a:schemeClr val="accent1"/>
+          </a:effectRef>
+          <a:fontRef idx="minor">
+            <a:schemeClr val="lt1"/>
+          </a:fontRef>
+        </p:style>
+        <p:txBody>
+          <a:bodyPr rtlCol="0" anchor="ctr"/>
+          <a:lstStyle/>
+          <a:p>
+            <a:pPr algn="ctr"/>
+            <a:endParaRPr lang="en-US"/>
+          </a:p>
+        </p:txBody>
+      </p:sp>
+      <p:pic>
+        <p:nvPicPr>
+          <p:cNvPr id="23" name="Picture 22">
+            <a:extLst>
+              <a:ext uri="{FF2B5EF4-FFF2-40B4-BE49-F238E27FC236}">
+                <a16:creationId xmlns:a16="http://schemas.microsoft.com/office/drawing/2014/main" id="{03EA9B13-9227-BE44-AB09-0C14DCFBF0C2}"/>
+              </a:ext>
+            </a:extLst>
+          </p:cNvPr>
+          <p:cNvPicPr>
+            <a:picLocks noChangeAspect="1"/>
+          </p:cNvPicPr>
+          <p:nvPr/>
+        </p:nvPicPr>
+        <p:blipFill>
+          <a:blip r:embed="rId3"/>
+          <a:stretch>
+            <a:fillRect/>
+          </a:stretch>
+        </p:blipFill>
+        <p:spPr>
+          <a:xfrm>
+            <a:off x="11330802" y="1455309"/>
+            <a:ext cx="170032" cy="4760903"/>
+          </a:xfrm>
+          <a:prstGeom prst="rect">
+            <a:avLst/>
+          </a:prstGeom>
+        </p:spPr>
+      </p:pic>
     </p:spTree>
     <p:extLst>
       <p:ext uri="{BB962C8B-B14F-4D97-AF65-F5344CB8AC3E}">
         <p14:creationId xmlns:p14="http://schemas.microsoft.com/office/powerpoint/2010/main" val="2528339192"/>
+      </p:ext>
+    </p:extLst>
+  </p:cSld>
+  <p:clrMapOvr>
+    <a:masterClrMapping/>
+  </p:clrMapOvr>
+</p:sld>
+</file>
+
+<file path=ppt/slides/slide2.xml><?xml version="1.0" encoding="utf-8"?>
+<p:sld xmlns:a="http://schemas.openxmlformats.org/drawingml/2006/main" xmlns:r="http://schemas.openxmlformats.org/officeDocument/2006/relationships" xmlns:p="http://schemas.openxmlformats.org/presentationml/2006/main">
+  <p:cSld>
+    <p:spTree>
+      <p:nvGrpSpPr>
+        <p:cNvPr id="1" name=""/>
+        <p:cNvGrpSpPr/>
+        <p:nvPr/>
+      </p:nvGrpSpPr>
+      <p:grpSpPr>
+        <a:xfrm>
+          <a:off x="0" y="0"/>
+          <a:ext cx="0" cy="0"/>
+          <a:chOff x="0" y="0"/>
+          <a:chExt cx="0" cy="0"/>
+        </a:xfrm>
+      </p:grpSpPr>
+      <p:sp>
+        <p:nvSpPr>
+          <p:cNvPr id="15" name="Rectangle 14">
+            <a:extLst>
+              <a:ext uri="{FF2B5EF4-FFF2-40B4-BE49-F238E27FC236}">
+                <a16:creationId xmlns:a16="http://schemas.microsoft.com/office/drawing/2014/main" id="{83CFD0AE-140B-3945-B9EB-79764906CC54}"/>
+              </a:ext>
+            </a:extLst>
+          </p:cNvPr>
+          <p:cNvSpPr/>
+          <p:nvPr/>
+        </p:nvSpPr>
+        <p:spPr>
+          <a:xfrm>
+            <a:off x="850006" y="901518"/>
+            <a:ext cx="10650828" cy="553792"/>
+          </a:xfrm>
+          <a:prstGeom prst="rect">
+            <a:avLst/>
+          </a:prstGeom>
+          <a:solidFill>
+            <a:srgbClr val="00B0F0"/>
+          </a:solidFill>
+          <a:ln w="28575">
+            <a:noFill/>
+          </a:ln>
+        </p:spPr>
+        <p:style>
+          <a:lnRef idx="2">
+            <a:schemeClr val="accent1">
+              <a:shade val="50000"/>
+            </a:schemeClr>
+          </a:lnRef>
+          <a:fillRef idx="1">
+            <a:schemeClr val="accent1"/>
+          </a:fillRef>
+          <a:effectRef idx="0">
+            <a:schemeClr val="accent1"/>
+          </a:effectRef>
+          <a:fontRef idx="minor">
+            <a:schemeClr val="lt1"/>
+          </a:fontRef>
+        </p:style>
+        <p:txBody>
+          <a:bodyPr rtlCol="0" anchor="ctr"/>
+          <a:lstStyle/>
+          <a:p>
+            <a:r>
+              <a:rPr lang="en-US" dirty="0"/>
+              <a:t>	</a:t>
+            </a:r>
+            <a:r>
+              <a:rPr lang="en-US" sz="2400" dirty="0" err="1"/>
+              <a:t>efood</a:t>
+            </a:r>
+            <a:endParaRPr lang="en-US" dirty="0"/>
+          </a:p>
+        </p:txBody>
+      </p:sp>
+      <p:sp>
+        <p:nvSpPr>
+          <p:cNvPr id="3" name="Rectangle 2">
+            <a:extLst>
+              <a:ext uri="{FF2B5EF4-FFF2-40B4-BE49-F238E27FC236}">
+                <a16:creationId xmlns:a16="http://schemas.microsoft.com/office/drawing/2014/main" id="{3452B9F9-D0A4-5645-BA19-CB7311D34DDF}"/>
+              </a:ext>
+            </a:extLst>
+          </p:cNvPr>
+          <p:cNvSpPr/>
+          <p:nvPr/>
+        </p:nvSpPr>
+        <p:spPr>
+          <a:xfrm>
+            <a:off x="850006" y="347730"/>
+            <a:ext cx="10650828" cy="553792"/>
+          </a:xfrm>
+          <a:prstGeom prst="rect">
+            <a:avLst/>
+          </a:prstGeom>
+          <a:noFill/>
+          <a:ln w="28575">
+            <a:solidFill>
+              <a:schemeClr val="tx1"/>
+            </a:solidFill>
+          </a:ln>
+        </p:spPr>
+        <p:style>
+          <a:lnRef idx="2">
+            <a:schemeClr val="accent1">
+              <a:shade val="50000"/>
+            </a:schemeClr>
+          </a:lnRef>
+          <a:fillRef idx="1">
+            <a:schemeClr val="accent1"/>
+          </a:fillRef>
+          <a:effectRef idx="0">
+            <a:schemeClr val="accent1"/>
+          </a:effectRef>
+          <a:fontRef idx="minor">
+            <a:schemeClr val="lt1"/>
+          </a:fontRef>
+        </p:style>
+        <p:txBody>
+          <a:bodyPr rtlCol="0" anchor="ctr"/>
+          <a:lstStyle/>
+          <a:p>
+            <a:pPr algn="ctr"/>
+            <a:endParaRPr lang="en-US"/>
+          </a:p>
+        </p:txBody>
+      </p:sp>
+      <p:sp>
+        <p:nvSpPr>
+          <p:cNvPr id="4" name="Right Arrow 3">
+            <a:extLst>
+              <a:ext uri="{FF2B5EF4-FFF2-40B4-BE49-F238E27FC236}">
+                <a16:creationId xmlns:a16="http://schemas.microsoft.com/office/drawing/2014/main" id="{2E3F2EB8-FDD1-B740-9028-D835A5979048}"/>
+              </a:ext>
+            </a:extLst>
+          </p:cNvPr>
+          <p:cNvSpPr/>
+          <p:nvPr/>
+        </p:nvSpPr>
+        <p:spPr>
+          <a:xfrm rot="10800000">
+            <a:off x="1030309" y="476518"/>
+            <a:ext cx="334851" cy="296214"/>
+          </a:xfrm>
+          <a:prstGeom prst="rightArrow">
+            <a:avLst/>
+          </a:prstGeom>
+        </p:spPr>
+        <p:style>
+          <a:lnRef idx="2">
+            <a:schemeClr val="accent1">
+              <a:shade val="50000"/>
+            </a:schemeClr>
+          </a:lnRef>
+          <a:fillRef idx="1">
+            <a:schemeClr val="accent1"/>
+          </a:fillRef>
+          <a:effectRef idx="0">
+            <a:schemeClr val="accent1"/>
+          </a:effectRef>
+          <a:fontRef idx="minor">
+            <a:schemeClr val="lt1"/>
+          </a:fontRef>
+        </p:style>
+        <p:txBody>
+          <a:bodyPr rtlCol="0" anchor="ctr"/>
+          <a:lstStyle/>
+          <a:p>
+            <a:pPr algn="ctr"/>
+            <a:endParaRPr lang="en-US"/>
+          </a:p>
+        </p:txBody>
+      </p:sp>
+      <p:sp>
+        <p:nvSpPr>
+          <p:cNvPr id="6" name="Right Arrow 5">
+            <a:extLst>
+              <a:ext uri="{FF2B5EF4-FFF2-40B4-BE49-F238E27FC236}">
+                <a16:creationId xmlns:a16="http://schemas.microsoft.com/office/drawing/2014/main" id="{B0772ED2-82B5-0F4E-94BA-323FECE0D68F}"/>
+              </a:ext>
+            </a:extLst>
+          </p:cNvPr>
+          <p:cNvSpPr/>
+          <p:nvPr/>
+        </p:nvSpPr>
+        <p:spPr>
+          <a:xfrm>
+            <a:off x="1481068" y="476518"/>
+            <a:ext cx="334851" cy="296214"/>
+          </a:xfrm>
+          <a:prstGeom prst="rightArrow">
+            <a:avLst/>
+          </a:prstGeom>
+        </p:spPr>
+        <p:style>
+          <a:lnRef idx="2">
+            <a:schemeClr val="accent1">
+              <a:shade val="50000"/>
+            </a:schemeClr>
+          </a:lnRef>
+          <a:fillRef idx="1">
+            <a:schemeClr val="accent1"/>
+          </a:fillRef>
+          <a:effectRef idx="0">
+            <a:schemeClr val="accent1"/>
+          </a:effectRef>
+          <a:fontRef idx="minor">
+            <a:schemeClr val="lt1"/>
+          </a:fontRef>
+        </p:style>
+        <p:txBody>
+          <a:bodyPr rtlCol="0" anchor="ctr"/>
+          <a:lstStyle/>
+          <a:p>
+            <a:pPr algn="ctr"/>
+            <a:endParaRPr lang="en-US"/>
+          </a:p>
+        </p:txBody>
+      </p:sp>
+      <p:sp>
+        <p:nvSpPr>
+          <p:cNvPr id="7" name="Action Button: Home 6">
+            <a:hlinkClick r:id="" action="ppaction://noaction" highlightClick="1"/>
+            <a:extLst>
+              <a:ext uri="{FF2B5EF4-FFF2-40B4-BE49-F238E27FC236}">
+                <a16:creationId xmlns:a16="http://schemas.microsoft.com/office/drawing/2014/main" id="{394F8D14-8043-FC46-8039-8433C7F95161}"/>
+              </a:ext>
+            </a:extLst>
+          </p:cNvPr>
+          <p:cNvSpPr/>
+          <p:nvPr/>
+        </p:nvSpPr>
+        <p:spPr>
+          <a:xfrm>
+            <a:off x="11037193" y="476517"/>
+            <a:ext cx="334851" cy="296215"/>
+          </a:xfrm>
+          <a:prstGeom prst="actionButtonHome">
+            <a:avLst/>
+          </a:prstGeom>
+        </p:spPr>
+        <p:style>
+          <a:lnRef idx="2">
+            <a:schemeClr val="accent1">
+              <a:shade val="50000"/>
+            </a:schemeClr>
+          </a:lnRef>
+          <a:fillRef idx="1">
+            <a:schemeClr val="accent1"/>
+          </a:fillRef>
+          <a:effectRef idx="0">
+            <a:schemeClr val="accent1"/>
+          </a:effectRef>
+          <a:fontRef idx="minor">
+            <a:schemeClr val="lt1"/>
+          </a:fontRef>
+        </p:style>
+        <p:txBody>
+          <a:bodyPr rtlCol="0" anchor="ctr"/>
+          <a:lstStyle/>
+          <a:p>
+            <a:pPr algn="ctr"/>
+            <a:endParaRPr lang="en-US"/>
+          </a:p>
+        </p:txBody>
+      </p:sp>
+      <p:sp>
+        <p:nvSpPr>
+          <p:cNvPr id="8" name="Circular Arrow 7">
+            <a:extLst>
+              <a:ext uri="{FF2B5EF4-FFF2-40B4-BE49-F238E27FC236}">
+                <a16:creationId xmlns:a16="http://schemas.microsoft.com/office/drawing/2014/main" id="{56538DC3-2253-8845-9020-F7372DCE963A}"/>
+              </a:ext>
+            </a:extLst>
+          </p:cNvPr>
+          <p:cNvSpPr/>
+          <p:nvPr/>
+        </p:nvSpPr>
+        <p:spPr>
+          <a:xfrm>
+            <a:off x="2005930" y="476517"/>
+            <a:ext cx="334851" cy="296215"/>
+          </a:xfrm>
+          <a:prstGeom prst="circularArrow">
+            <a:avLst>
+              <a:gd name="adj1" fmla="val 12500"/>
+              <a:gd name="adj2" fmla="val 1142319"/>
+              <a:gd name="adj3" fmla="val 20457681"/>
+              <a:gd name="adj4" fmla="val 2107753"/>
+              <a:gd name="adj5" fmla="val 12500"/>
+            </a:avLst>
+          </a:prstGeom>
+        </p:spPr>
+        <p:style>
+          <a:lnRef idx="2">
+            <a:schemeClr val="accent1">
+              <a:shade val="50000"/>
+            </a:schemeClr>
+          </a:lnRef>
+          <a:fillRef idx="1">
+            <a:schemeClr val="accent1"/>
+          </a:fillRef>
+          <a:effectRef idx="0">
+            <a:schemeClr val="accent1"/>
+          </a:effectRef>
+          <a:fontRef idx="minor">
+            <a:schemeClr val="lt1"/>
+          </a:fontRef>
+        </p:style>
+        <p:txBody>
+          <a:bodyPr rtlCol="0" anchor="ctr"/>
+          <a:lstStyle/>
+          <a:p>
+            <a:pPr algn="ctr"/>
+            <a:endParaRPr lang="en-US">
+              <a:solidFill>
+                <a:schemeClr val="tx1"/>
+              </a:solidFill>
+            </a:endParaRPr>
+          </a:p>
+        </p:txBody>
+      </p:sp>
+      <p:sp>
+        <p:nvSpPr>
+          <p:cNvPr id="9" name="Rounded Rectangle 8">
+            <a:extLst>
+              <a:ext uri="{FF2B5EF4-FFF2-40B4-BE49-F238E27FC236}">
+                <a16:creationId xmlns:a16="http://schemas.microsoft.com/office/drawing/2014/main" id="{1EEF5033-2E5D-2B47-90B1-950784BC318C}"/>
+              </a:ext>
+            </a:extLst>
+          </p:cNvPr>
+          <p:cNvSpPr/>
+          <p:nvPr/>
+        </p:nvSpPr>
+        <p:spPr>
+          <a:xfrm>
+            <a:off x="2581372" y="476516"/>
+            <a:ext cx="8129560" cy="296216"/>
+          </a:xfrm>
+          <a:prstGeom prst="roundRect">
+            <a:avLst/>
+          </a:prstGeom>
+          <a:noFill/>
+          <a:ln>
+            <a:solidFill>
+              <a:schemeClr val="tx1"/>
+            </a:solidFill>
+          </a:ln>
+        </p:spPr>
+        <p:style>
+          <a:lnRef idx="2">
+            <a:schemeClr val="accent1">
+              <a:shade val="50000"/>
+            </a:schemeClr>
+          </a:lnRef>
+          <a:fillRef idx="1">
+            <a:schemeClr val="accent1"/>
+          </a:fillRef>
+          <a:effectRef idx="0">
+            <a:schemeClr val="accent1"/>
+          </a:effectRef>
+          <a:fontRef idx="minor">
+            <a:schemeClr val="lt1"/>
+          </a:fontRef>
+        </p:style>
+        <p:txBody>
+          <a:bodyPr rtlCol="0" anchor="ctr"/>
+          <a:lstStyle/>
+          <a:p>
+            <a:pPr algn="ctr"/>
+            <a:endParaRPr lang="en-US"/>
+          </a:p>
+        </p:txBody>
+      </p:sp>
+      <p:sp>
+        <p:nvSpPr>
+          <p:cNvPr id="10" name="Donut 9">
+            <a:extLst>
+              <a:ext uri="{FF2B5EF4-FFF2-40B4-BE49-F238E27FC236}">
+                <a16:creationId xmlns:a16="http://schemas.microsoft.com/office/drawing/2014/main" id="{453F4726-BB6E-624B-97F1-3F35773CF0F5}"/>
+              </a:ext>
+            </a:extLst>
+          </p:cNvPr>
+          <p:cNvSpPr/>
+          <p:nvPr/>
+        </p:nvSpPr>
+        <p:spPr>
+          <a:xfrm>
+            <a:off x="2676939" y="532993"/>
+            <a:ext cx="110270" cy="117390"/>
+          </a:xfrm>
+          <a:prstGeom prst="donut">
+            <a:avLst>
+              <a:gd name="adj" fmla="val 0"/>
+            </a:avLst>
+          </a:prstGeom>
+          <a:solidFill>
+            <a:schemeClr val="tx1"/>
+          </a:solidFill>
+          <a:ln>
+            <a:solidFill>
+              <a:schemeClr val="tx1"/>
+            </a:solidFill>
+          </a:ln>
+        </p:spPr>
+        <p:style>
+          <a:lnRef idx="2">
+            <a:schemeClr val="accent1">
+              <a:shade val="50000"/>
+            </a:schemeClr>
+          </a:lnRef>
+          <a:fillRef idx="1">
+            <a:schemeClr val="accent1"/>
+          </a:fillRef>
+          <a:effectRef idx="0">
+            <a:schemeClr val="accent1"/>
+          </a:effectRef>
+          <a:fontRef idx="minor">
+            <a:schemeClr val="lt1"/>
+          </a:fontRef>
+        </p:style>
+        <p:txBody>
+          <a:bodyPr rtlCol="0" anchor="ctr"/>
+          <a:lstStyle/>
+          <a:p>
+            <a:pPr algn="ctr"/>
+            <a:endParaRPr lang="en-US">
+              <a:solidFill>
+                <a:schemeClr val="tx1"/>
+              </a:solidFill>
+            </a:endParaRPr>
+          </a:p>
+        </p:txBody>
+      </p:sp>
+      <p:cxnSp>
+        <p:nvCxnSpPr>
+          <p:cNvPr id="12" name="Straight Connector 11">
+            <a:extLst>
+              <a:ext uri="{FF2B5EF4-FFF2-40B4-BE49-F238E27FC236}">
+                <a16:creationId xmlns:a16="http://schemas.microsoft.com/office/drawing/2014/main" id="{57269C2A-A99E-3E49-920A-F93606B6DA2D}"/>
+              </a:ext>
+            </a:extLst>
+          </p:cNvPr>
+          <p:cNvCxnSpPr>
+            <a:stCxn id="10" idx="5"/>
+          </p:cNvCxnSpPr>
+          <p:nvPr/>
+        </p:nvCxnSpPr>
+        <p:spPr>
+          <a:xfrm>
+            <a:off x="2771060" y="633192"/>
+            <a:ext cx="74827" cy="105174"/>
+          </a:xfrm>
+          <a:prstGeom prst="line">
+            <a:avLst/>
+          </a:prstGeom>
+          <a:ln w="19050">
+            <a:solidFill>
+              <a:schemeClr val="tx1"/>
+            </a:solidFill>
+          </a:ln>
+        </p:spPr>
+        <p:style>
+          <a:lnRef idx="1">
+            <a:schemeClr val="accent1"/>
+          </a:lnRef>
+          <a:fillRef idx="0">
+            <a:schemeClr val="accent1"/>
+          </a:fillRef>
+          <a:effectRef idx="0">
+            <a:schemeClr val="accent1"/>
+          </a:effectRef>
+          <a:fontRef idx="minor">
+            <a:schemeClr val="tx1"/>
+          </a:fontRef>
+        </p:style>
+      </p:cxnSp>
+      <p:sp>
+        <p:nvSpPr>
+          <p:cNvPr id="2" name="Rectangle 1">
+            <a:extLst>
+              <a:ext uri="{FF2B5EF4-FFF2-40B4-BE49-F238E27FC236}">
+                <a16:creationId xmlns:a16="http://schemas.microsoft.com/office/drawing/2014/main" id="{B333E7D1-2B50-5143-BB58-BCA3E8B5C698}"/>
+              </a:ext>
+            </a:extLst>
+          </p:cNvPr>
+          <p:cNvSpPr/>
+          <p:nvPr/>
+        </p:nvSpPr>
+        <p:spPr>
+          <a:xfrm>
+            <a:off x="850006" y="347730"/>
+            <a:ext cx="10650828" cy="5859887"/>
+          </a:xfrm>
+          <a:prstGeom prst="rect">
+            <a:avLst/>
+          </a:prstGeom>
+          <a:noFill/>
+          <a:ln w="28575">
+            <a:solidFill>
+              <a:schemeClr val="tx1"/>
+            </a:solidFill>
+          </a:ln>
+        </p:spPr>
+        <p:style>
+          <a:lnRef idx="2">
+            <a:schemeClr val="accent1">
+              <a:shade val="50000"/>
+            </a:schemeClr>
+          </a:lnRef>
+          <a:fillRef idx="1">
+            <a:schemeClr val="accent1"/>
+          </a:fillRef>
+          <a:effectRef idx="0">
+            <a:schemeClr val="accent1"/>
+          </a:effectRef>
+          <a:fontRef idx="minor">
+            <a:schemeClr val="lt1"/>
+          </a:fontRef>
+        </p:style>
+        <p:txBody>
+          <a:bodyPr rtlCol="0" anchor="ctr"/>
+          <a:lstStyle/>
+          <a:p>
+            <a:pPr algn="ctr"/>
+            <a:endParaRPr lang="en-US"/>
+          </a:p>
+        </p:txBody>
+      </p:sp>
+      <p:sp>
+        <p:nvSpPr>
+          <p:cNvPr id="16" name="Rectangle 15">
+            <a:extLst>
+              <a:ext uri="{FF2B5EF4-FFF2-40B4-BE49-F238E27FC236}">
+                <a16:creationId xmlns:a16="http://schemas.microsoft.com/office/drawing/2014/main" id="{C215B095-374B-E14B-92BF-2F5699B41E54}"/>
+              </a:ext>
+            </a:extLst>
+          </p:cNvPr>
+          <p:cNvSpPr/>
+          <p:nvPr/>
+        </p:nvSpPr>
+        <p:spPr>
+          <a:xfrm>
+            <a:off x="9675340" y="1001721"/>
+            <a:ext cx="1529277" cy="357522"/>
+          </a:xfrm>
+          <a:prstGeom prst="rect">
+            <a:avLst/>
+          </a:prstGeom>
+        </p:spPr>
+        <p:style>
+          <a:lnRef idx="2">
+            <a:schemeClr val="accent1">
+              <a:shade val="50000"/>
+            </a:schemeClr>
+          </a:lnRef>
+          <a:fillRef idx="1">
+            <a:schemeClr val="accent1"/>
+          </a:fillRef>
+          <a:effectRef idx="0">
+            <a:schemeClr val="accent1"/>
+          </a:effectRef>
+          <a:fontRef idx="minor">
+            <a:schemeClr val="lt1"/>
+          </a:fontRef>
+        </p:style>
+        <p:txBody>
+          <a:bodyPr rtlCol="0" anchor="ctr"/>
+          <a:lstStyle/>
+          <a:p>
+            <a:pPr algn="ctr"/>
+            <a:r>
+              <a:rPr lang="en-US" sz="1400" dirty="0"/>
+              <a:t>Login With GitHub</a:t>
+            </a:r>
+            <a:endParaRPr lang="en-US" dirty="0"/>
+          </a:p>
+        </p:txBody>
+      </p:sp>
+      <p:sp>
+        <p:nvSpPr>
+          <p:cNvPr id="21" name="TextBox 20">
+            <a:extLst>
+              <a:ext uri="{FF2B5EF4-FFF2-40B4-BE49-F238E27FC236}">
+                <a16:creationId xmlns:a16="http://schemas.microsoft.com/office/drawing/2014/main" id="{42481228-F98D-4B41-858D-D46381AF067C}"/>
+              </a:ext>
+            </a:extLst>
+          </p:cNvPr>
+          <p:cNvSpPr txBox="1"/>
+          <p:nvPr/>
+        </p:nvSpPr>
+        <p:spPr>
+          <a:xfrm>
+            <a:off x="5335718" y="1539030"/>
+            <a:ext cx="990720" cy="461665"/>
+          </a:xfrm>
+          <a:prstGeom prst="rect">
+            <a:avLst/>
+          </a:prstGeom>
+          <a:noFill/>
+        </p:spPr>
+        <p:txBody>
+          <a:bodyPr wrap="none" rtlCol="0">
+            <a:spAutoFit/>
+          </a:bodyPr>
+          <a:lstStyle/>
+          <a:p>
+            <a:r>
+              <a:rPr lang="en-US" sz="2400" b="1" dirty="0"/>
+              <a:t>Celery</a:t>
+            </a:r>
+            <a:endParaRPr lang="en-US" b="1" dirty="0"/>
+          </a:p>
+        </p:txBody>
+      </p:sp>
+      <p:sp>
+        <p:nvSpPr>
+          <p:cNvPr id="5" name="TextBox 4">
+            <a:extLst>
+              <a:ext uri="{FF2B5EF4-FFF2-40B4-BE49-F238E27FC236}">
+                <a16:creationId xmlns:a16="http://schemas.microsoft.com/office/drawing/2014/main" id="{D3B87492-8097-EE4B-AE72-E7BAB449DFA9}"/>
+              </a:ext>
+            </a:extLst>
+          </p:cNvPr>
+          <p:cNvSpPr txBox="1"/>
+          <p:nvPr/>
+        </p:nvSpPr>
+        <p:spPr>
+          <a:xfrm>
+            <a:off x="1365160" y="2026523"/>
+            <a:ext cx="6165086" cy="1200329"/>
+          </a:xfrm>
+          <a:prstGeom prst="rect">
+            <a:avLst/>
+          </a:prstGeom>
+          <a:noFill/>
+        </p:spPr>
+        <p:txBody>
+          <a:bodyPr wrap="none" rtlCol="0">
+            <a:spAutoFit/>
+          </a:bodyPr>
+          <a:lstStyle/>
+          <a:p>
+            <a:r>
+              <a:rPr lang="en-US" b="1" dirty="0"/>
+              <a:t>Code: </a:t>
+            </a:r>
+            <a:r>
+              <a:rPr lang="en-US" dirty="0">
+                <a:solidFill>
+                  <a:srgbClr val="000000"/>
+                </a:solidFill>
+                <a:latin typeface="Calibri" panose="020F0502020204030204" pitchFamily="34" charset="0"/>
+              </a:rPr>
+              <a:t>651511016</a:t>
+            </a:r>
+            <a:endParaRPr lang="en-US" b="1" dirty="0"/>
+          </a:p>
+          <a:p>
+            <a:r>
+              <a:rPr lang="en-US" b="1" dirty="0"/>
+              <a:t>Category:</a:t>
+            </a:r>
+            <a:r>
+              <a:rPr lang="en-US" dirty="0"/>
+              <a:t> </a:t>
+            </a:r>
+            <a:r>
+              <a:rPr lang="en-US" dirty="0" err="1"/>
+              <a:t>en:celery</a:t>
+            </a:r>
+            <a:endParaRPr lang="en-US" dirty="0"/>
+          </a:p>
+          <a:p>
+            <a:r>
+              <a:rPr lang="en-US" b="1" dirty="0"/>
+              <a:t>URL: </a:t>
+            </a:r>
+            <a:r>
+              <a:rPr lang="en-US" dirty="0">
+                <a:solidFill>
+                  <a:srgbClr val="000000"/>
+                </a:solidFill>
+                <a:latin typeface="Calibri" panose="020F0502020204030204" pitchFamily="34" charset="0"/>
+              </a:rPr>
+              <a:t>https://</a:t>
+            </a:r>
+            <a:r>
+              <a:rPr lang="en-US" dirty="0" err="1">
+                <a:solidFill>
+                  <a:srgbClr val="000000"/>
+                </a:solidFill>
+                <a:latin typeface="Calibri" panose="020F0502020204030204" pitchFamily="34" charset="0"/>
+              </a:rPr>
+              <a:t>world.openfoodfacts.org</a:t>
+            </a:r>
+            <a:r>
+              <a:rPr lang="en-US" dirty="0">
+                <a:solidFill>
+                  <a:srgbClr val="000000"/>
+                </a:solidFill>
+                <a:latin typeface="Calibri" panose="020F0502020204030204" pitchFamily="34" charset="0"/>
+              </a:rPr>
+              <a:t>/product/0000651511016</a:t>
+            </a:r>
+          </a:p>
+          <a:p>
+            <a:endParaRPr lang="en-US" b="1" dirty="0"/>
+          </a:p>
+        </p:txBody>
+      </p:sp>
+      <p:graphicFrame>
+        <p:nvGraphicFramePr>
+          <p:cNvPr id="17" name="Table 16">
+            <a:extLst>
+              <a:ext uri="{FF2B5EF4-FFF2-40B4-BE49-F238E27FC236}">
+                <a16:creationId xmlns:a16="http://schemas.microsoft.com/office/drawing/2014/main" id="{8545D156-FB84-834E-AE3E-000DECCA0F90}"/>
+              </a:ext>
+            </a:extLst>
+          </p:cNvPr>
+          <p:cNvGraphicFramePr>
+            <a:graphicFrameLocks noGrp="1"/>
+          </p:cNvGraphicFramePr>
+          <p:nvPr>
+            <p:extLst>
+              <p:ext uri="{D42A27DB-BD31-4B8C-83A1-F6EECF244321}">
+                <p14:modId xmlns:p14="http://schemas.microsoft.com/office/powerpoint/2010/main" val="593554107"/>
+              </p:ext>
+            </p:extLst>
+          </p:nvPr>
+        </p:nvGraphicFramePr>
+        <p:xfrm>
+          <a:off x="5683250" y="3082133"/>
+          <a:ext cx="825500" cy="192405"/>
+        </p:xfrm>
+        <a:graphic>
+          <a:graphicData uri="http://schemas.openxmlformats.org/drawingml/2006/table">
+            <a:tbl>
+              <a:tblPr/>
+              <a:tblGrid>
+                <a:gridCol w="825500">
+                  <a:extLst>
+                    <a:ext uri="{9D8B030D-6E8A-4147-A177-3AD203B41FA5}">
+                      <a16:colId xmlns:a16="http://schemas.microsoft.com/office/drawing/2014/main" val="97462916"/>
+                    </a:ext>
+                  </a:extLst>
+                </a:gridCol>
+              </a:tblGrid>
+              <a:tr h="0">
+                <a:tc>
+                  <a:txBody>
+                    <a:bodyPr/>
+                    <a:lstStyle/>
+                    <a:p>
+                      <a:pPr algn="l" fontAlgn="b"/>
+                      <a:endParaRPr lang="en-US" sz="1200" b="0" i="0" u="none" strike="noStrike" dirty="0">
+                        <a:solidFill>
+                          <a:srgbClr val="000000"/>
+                        </a:solidFill>
+                        <a:effectLst/>
+                        <a:latin typeface="Calibri" panose="020F0502020204030204" pitchFamily="34" charset="0"/>
+                      </a:endParaRPr>
+                    </a:p>
+                  </a:txBody>
+                  <a:tcPr marL="9525" marR="9525" marT="9525" marB="0" anchor="b">
+                    <a:lnL>
+                      <a:noFill/>
+                    </a:lnL>
+                    <a:lnR>
+                      <a:noFill/>
+                    </a:lnR>
+                    <a:lnT>
+                      <a:noFill/>
+                    </a:lnT>
+                    <a:lnB>
+                      <a:noFill/>
+                    </a:lnB>
+                  </a:tcPr>
+                </a:tc>
+                <a:extLst>
+                  <a:ext uri="{0D108BD9-81ED-4DB2-BD59-A6C34878D82A}">
+                    <a16:rowId xmlns:a16="http://schemas.microsoft.com/office/drawing/2014/main" val="815209764"/>
+                  </a:ext>
+                </a:extLst>
+              </a:tr>
+            </a:tbl>
+          </a:graphicData>
+        </a:graphic>
+      </p:graphicFrame>
+      <p:sp>
+        <p:nvSpPr>
+          <p:cNvPr id="25" name="Rounded Rectangle 24">
+            <a:extLst>
+              <a:ext uri="{FF2B5EF4-FFF2-40B4-BE49-F238E27FC236}">
+                <a16:creationId xmlns:a16="http://schemas.microsoft.com/office/drawing/2014/main" id="{09C09854-3733-2C41-8BF1-F65128C87944}"/>
+              </a:ext>
+            </a:extLst>
+          </p:cNvPr>
+          <p:cNvSpPr/>
+          <p:nvPr/>
+        </p:nvSpPr>
+        <p:spPr>
+          <a:xfrm>
+            <a:off x="5071319" y="3427398"/>
+            <a:ext cx="1519518" cy="549341"/>
+          </a:xfrm>
+          <a:prstGeom prst="roundRect">
+            <a:avLst/>
+          </a:prstGeom>
+          <a:noFill/>
+          <a:ln>
+            <a:solidFill>
+              <a:schemeClr val="tx1"/>
+            </a:solidFill>
+          </a:ln>
+        </p:spPr>
+        <p:style>
+          <a:lnRef idx="2">
+            <a:schemeClr val="accent1">
+              <a:shade val="50000"/>
+            </a:schemeClr>
+          </a:lnRef>
+          <a:fillRef idx="1">
+            <a:schemeClr val="accent1"/>
+          </a:fillRef>
+          <a:effectRef idx="0">
+            <a:schemeClr val="accent1"/>
+          </a:effectRef>
+          <a:fontRef idx="minor">
+            <a:schemeClr val="lt1"/>
+          </a:fontRef>
+        </p:style>
+        <p:txBody>
+          <a:bodyPr rtlCol="0" anchor="ctr"/>
+          <a:lstStyle/>
+          <a:p>
+            <a:pPr algn="ctr"/>
+            <a:r>
+              <a:rPr lang="en-US" dirty="0">
+                <a:solidFill>
+                  <a:schemeClr val="tx1"/>
+                </a:solidFill>
+              </a:rPr>
+              <a:t>Add to Cart</a:t>
+            </a:r>
+          </a:p>
+        </p:txBody>
+      </p:sp>
+    </p:spTree>
+    <p:extLst>
+      <p:ext uri="{BB962C8B-B14F-4D97-AF65-F5344CB8AC3E}">
+        <p14:creationId xmlns:p14="http://schemas.microsoft.com/office/powerpoint/2010/main" val="1531640730"/>
+      </p:ext>
+    </p:extLst>
+  </p:cSld>
+  <p:clrMapOvr>
+    <a:masterClrMapping/>
+  </p:clrMapOvr>
+</p:sld>
+</file>
+
+<file path=ppt/slides/slide3.xml><?xml version="1.0" encoding="utf-8"?>
+<p:sld xmlns:a="http://schemas.openxmlformats.org/drawingml/2006/main" xmlns:r="http://schemas.openxmlformats.org/officeDocument/2006/relationships" xmlns:p="http://schemas.openxmlformats.org/presentationml/2006/main">
+  <p:cSld>
+    <p:spTree>
+      <p:nvGrpSpPr>
+        <p:cNvPr id="1" name=""/>
+        <p:cNvGrpSpPr/>
+        <p:nvPr/>
+      </p:nvGrpSpPr>
+      <p:grpSpPr>
+        <a:xfrm>
+          <a:off x="0" y="0"/>
+          <a:ext cx="0" cy="0"/>
+          <a:chOff x="0" y="0"/>
+          <a:chExt cx="0" cy="0"/>
+        </a:xfrm>
+      </p:grpSpPr>
+      <p:sp>
+        <p:nvSpPr>
+          <p:cNvPr id="15" name="Rectangle 14">
+            <a:extLst>
+              <a:ext uri="{FF2B5EF4-FFF2-40B4-BE49-F238E27FC236}">
+                <a16:creationId xmlns:a16="http://schemas.microsoft.com/office/drawing/2014/main" id="{83CFD0AE-140B-3945-B9EB-79764906CC54}"/>
+              </a:ext>
+            </a:extLst>
+          </p:cNvPr>
+          <p:cNvSpPr/>
+          <p:nvPr/>
+        </p:nvSpPr>
+        <p:spPr>
+          <a:xfrm>
+            <a:off x="850006" y="901518"/>
+            <a:ext cx="10650828" cy="553792"/>
+          </a:xfrm>
+          <a:prstGeom prst="rect">
+            <a:avLst/>
+          </a:prstGeom>
+          <a:solidFill>
+            <a:srgbClr val="00B0F0"/>
+          </a:solidFill>
+          <a:ln w="28575">
+            <a:noFill/>
+          </a:ln>
+        </p:spPr>
+        <p:style>
+          <a:lnRef idx="2">
+            <a:schemeClr val="accent1">
+              <a:shade val="50000"/>
+            </a:schemeClr>
+          </a:lnRef>
+          <a:fillRef idx="1">
+            <a:schemeClr val="accent1"/>
+          </a:fillRef>
+          <a:effectRef idx="0">
+            <a:schemeClr val="accent1"/>
+          </a:effectRef>
+          <a:fontRef idx="minor">
+            <a:schemeClr val="lt1"/>
+          </a:fontRef>
+        </p:style>
+        <p:txBody>
+          <a:bodyPr rtlCol="0" anchor="ctr"/>
+          <a:lstStyle/>
+          <a:p>
+            <a:r>
+              <a:rPr lang="en-US" dirty="0"/>
+              <a:t>	</a:t>
+            </a:r>
+            <a:r>
+              <a:rPr lang="en-US" sz="2400" dirty="0" err="1"/>
+              <a:t>efood</a:t>
+            </a:r>
+            <a:endParaRPr lang="en-US" dirty="0"/>
+          </a:p>
+        </p:txBody>
+      </p:sp>
+      <p:sp>
+        <p:nvSpPr>
+          <p:cNvPr id="3" name="Rectangle 2">
+            <a:extLst>
+              <a:ext uri="{FF2B5EF4-FFF2-40B4-BE49-F238E27FC236}">
+                <a16:creationId xmlns:a16="http://schemas.microsoft.com/office/drawing/2014/main" id="{3452B9F9-D0A4-5645-BA19-CB7311D34DDF}"/>
+              </a:ext>
+            </a:extLst>
+          </p:cNvPr>
+          <p:cNvSpPr/>
+          <p:nvPr/>
+        </p:nvSpPr>
+        <p:spPr>
+          <a:xfrm>
+            <a:off x="850006" y="347730"/>
+            <a:ext cx="10650828" cy="553792"/>
+          </a:xfrm>
+          <a:prstGeom prst="rect">
+            <a:avLst/>
+          </a:prstGeom>
+          <a:noFill/>
+          <a:ln w="28575">
+            <a:solidFill>
+              <a:schemeClr val="tx1"/>
+            </a:solidFill>
+          </a:ln>
+        </p:spPr>
+        <p:style>
+          <a:lnRef idx="2">
+            <a:schemeClr val="accent1">
+              <a:shade val="50000"/>
+            </a:schemeClr>
+          </a:lnRef>
+          <a:fillRef idx="1">
+            <a:schemeClr val="accent1"/>
+          </a:fillRef>
+          <a:effectRef idx="0">
+            <a:schemeClr val="accent1"/>
+          </a:effectRef>
+          <a:fontRef idx="minor">
+            <a:schemeClr val="lt1"/>
+          </a:fontRef>
+        </p:style>
+        <p:txBody>
+          <a:bodyPr rtlCol="0" anchor="ctr"/>
+          <a:lstStyle/>
+          <a:p>
+            <a:pPr algn="ctr"/>
+            <a:endParaRPr lang="en-US"/>
+          </a:p>
+        </p:txBody>
+      </p:sp>
+      <p:sp>
+        <p:nvSpPr>
+          <p:cNvPr id="4" name="Right Arrow 3">
+            <a:extLst>
+              <a:ext uri="{FF2B5EF4-FFF2-40B4-BE49-F238E27FC236}">
+                <a16:creationId xmlns:a16="http://schemas.microsoft.com/office/drawing/2014/main" id="{2E3F2EB8-FDD1-B740-9028-D835A5979048}"/>
+              </a:ext>
+            </a:extLst>
+          </p:cNvPr>
+          <p:cNvSpPr/>
+          <p:nvPr/>
+        </p:nvSpPr>
+        <p:spPr>
+          <a:xfrm rot="10800000">
+            <a:off x="1030309" y="476518"/>
+            <a:ext cx="334851" cy="296214"/>
+          </a:xfrm>
+          <a:prstGeom prst="rightArrow">
+            <a:avLst/>
+          </a:prstGeom>
+        </p:spPr>
+        <p:style>
+          <a:lnRef idx="2">
+            <a:schemeClr val="accent1">
+              <a:shade val="50000"/>
+            </a:schemeClr>
+          </a:lnRef>
+          <a:fillRef idx="1">
+            <a:schemeClr val="accent1"/>
+          </a:fillRef>
+          <a:effectRef idx="0">
+            <a:schemeClr val="accent1"/>
+          </a:effectRef>
+          <a:fontRef idx="minor">
+            <a:schemeClr val="lt1"/>
+          </a:fontRef>
+        </p:style>
+        <p:txBody>
+          <a:bodyPr rtlCol="0" anchor="ctr"/>
+          <a:lstStyle/>
+          <a:p>
+            <a:pPr algn="ctr"/>
+            <a:endParaRPr lang="en-US"/>
+          </a:p>
+        </p:txBody>
+      </p:sp>
+      <p:sp>
+        <p:nvSpPr>
+          <p:cNvPr id="6" name="Right Arrow 5">
+            <a:extLst>
+              <a:ext uri="{FF2B5EF4-FFF2-40B4-BE49-F238E27FC236}">
+                <a16:creationId xmlns:a16="http://schemas.microsoft.com/office/drawing/2014/main" id="{B0772ED2-82B5-0F4E-94BA-323FECE0D68F}"/>
+              </a:ext>
+            </a:extLst>
+          </p:cNvPr>
+          <p:cNvSpPr/>
+          <p:nvPr/>
+        </p:nvSpPr>
+        <p:spPr>
+          <a:xfrm>
+            <a:off x="1481068" y="476518"/>
+            <a:ext cx="334851" cy="296214"/>
+          </a:xfrm>
+          <a:prstGeom prst="rightArrow">
+            <a:avLst/>
+          </a:prstGeom>
+        </p:spPr>
+        <p:style>
+          <a:lnRef idx="2">
+            <a:schemeClr val="accent1">
+              <a:shade val="50000"/>
+            </a:schemeClr>
+          </a:lnRef>
+          <a:fillRef idx="1">
+            <a:schemeClr val="accent1"/>
+          </a:fillRef>
+          <a:effectRef idx="0">
+            <a:schemeClr val="accent1"/>
+          </a:effectRef>
+          <a:fontRef idx="minor">
+            <a:schemeClr val="lt1"/>
+          </a:fontRef>
+        </p:style>
+        <p:txBody>
+          <a:bodyPr rtlCol="0" anchor="ctr"/>
+          <a:lstStyle/>
+          <a:p>
+            <a:pPr algn="ctr"/>
+            <a:endParaRPr lang="en-US"/>
+          </a:p>
+        </p:txBody>
+      </p:sp>
+      <p:sp>
+        <p:nvSpPr>
+          <p:cNvPr id="7" name="Action Button: Home 6">
+            <a:hlinkClick r:id="" action="ppaction://noaction" highlightClick="1"/>
+            <a:extLst>
+              <a:ext uri="{FF2B5EF4-FFF2-40B4-BE49-F238E27FC236}">
+                <a16:creationId xmlns:a16="http://schemas.microsoft.com/office/drawing/2014/main" id="{394F8D14-8043-FC46-8039-8433C7F95161}"/>
+              </a:ext>
+            </a:extLst>
+          </p:cNvPr>
+          <p:cNvSpPr/>
+          <p:nvPr/>
+        </p:nvSpPr>
+        <p:spPr>
+          <a:xfrm>
+            <a:off x="11037193" y="476517"/>
+            <a:ext cx="334851" cy="296215"/>
+          </a:xfrm>
+          <a:prstGeom prst="actionButtonHome">
+            <a:avLst/>
+          </a:prstGeom>
+        </p:spPr>
+        <p:style>
+          <a:lnRef idx="2">
+            <a:schemeClr val="accent1">
+              <a:shade val="50000"/>
+            </a:schemeClr>
+          </a:lnRef>
+          <a:fillRef idx="1">
+            <a:schemeClr val="accent1"/>
+          </a:fillRef>
+          <a:effectRef idx="0">
+            <a:schemeClr val="accent1"/>
+          </a:effectRef>
+          <a:fontRef idx="minor">
+            <a:schemeClr val="lt1"/>
+          </a:fontRef>
+        </p:style>
+        <p:txBody>
+          <a:bodyPr rtlCol="0" anchor="ctr"/>
+          <a:lstStyle/>
+          <a:p>
+            <a:pPr algn="ctr"/>
+            <a:endParaRPr lang="en-US"/>
+          </a:p>
+        </p:txBody>
+      </p:sp>
+      <p:sp>
+        <p:nvSpPr>
+          <p:cNvPr id="8" name="Circular Arrow 7">
+            <a:extLst>
+              <a:ext uri="{FF2B5EF4-FFF2-40B4-BE49-F238E27FC236}">
+                <a16:creationId xmlns:a16="http://schemas.microsoft.com/office/drawing/2014/main" id="{56538DC3-2253-8845-9020-F7372DCE963A}"/>
+              </a:ext>
+            </a:extLst>
+          </p:cNvPr>
+          <p:cNvSpPr/>
+          <p:nvPr/>
+        </p:nvSpPr>
+        <p:spPr>
+          <a:xfrm>
+            <a:off x="2005930" y="476517"/>
+            <a:ext cx="334851" cy="296215"/>
+          </a:xfrm>
+          <a:prstGeom prst="circularArrow">
+            <a:avLst>
+              <a:gd name="adj1" fmla="val 12500"/>
+              <a:gd name="adj2" fmla="val 1142319"/>
+              <a:gd name="adj3" fmla="val 20457681"/>
+              <a:gd name="adj4" fmla="val 2107753"/>
+              <a:gd name="adj5" fmla="val 12500"/>
+            </a:avLst>
+          </a:prstGeom>
+        </p:spPr>
+        <p:style>
+          <a:lnRef idx="2">
+            <a:schemeClr val="accent1">
+              <a:shade val="50000"/>
+            </a:schemeClr>
+          </a:lnRef>
+          <a:fillRef idx="1">
+            <a:schemeClr val="accent1"/>
+          </a:fillRef>
+          <a:effectRef idx="0">
+            <a:schemeClr val="accent1"/>
+          </a:effectRef>
+          <a:fontRef idx="minor">
+            <a:schemeClr val="lt1"/>
+          </a:fontRef>
+        </p:style>
+        <p:txBody>
+          <a:bodyPr rtlCol="0" anchor="ctr"/>
+          <a:lstStyle/>
+          <a:p>
+            <a:pPr algn="ctr"/>
+            <a:endParaRPr lang="en-US">
+              <a:solidFill>
+                <a:schemeClr val="tx1"/>
+              </a:solidFill>
+            </a:endParaRPr>
+          </a:p>
+        </p:txBody>
+      </p:sp>
+      <p:sp>
+        <p:nvSpPr>
+          <p:cNvPr id="9" name="Rounded Rectangle 8">
+            <a:extLst>
+              <a:ext uri="{FF2B5EF4-FFF2-40B4-BE49-F238E27FC236}">
+                <a16:creationId xmlns:a16="http://schemas.microsoft.com/office/drawing/2014/main" id="{1EEF5033-2E5D-2B47-90B1-950784BC318C}"/>
+              </a:ext>
+            </a:extLst>
+          </p:cNvPr>
+          <p:cNvSpPr/>
+          <p:nvPr/>
+        </p:nvSpPr>
+        <p:spPr>
+          <a:xfrm>
+            <a:off x="2581372" y="476516"/>
+            <a:ext cx="8129560" cy="296216"/>
+          </a:xfrm>
+          <a:prstGeom prst="roundRect">
+            <a:avLst/>
+          </a:prstGeom>
+          <a:noFill/>
+          <a:ln>
+            <a:solidFill>
+              <a:schemeClr val="tx1"/>
+            </a:solidFill>
+          </a:ln>
+        </p:spPr>
+        <p:style>
+          <a:lnRef idx="2">
+            <a:schemeClr val="accent1">
+              <a:shade val="50000"/>
+            </a:schemeClr>
+          </a:lnRef>
+          <a:fillRef idx="1">
+            <a:schemeClr val="accent1"/>
+          </a:fillRef>
+          <a:effectRef idx="0">
+            <a:schemeClr val="accent1"/>
+          </a:effectRef>
+          <a:fontRef idx="minor">
+            <a:schemeClr val="lt1"/>
+          </a:fontRef>
+        </p:style>
+        <p:txBody>
+          <a:bodyPr rtlCol="0" anchor="ctr"/>
+          <a:lstStyle/>
+          <a:p>
+            <a:pPr algn="ctr"/>
+            <a:endParaRPr lang="en-US"/>
+          </a:p>
+        </p:txBody>
+      </p:sp>
+      <p:sp>
+        <p:nvSpPr>
+          <p:cNvPr id="10" name="Donut 9">
+            <a:extLst>
+              <a:ext uri="{FF2B5EF4-FFF2-40B4-BE49-F238E27FC236}">
+                <a16:creationId xmlns:a16="http://schemas.microsoft.com/office/drawing/2014/main" id="{453F4726-BB6E-624B-97F1-3F35773CF0F5}"/>
+              </a:ext>
+            </a:extLst>
+          </p:cNvPr>
+          <p:cNvSpPr/>
+          <p:nvPr/>
+        </p:nvSpPr>
+        <p:spPr>
+          <a:xfrm>
+            <a:off x="2676939" y="532993"/>
+            <a:ext cx="110270" cy="117390"/>
+          </a:xfrm>
+          <a:prstGeom prst="donut">
+            <a:avLst>
+              <a:gd name="adj" fmla="val 0"/>
+            </a:avLst>
+          </a:prstGeom>
+          <a:solidFill>
+            <a:schemeClr val="tx1"/>
+          </a:solidFill>
+          <a:ln>
+            <a:solidFill>
+              <a:schemeClr val="tx1"/>
+            </a:solidFill>
+          </a:ln>
+        </p:spPr>
+        <p:style>
+          <a:lnRef idx="2">
+            <a:schemeClr val="accent1">
+              <a:shade val="50000"/>
+            </a:schemeClr>
+          </a:lnRef>
+          <a:fillRef idx="1">
+            <a:schemeClr val="accent1"/>
+          </a:fillRef>
+          <a:effectRef idx="0">
+            <a:schemeClr val="accent1"/>
+          </a:effectRef>
+          <a:fontRef idx="minor">
+            <a:schemeClr val="lt1"/>
+          </a:fontRef>
+        </p:style>
+        <p:txBody>
+          <a:bodyPr rtlCol="0" anchor="ctr"/>
+          <a:lstStyle/>
+          <a:p>
+            <a:pPr algn="ctr"/>
+            <a:endParaRPr lang="en-US">
+              <a:solidFill>
+                <a:schemeClr val="tx1"/>
+              </a:solidFill>
+            </a:endParaRPr>
+          </a:p>
+        </p:txBody>
+      </p:sp>
+      <p:cxnSp>
+        <p:nvCxnSpPr>
+          <p:cNvPr id="12" name="Straight Connector 11">
+            <a:extLst>
+              <a:ext uri="{FF2B5EF4-FFF2-40B4-BE49-F238E27FC236}">
+                <a16:creationId xmlns:a16="http://schemas.microsoft.com/office/drawing/2014/main" id="{57269C2A-A99E-3E49-920A-F93606B6DA2D}"/>
+              </a:ext>
+            </a:extLst>
+          </p:cNvPr>
+          <p:cNvCxnSpPr>
+            <a:stCxn id="10" idx="5"/>
+          </p:cNvCxnSpPr>
+          <p:nvPr/>
+        </p:nvCxnSpPr>
+        <p:spPr>
+          <a:xfrm>
+            <a:off x="2771060" y="633192"/>
+            <a:ext cx="74827" cy="105174"/>
+          </a:xfrm>
+          <a:prstGeom prst="line">
+            <a:avLst/>
+          </a:prstGeom>
+          <a:ln w="19050">
+            <a:solidFill>
+              <a:schemeClr val="tx1"/>
+            </a:solidFill>
+          </a:ln>
+        </p:spPr>
+        <p:style>
+          <a:lnRef idx="1">
+            <a:schemeClr val="accent1"/>
+          </a:lnRef>
+          <a:fillRef idx="0">
+            <a:schemeClr val="accent1"/>
+          </a:fillRef>
+          <a:effectRef idx="0">
+            <a:schemeClr val="accent1"/>
+          </a:effectRef>
+          <a:fontRef idx="minor">
+            <a:schemeClr val="tx1"/>
+          </a:fontRef>
+        </p:style>
+      </p:cxnSp>
+      <p:sp>
+        <p:nvSpPr>
+          <p:cNvPr id="2" name="Rectangle 1">
+            <a:extLst>
+              <a:ext uri="{FF2B5EF4-FFF2-40B4-BE49-F238E27FC236}">
+                <a16:creationId xmlns:a16="http://schemas.microsoft.com/office/drawing/2014/main" id="{B333E7D1-2B50-5143-BB58-BCA3E8B5C698}"/>
+              </a:ext>
+            </a:extLst>
+          </p:cNvPr>
+          <p:cNvSpPr/>
+          <p:nvPr/>
+        </p:nvSpPr>
+        <p:spPr>
+          <a:xfrm>
+            <a:off x="850006" y="347730"/>
+            <a:ext cx="10650828" cy="5859887"/>
+          </a:xfrm>
+          <a:prstGeom prst="rect">
+            <a:avLst/>
+          </a:prstGeom>
+          <a:noFill/>
+          <a:ln w="28575">
+            <a:solidFill>
+              <a:schemeClr val="tx1"/>
+            </a:solidFill>
+          </a:ln>
+        </p:spPr>
+        <p:style>
+          <a:lnRef idx="2">
+            <a:schemeClr val="accent1">
+              <a:shade val="50000"/>
+            </a:schemeClr>
+          </a:lnRef>
+          <a:fillRef idx="1">
+            <a:schemeClr val="accent1"/>
+          </a:fillRef>
+          <a:effectRef idx="0">
+            <a:schemeClr val="accent1"/>
+          </a:effectRef>
+          <a:fontRef idx="minor">
+            <a:schemeClr val="lt1"/>
+          </a:fontRef>
+        </p:style>
+        <p:txBody>
+          <a:bodyPr rtlCol="0" anchor="ctr"/>
+          <a:lstStyle/>
+          <a:p>
+            <a:pPr algn="ctr"/>
+            <a:endParaRPr lang="en-US"/>
+          </a:p>
+        </p:txBody>
+      </p:sp>
+      <p:sp>
+        <p:nvSpPr>
+          <p:cNvPr id="16" name="Rectangle 15">
+            <a:extLst>
+              <a:ext uri="{FF2B5EF4-FFF2-40B4-BE49-F238E27FC236}">
+                <a16:creationId xmlns:a16="http://schemas.microsoft.com/office/drawing/2014/main" id="{C215B095-374B-E14B-92BF-2F5699B41E54}"/>
+              </a:ext>
+            </a:extLst>
+          </p:cNvPr>
+          <p:cNvSpPr/>
+          <p:nvPr/>
+        </p:nvSpPr>
+        <p:spPr>
+          <a:xfrm>
+            <a:off x="9675340" y="1001721"/>
+            <a:ext cx="1529277" cy="357522"/>
+          </a:xfrm>
+          <a:prstGeom prst="rect">
+            <a:avLst/>
+          </a:prstGeom>
+        </p:spPr>
+        <p:style>
+          <a:lnRef idx="2">
+            <a:schemeClr val="accent1">
+              <a:shade val="50000"/>
+            </a:schemeClr>
+          </a:lnRef>
+          <a:fillRef idx="1">
+            <a:schemeClr val="accent1"/>
+          </a:fillRef>
+          <a:effectRef idx="0">
+            <a:schemeClr val="accent1"/>
+          </a:effectRef>
+          <a:fontRef idx="minor">
+            <a:schemeClr val="lt1"/>
+          </a:fontRef>
+        </p:style>
+        <p:txBody>
+          <a:bodyPr rtlCol="0" anchor="ctr"/>
+          <a:lstStyle/>
+          <a:p>
+            <a:pPr algn="ctr"/>
+            <a:r>
+              <a:rPr lang="en-US" sz="1400" dirty="0"/>
+              <a:t>Login With GitHub</a:t>
+            </a:r>
+            <a:endParaRPr lang="en-US" dirty="0"/>
+          </a:p>
+        </p:txBody>
+      </p:sp>
+      <p:sp>
+        <p:nvSpPr>
+          <p:cNvPr id="21" name="TextBox 20">
+            <a:extLst>
+              <a:ext uri="{FF2B5EF4-FFF2-40B4-BE49-F238E27FC236}">
+                <a16:creationId xmlns:a16="http://schemas.microsoft.com/office/drawing/2014/main" id="{42481228-F98D-4B41-858D-D46381AF067C}"/>
+              </a:ext>
+            </a:extLst>
+          </p:cNvPr>
+          <p:cNvSpPr txBox="1"/>
+          <p:nvPr/>
+        </p:nvSpPr>
+        <p:spPr>
+          <a:xfrm>
+            <a:off x="5472646" y="1564858"/>
+            <a:ext cx="716863" cy="461665"/>
+          </a:xfrm>
+          <a:prstGeom prst="rect">
+            <a:avLst/>
+          </a:prstGeom>
+          <a:noFill/>
+        </p:spPr>
+        <p:txBody>
+          <a:bodyPr wrap="none" rtlCol="0">
+            <a:spAutoFit/>
+          </a:bodyPr>
+          <a:lstStyle/>
+          <a:p>
+            <a:r>
+              <a:rPr lang="en-US" sz="2400" b="1" dirty="0"/>
+              <a:t>Cart</a:t>
+            </a:r>
+            <a:endParaRPr lang="en-US" b="1" dirty="0"/>
+          </a:p>
+        </p:txBody>
+      </p:sp>
+      <p:graphicFrame>
+        <p:nvGraphicFramePr>
+          <p:cNvPr id="17" name="Table 16">
+            <a:extLst>
+              <a:ext uri="{FF2B5EF4-FFF2-40B4-BE49-F238E27FC236}">
+                <a16:creationId xmlns:a16="http://schemas.microsoft.com/office/drawing/2014/main" id="{8545D156-FB84-834E-AE3E-000DECCA0F90}"/>
+              </a:ext>
+            </a:extLst>
+          </p:cNvPr>
+          <p:cNvGraphicFramePr>
+            <a:graphicFrameLocks noGrp="1"/>
+          </p:cNvGraphicFramePr>
+          <p:nvPr/>
+        </p:nvGraphicFramePr>
+        <p:xfrm>
+          <a:off x="5683250" y="3082133"/>
+          <a:ext cx="825500" cy="192405"/>
+        </p:xfrm>
+        <a:graphic>
+          <a:graphicData uri="http://schemas.openxmlformats.org/drawingml/2006/table">
+            <a:tbl>
+              <a:tblPr/>
+              <a:tblGrid>
+                <a:gridCol w="825500">
+                  <a:extLst>
+                    <a:ext uri="{9D8B030D-6E8A-4147-A177-3AD203B41FA5}">
+                      <a16:colId xmlns:a16="http://schemas.microsoft.com/office/drawing/2014/main" val="97462916"/>
+                    </a:ext>
+                  </a:extLst>
+                </a:gridCol>
+              </a:tblGrid>
+              <a:tr h="0">
+                <a:tc>
+                  <a:txBody>
+                    <a:bodyPr/>
+                    <a:lstStyle/>
+                    <a:p>
+                      <a:pPr algn="l" fontAlgn="b"/>
+                      <a:endParaRPr lang="en-US" sz="1200" b="0" i="0" u="none" strike="noStrike" dirty="0">
+                        <a:solidFill>
+                          <a:srgbClr val="000000"/>
+                        </a:solidFill>
+                        <a:effectLst/>
+                        <a:latin typeface="Calibri" panose="020F0502020204030204" pitchFamily="34" charset="0"/>
+                      </a:endParaRPr>
+                    </a:p>
+                  </a:txBody>
+                  <a:tcPr marL="9525" marR="9525" marT="9525" marB="0" anchor="b">
+                    <a:lnL>
+                      <a:noFill/>
+                    </a:lnL>
+                    <a:lnR>
+                      <a:noFill/>
+                    </a:lnR>
+                    <a:lnT>
+                      <a:noFill/>
+                    </a:lnT>
+                    <a:lnB>
+                      <a:noFill/>
+                    </a:lnB>
+                  </a:tcPr>
+                </a:tc>
+                <a:extLst>
+                  <a:ext uri="{0D108BD9-81ED-4DB2-BD59-A6C34878D82A}">
+                    <a16:rowId xmlns:a16="http://schemas.microsoft.com/office/drawing/2014/main" val="815209764"/>
+                  </a:ext>
+                </a:extLst>
+              </a:tr>
+            </a:tbl>
+          </a:graphicData>
+        </a:graphic>
+      </p:graphicFrame>
+      <p:graphicFrame>
+        <p:nvGraphicFramePr>
+          <p:cNvPr id="18" name="Table 17">
+            <a:extLst>
+              <a:ext uri="{FF2B5EF4-FFF2-40B4-BE49-F238E27FC236}">
+                <a16:creationId xmlns:a16="http://schemas.microsoft.com/office/drawing/2014/main" id="{80436BC9-C0B7-424D-B66D-7D149039A04C}"/>
+              </a:ext>
+            </a:extLst>
+          </p:cNvPr>
+          <p:cNvGraphicFramePr>
+            <a:graphicFrameLocks noGrp="1"/>
+          </p:cNvGraphicFramePr>
+          <p:nvPr>
+            <p:extLst>
+              <p:ext uri="{D42A27DB-BD31-4B8C-83A1-F6EECF244321}">
+                <p14:modId xmlns:p14="http://schemas.microsoft.com/office/powerpoint/2010/main" val="3988681876"/>
+              </p:ext>
+            </p:extLst>
+          </p:nvPr>
+        </p:nvGraphicFramePr>
+        <p:xfrm>
+          <a:off x="1365159" y="2136071"/>
+          <a:ext cx="5967212" cy="4171744"/>
+        </p:xfrm>
+        <a:graphic>
+          <a:graphicData uri="http://schemas.openxmlformats.org/drawingml/2006/table">
+            <a:tbl>
+              <a:tblPr firstRow="1" bandRow="1">
+                <a:tableStyleId>{5940675A-B579-460E-94D1-54222C63F5DA}</a:tableStyleId>
+              </a:tblPr>
+              <a:tblGrid>
+                <a:gridCol w="2983606">
+                  <a:extLst>
+                    <a:ext uri="{9D8B030D-6E8A-4147-A177-3AD203B41FA5}">
+                      <a16:colId xmlns:a16="http://schemas.microsoft.com/office/drawing/2014/main" val="1231118601"/>
+                    </a:ext>
+                  </a:extLst>
+                </a:gridCol>
+                <a:gridCol w="2983606">
+                  <a:extLst>
+                    <a:ext uri="{9D8B030D-6E8A-4147-A177-3AD203B41FA5}">
+                      <a16:colId xmlns:a16="http://schemas.microsoft.com/office/drawing/2014/main" val="1884620015"/>
+                    </a:ext>
+                  </a:extLst>
+                </a:gridCol>
+              </a:tblGrid>
+              <a:tr h="521468">
+                <a:tc>
+                  <a:txBody>
+                    <a:bodyPr/>
+                    <a:lstStyle/>
+                    <a:p>
+                      <a:pPr algn="l" fontAlgn="b"/>
+                      <a:r>
+                        <a:rPr lang="en-US" sz="2000" b="0" i="0" u="none" strike="noStrike" dirty="0">
+                          <a:solidFill>
+                            <a:srgbClr val="000000"/>
+                          </a:solidFill>
+                          <a:effectLst/>
+                          <a:latin typeface="Calibri" panose="020F0502020204030204" pitchFamily="34" charset="0"/>
+                        </a:rPr>
+                        <a:t>Celery</a:t>
+                      </a:r>
+                    </a:p>
+                  </a:txBody>
+                  <a:tcPr marL="9525" marR="9525" marT="9525" marB="0" anchor="b"/>
+                </a:tc>
+                <a:tc>
+                  <a:txBody>
+                    <a:bodyPr/>
+                    <a:lstStyle/>
+                    <a:p>
+                      <a:pPr algn="ctr"/>
+                      <a:r>
+                        <a:rPr lang="en-US" sz="1400" dirty="0">
+                          <a:solidFill>
+                            <a:srgbClr val="FF0000"/>
+                          </a:solidFill>
+                        </a:rPr>
+                        <a:t>Remove from Cart</a:t>
+                      </a:r>
+                    </a:p>
+                  </a:txBody>
+                  <a:tcPr anchor="ctr"/>
+                </a:tc>
+                <a:extLst>
+                  <a:ext uri="{0D108BD9-81ED-4DB2-BD59-A6C34878D82A}">
+                    <a16:rowId xmlns:a16="http://schemas.microsoft.com/office/drawing/2014/main" val="366143541"/>
+                  </a:ext>
+                </a:extLst>
+              </a:tr>
+              <a:tr h="521468">
+                <a:tc>
+                  <a:txBody>
+                    <a:bodyPr/>
+                    <a:lstStyle/>
+                    <a:p>
+                      <a:pPr algn="l" fontAlgn="b"/>
+                      <a:r>
+                        <a:rPr lang="en-US" sz="2000" b="0" i="0" u="none" strike="noStrike" dirty="0">
+                          <a:solidFill>
+                            <a:srgbClr val="000000"/>
+                          </a:solidFill>
+                          <a:effectLst/>
+                          <a:latin typeface="Calibri" panose="020F0502020204030204" pitchFamily="34" charset="0"/>
+                        </a:rPr>
+                        <a:t>Coeur de </a:t>
+                      </a:r>
+                      <a:r>
+                        <a:rPr lang="en-US" sz="2000" b="0" i="0" u="none" strike="noStrike" dirty="0" err="1">
+                          <a:solidFill>
+                            <a:srgbClr val="000000"/>
+                          </a:solidFill>
+                          <a:effectLst/>
+                          <a:latin typeface="Calibri" panose="020F0502020204030204" pitchFamily="34" charset="0"/>
+                        </a:rPr>
+                        <a:t>laitue</a:t>
+                      </a:r>
+                      <a:endParaRPr lang="en-US" sz="2000" b="0" i="0" u="none" strike="noStrike" dirty="0">
+                        <a:solidFill>
+                          <a:srgbClr val="000000"/>
+                        </a:solidFill>
+                        <a:effectLst/>
+                        <a:latin typeface="Calibri" panose="020F0502020204030204" pitchFamily="34" charset="0"/>
+                      </a:endParaRPr>
+                    </a:p>
+                  </a:txBody>
+                  <a:tcPr marL="9525" marR="9525" marT="9525" marB="0" anchor="b"/>
+                </a:tc>
+                <a:tc>
+                  <a:txBody>
+                    <a:bodyPr/>
+                    <a:lstStyle/>
+                    <a:p>
+                      <a:pPr algn="ctr"/>
+                      <a:r>
+                        <a:rPr lang="en-US" sz="1400" dirty="0">
+                          <a:solidFill>
+                            <a:srgbClr val="FF0000"/>
+                          </a:solidFill>
+                        </a:rPr>
+                        <a:t>Remove from Cart</a:t>
+                      </a:r>
+                    </a:p>
+                  </a:txBody>
+                  <a:tcPr anchor="ctr"/>
+                </a:tc>
+                <a:extLst>
+                  <a:ext uri="{0D108BD9-81ED-4DB2-BD59-A6C34878D82A}">
+                    <a16:rowId xmlns:a16="http://schemas.microsoft.com/office/drawing/2014/main" val="2032564742"/>
+                  </a:ext>
+                </a:extLst>
+              </a:tr>
+              <a:tr h="521468">
+                <a:tc>
+                  <a:txBody>
+                    <a:bodyPr/>
+                    <a:lstStyle/>
+                    <a:p>
+                      <a:pPr algn="l" fontAlgn="b"/>
+                      <a:r>
+                        <a:rPr lang="en-US" sz="2000" b="0" i="0" u="none" strike="noStrike" dirty="0">
+                          <a:solidFill>
+                            <a:srgbClr val="000000"/>
+                          </a:solidFill>
+                          <a:effectLst/>
+                          <a:latin typeface="Calibri" panose="020F0502020204030204" pitchFamily="34" charset="0"/>
+                        </a:rPr>
+                        <a:t>The glace </a:t>
+                      </a:r>
+                      <a:r>
+                        <a:rPr lang="en-US" sz="2000" b="0" i="0" u="none" strike="noStrike" dirty="0" err="1">
+                          <a:solidFill>
+                            <a:srgbClr val="000000"/>
+                          </a:solidFill>
+                          <a:effectLst/>
+                          <a:latin typeface="Calibri" panose="020F0502020204030204" pitchFamily="34" charset="0"/>
+                        </a:rPr>
+                        <a:t>saveur</a:t>
+                      </a:r>
+                      <a:r>
+                        <a:rPr lang="en-US" sz="2000" b="0" i="0" u="none" strike="noStrike" dirty="0">
+                          <a:solidFill>
+                            <a:srgbClr val="000000"/>
+                          </a:solidFill>
+                          <a:effectLst/>
+                          <a:latin typeface="Calibri" panose="020F0502020204030204" pitchFamily="34" charset="0"/>
+                        </a:rPr>
+                        <a:t> </a:t>
+                      </a:r>
+                      <a:r>
+                        <a:rPr lang="en-US" sz="2000" b="0" i="0" u="none" strike="noStrike" dirty="0" err="1">
+                          <a:solidFill>
+                            <a:srgbClr val="000000"/>
+                          </a:solidFill>
+                          <a:effectLst/>
+                          <a:latin typeface="Calibri" panose="020F0502020204030204" pitchFamily="34" charset="0"/>
+                        </a:rPr>
+                        <a:t>peche</a:t>
+                      </a:r>
+                      <a:endParaRPr lang="en-US" sz="2000" b="0" i="0" u="none" strike="noStrike" dirty="0">
+                        <a:solidFill>
+                          <a:srgbClr val="000000"/>
+                        </a:solidFill>
+                        <a:effectLst/>
+                        <a:latin typeface="Calibri" panose="020F0502020204030204" pitchFamily="34" charset="0"/>
+                      </a:endParaRPr>
+                    </a:p>
+                  </a:txBody>
+                  <a:tcPr marL="9525" marR="9525" marT="9525" marB="0" anchor="b"/>
+                </a:tc>
+                <a:tc>
+                  <a:txBody>
+                    <a:bodyPr/>
+                    <a:lstStyle/>
+                    <a:p>
+                      <a:pPr algn="ctr"/>
+                      <a:r>
+                        <a:rPr lang="en-US" sz="1400" dirty="0">
+                          <a:solidFill>
+                            <a:srgbClr val="FF0000"/>
+                          </a:solidFill>
+                        </a:rPr>
+                        <a:t>Remove from Cart</a:t>
+                      </a:r>
+                    </a:p>
+                  </a:txBody>
+                  <a:tcPr anchor="ctr"/>
+                </a:tc>
+                <a:extLst>
+                  <a:ext uri="{0D108BD9-81ED-4DB2-BD59-A6C34878D82A}">
+                    <a16:rowId xmlns:a16="http://schemas.microsoft.com/office/drawing/2014/main" val="3300080902"/>
+                  </a:ext>
+                </a:extLst>
+              </a:tr>
+              <a:tr h="521468">
+                <a:tc>
+                  <a:txBody>
+                    <a:bodyPr/>
+                    <a:lstStyle/>
+                    <a:p>
+                      <a:pPr algn="l" fontAlgn="b"/>
+                      <a:r>
+                        <a:rPr lang="en-US" sz="2000" b="0" i="0" u="none" strike="noStrike" dirty="0">
+                          <a:solidFill>
+                            <a:srgbClr val="000000"/>
+                          </a:solidFill>
+                          <a:effectLst/>
+                          <a:latin typeface="Calibri" panose="020F0502020204030204" pitchFamily="34" charset="0"/>
+                        </a:rPr>
+                        <a:t>Whole Green Chile</a:t>
+                      </a:r>
+                    </a:p>
+                  </a:txBody>
+                  <a:tcPr marL="9525" marR="9525" marT="9525" marB="0" anchor="b"/>
+                </a:tc>
+                <a:tc>
+                  <a:txBody>
+                    <a:bodyPr/>
+                    <a:lstStyle/>
+                    <a:p>
+                      <a:pPr algn="ctr"/>
+                      <a:r>
+                        <a:rPr lang="en-US" sz="1400" dirty="0">
+                          <a:solidFill>
+                            <a:srgbClr val="FF0000"/>
+                          </a:solidFill>
+                        </a:rPr>
+                        <a:t>Remove from Cart</a:t>
+                      </a:r>
+                    </a:p>
+                  </a:txBody>
+                  <a:tcPr anchor="ctr"/>
+                </a:tc>
+                <a:extLst>
+                  <a:ext uri="{0D108BD9-81ED-4DB2-BD59-A6C34878D82A}">
+                    <a16:rowId xmlns:a16="http://schemas.microsoft.com/office/drawing/2014/main" val="4012003779"/>
+                  </a:ext>
+                </a:extLst>
+              </a:tr>
+              <a:tr h="521468">
+                <a:tc>
+                  <a:txBody>
+                    <a:bodyPr/>
+                    <a:lstStyle/>
+                    <a:p>
+                      <a:pPr algn="l" fontAlgn="b"/>
+                      <a:r>
+                        <a:rPr lang="en-US" sz="2000" b="0" i="0" u="none" strike="noStrike" dirty="0">
+                          <a:solidFill>
+                            <a:srgbClr val="000000"/>
+                          </a:solidFill>
+                          <a:effectLst/>
+                          <a:latin typeface="Calibri" panose="020F0502020204030204" pitchFamily="34" charset="0"/>
+                        </a:rPr>
+                        <a:t>Chopped Mixed Greens</a:t>
+                      </a:r>
+                    </a:p>
+                  </a:txBody>
+                  <a:tcPr marL="9525" marR="9525" marT="9525" marB="0" anchor="b"/>
+                </a:tc>
+                <a:tc>
+                  <a:txBody>
+                    <a:bodyPr/>
+                    <a:lstStyle/>
+                    <a:p>
+                      <a:pPr algn="ctr"/>
+                      <a:r>
+                        <a:rPr lang="en-US" sz="1400" dirty="0">
+                          <a:solidFill>
+                            <a:srgbClr val="FF0000"/>
+                          </a:solidFill>
+                        </a:rPr>
+                        <a:t>Remove from Cart</a:t>
+                      </a:r>
+                    </a:p>
+                  </a:txBody>
+                  <a:tcPr anchor="ctr"/>
+                </a:tc>
+                <a:extLst>
+                  <a:ext uri="{0D108BD9-81ED-4DB2-BD59-A6C34878D82A}">
+                    <a16:rowId xmlns:a16="http://schemas.microsoft.com/office/drawing/2014/main" val="1819319870"/>
+                  </a:ext>
+                </a:extLst>
+              </a:tr>
+              <a:tr h="521468">
+                <a:tc>
+                  <a:txBody>
+                    <a:bodyPr/>
+                    <a:lstStyle/>
+                    <a:p>
+                      <a:pPr algn="l" fontAlgn="b"/>
+                      <a:r>
+                        <a:rPr lang="en-US" sz="2000" b="0" i="0" u="none" strike="noStrike" dirty="0">
+                          <a:solidFill>
+                            <a:srgbClr val="000000"/>
+                          </a:solidFill>
+                          <a:effectLst/>
+                          <a:latin typeface="Calibri" panose="020F0502020204030204" pitchFamily="34" charset="0"/>
+                        </a:rPr>
+                        <a:t>Bean Sprouts</a:t>
+                      </a:r>
+                    </a:p>
+                  </a:txBody>
+                  <a:tcPr marL="9525" marR="9525" marT="9525" marB="0" anchor="b"/>
+                </a:tc>
+                <a:tc>
+                  <a:txBody>
+                    <a:bodyPr/>
+                    <a:lstStyle/>
+                    <a:p>
+                      <a:pPr algn="ctr"/>
+                      <a:r>
+                        <a:rPr lang="en-US" sz="1400" dirty="0">
+                          <a:solidFill>
+                            <a:srgbClr val="FF0000"/>
+                          </a:solidFill>
+                        </a:rPr>
+                        <a:t>Remove from Cart</a:t>
+                      </a:r>
+                    </a:p>
+                  </a:txBody>
+                  <a:tcPr anchor="ctr"/>
+                </a:tc>
+                <a:extLst>
+                  <a:ext uri="{0D108BD9-81ED-4DB2-BD59-A6C34878D82A}">
+                    <a16:rowId xmlns:a16="http://schemas.microsoft.com/office/drawing/2014/main" val="1761819702"/>
+                  </a:ext>
+                </a:extLst>
+              </a:tr>
+              <a:tr h="521468">
+                <a:tc>
+                  <a:txBody>
+                    <a:bodyPr/>
+                    <a:lstStyle/>
+                    <a:p>
+                      <a:pPr algn="l" fontAlgn="b"/>
+                      <a:r>
+                        <a:rPr lang="en-US" sz="2000" b="0" i="0" u="none" strike="noStrike">
+                          <a:solidFill>
+                            <a:srgbClr val="000000"/>
+                          </a:solidFill>
+                          <a:effectLst/>
+                          <a:latin typeface="Calibri" panose="020F0502020204030204" pitchFamily="34" charset="0"/>
+                        </a:rPr>
+                        <a:t>Stir-Fry Vegetables</a:t>
+                      </a:r>
+                    </a:p>
+                  </a:txBody>
+                  <a:tcPr marL="9525" marR="9525" marT="9525" marB="0" anchor="b"/>
+                </a:tc>
+                <a:tc>
+                  <a:txBody>
+                    <a:bodyPr/>
+                    <a:lstStyle/>
+                    <a:p>
+                      <a:pPr algn="ctr"/>
+                      <a:r>
+                        <a:rPr lang="en-US" sz="1400" dirty="0">
+                          <a:solidFill>
+                            <a:srgbClr val="FF0000"/>
+                          </a:solidFill>
+                        </a:rPr>
+                        <a:t>Remove from Cart</a:t>
+                      </a:r>
+                    </a:p>
+                  </a:txBody>
+                  <a:tcPr anchor="ctr"/>
+                </a:tc>
+                <a:extLst>
+                  <a:ext uri="{0D108BD9-81ED-4DB2-BD59-A6C34878D82A}">
+                    <a16:rowId xmlns:a16="http://schemas.microsoft.com/office/drawing/2014/main" val="68921221"/>
+                  </a:ext>
+                </a:extLst>
+              </a:tr>
+              <a:tr h="521468">
+                <a:tc>
+                  <a:txBody>
+                    <a:bodyPr/>
+                    <a:lstStyle/>
+                    <a:p>
+                      <a:pPr algn="l" fontAlgn="b"/>
+                      <a:r>
+                        <a:rPr lang="en-US" sz="2000" b="0" i="0" u="none" strike="noStrike" dirty="0">
+                          <a:solidFill>
+                            <a:srgbClr val="000000"/>
+                          </a:solidFill>
+                          <a:effectLst/>
+                          <a:latin typeface="Calibri" panose="020F0502020204030204" pitchFamily="34" charset="0"/>
+                        </a:rPr>
+                        <a:t>Chopped Collard Greens</a:t>
+                      </a:r>
+                    </a:p>
+                  </a:txBody>
+                  <a:tcPr marL="9525" marR="9525" marT="9525" marB="0" anchor="b"/>
+                </a:tc>
+                <a:tc>
+                  <a:txBody>
+                    <a:bodyPr/>
+                    <a:lstStyle/>
+                    <a:p>
+                      <a:pPr algn="ctr"/>
+                      <a:r>
+                        <a:rPr lang="en-US" sz="1400" dirty="0">
+                          <a:solidFill>
+                            <a:srgbClr val="FF0000"/>
+                          </a:solidFill>
+                        </a:rPr>
+                        <a:t>Remove from Cart</a:t>
+                      </a:r>
+                    </a:p>
+                  </a:txBody>
+                  <a:tcPr anchor="ctr"/>
+                </a:tc>
+                <a:extLst>
+                  <a:ext uri="{0D108BD9-81ED-4DB2-BD59-A6C34878D82A}">
+                    <a16:rowId xmlns:a16="http://schemas.microsoft.com/office/drawing/2014/main" val="4013289324"/>
+                  </a:ext>
+                </a:extLst>
+              </a:tr>
+            </a:tbl>
+          </a:graphicData>
+        </a:graphic>
+      </p:graphicFrame>
+      <p:sp>
+        <p:nvSpPr>
+          <p:cNvPr id="19" name="Rectangle 18">
+            <a:extLst>
+              <a:ext uri="{FF2B5EF4-FFF2-40B4-BE49-F238E27FC236}">
+                <a16:creationId xmlns:a16="http://schemas.microsoft.com/office/drawing/2014/main" id="{7A9EF0A7-9D66-3342-8787-E559D7A12B21}"/>
+              </a:ext>
+            </a:extLst>
+          </p:cNvPr>
+          <p:cNvSpPr/>
+          <p:nvPr/>
+        </p:nvSpPr>
+        <p:spPr>
+          <a:xfrm>
+            <a:off x="1197734" y="6224808"/>
+            <a:ext cx="9513198" cy="285462"/>
+          </a:xfrm>
+          <a:prstGeom prst="rect">
+            <a:avLst/>
+          </a:prstGeom>
+          <a:solidFill>
+            <a:schemeClr val="bg1"/>
+          </a:solidFill>
+          <a:ln>
+            <a:noFill/>
+          </a:ln>
+        </p:spPr>
+        <p:style>
+          <a:lnRef idx="2">
+            <a:schemeClr val="accent1">
+              <a:shade val="50000"/>
+            </a:schemeClr>
+          </a:lnRef>
+          <a:fillRef idx="1">
+            <a:schemeClr val="accent1"/>
+          </a:fillRef>
+          <a:effectRef idx="0">
+            <a:schemeClr val="accent1"/>
+          </a:effectRef>
+          <a:fontRef idx="minor">
+            <a:schemeClr val="lt1"/>
+          </a:fontRef>
+        </p:style>
+        <p:txBody>
+          <a:bodyPr rtlCol="0" anchor="ctr"/>
+          <a:lstStyle/>
+          <a:p>
+            <a:pPr algn="ctr"/>
+            <a:endParaRPr lang="en-US"/>
+          </a:p>
+        </p:txBody>
+      </p:sp>
+      <p:pic>
+        <p:nvPicPr>
+          <p:cNvPr id="14" name="Picture 13">
+            <a:extLst>
+              <a:ext uri="{FF2B5EF4-FFF2-40B4-BE49-F238E27FC236}">
+                <a16:creationId xmlns:a16="http://schemas.microsoft.com/office/drawing/2014/main" id="{D63A0F02-7396-5849-910F-C663A944ED4E}"/>
+              </a:ext>
+            </a:extLst>
+          </p:cNvPr>
+          <p:cNvPicPr>
+            <a:picLocks noChangeAspect="1"/>
+          </p:cNvPicPr>
+          <p:nvPr/>
+        </p:nvPicPr>
+        <p:blipFill>
+          <a:blip r:embed="rId3"/>
+          <a:stretch>
+            <a:fillRect/>
+          </a:stretch>
+        </p:blipFill>
+        <p:spPr>
+          <a:xfrm>
+            <a:off x="11330802" y="1455309"/>
+            <a:ext cx="170032" cy="4760903"/>
+          </a:xfrm>
+          <a:prstGeom prst="rect">
+            <a:avLst/>
+          </a:prstGeom>
+        </p:spPr>
+      </p:pic>
+    </p:spTree>
+    <p:extLst>
+      <p:ext uri="{BB962C8B-B14F-4D97-AF65-F5344CB8AC3E}">
+        <p14:creationId xmlns:p14="http://schemas.microsoft.com/office/powerpoint/2010/main" val="537679798"/>
+      </p:ext>
+    </p:extLst>
+  </p:cSld>
+  <p:clrMapOvr>
+    <a:masterClrMapping/>
+  </p:clrMapOvr>
+</p:sld>
+</file>
+
+<file path=ppt/slides/slide4.xml><?xml version="1.0" encoding="utf-8"?>
+<p:sld xmlns:a="http://schemas.openxmlformats.org/drawingml/2006/main" xmlns:r="http://schemas.openxmlformats.org/officeDocument/2006/relationships" xmlns:p="http://schemas.openxmlformats.org/presentationml/2006/main">
+  <p:cSld>
+    <p:spTree>
+      <p:nvGrpSpPr>
+        <p:cNvPr id="1" name=""/>
+        <p:cNvGrpSpPr/>
+        <p:nvPr/>
+      </p:nvGrpSpPr>
+      <p:grpSpPr>
+        <a:xfrm>
+          <a:off x="0" y="0"/>
+          <a:ext cx="0" cy="0"/>
+          <a:chOff x="0" y="0"/>
+          <a:chExt cx="0" cy="0"/>
+        </a:xfrm>
+      </p:grpSpPr>
+      <p:sp>
+        <p:nvSpPr>
+          <p:cNvPr id="4" name="Rounded Rectangle 3">
+            <a:extLst>
+              <a:ext uri="{FF2B5EF4-FFF2-40B4-BE49-F238E27FC236}">
+                <a16:creationId xmlns:a16="http://schemas.microsoft.com/office/drawing/2014/main" id="{C2723E2F-3560-0945-AB37-8B1D58708BC1}"/>
+              </a:ext>
+            </a:extLst>
+          </p:cNvPr>
+          <p:cNvSpPr/>
+          <p:nvPr/>
+        </p:nvSpPr>
+        <p:spPr>
+          <a:xfrm>
+            <a:off x="1075764" y="793376"/>
+            <a:ext cx="1828801" cy="1788460"/>
+          </a:xfrm>
+          <a:prstGeom prst="roundRect">
+            <a:avLst/>
+          </a:prstGeom>
+          <a:solidFill>
+            <a:schemeClr val="bg1"/>
+          </a:solidFill>
+          <a:ln>
+            <a:solidFill>
+              <a:schemeClr val="tx1"/>
+            </a:solidFill>
+          </a:ln>
+        </p:spPr>
+        <p:style>
+          <a:lnRef idx="2">
+            <a:schemeClr val="accent1">
+              <a:shade val="50000"/>
+            </a:schemeClr>
+          </a:lnRef>
+          <a:fillRef idx="1">
+            <a:schemeClr val="accent1"/>
+          </a:fillRef>
+          <a:effectRef idx="0">
+            <a:schemeClr val="accent1"/>
+          </a:effectRef>
+          <a:fontRef idx="minor">
+            <a:schemeClr val="lt1"/>
+          </a:fontRef>
+        </p:style>
+        <p:txBody>
+          <a:bodyPr rtlCol="0" anchor="t"/>
+          <a:lstStyle/>
+          <a:p>
+            <a:pPr algn="ctr"/>
+            <a:r>
+              <a:rPr lang="en-US" dirty="0">
+                <a:solidFill>
+                  <a:schemeClr val="tx1"/>
+                </a:solidFill>
+              </a:rPr>
+              <a:t>Product</a:t>
+            </a:r>
+          </a:p>
+          <a:p>
+            <a:pPr marL="285750" indent="-285750">
+              <a:buFont typeface="Arial" panose="020B0604020202020204" pitchFamily="34" charset="0"/>
+              <a:buChar char="•"/>
+            </a:pPr>
+            <a:r>
+              <a:rPr lang="en-US" dirty="0">
+                <a:solidFill>
+                  <a:schemeClr val="tx1"/>
+                </a:solidFill>
+              </a:rPr>
+              <a:t>id</a:t>
+            </a:r>
+          </a:p>
+          <a:p>
+            <a:pPr marL="285750" indent="-285750">
+              <a:buFont typeface="Arial" panose="020B0604020202020204" pitchFamily="34" charset="0"/>
+              <a:buChar char="•"/>
+            </a:pPr>
+            <a:r>
+              <a:rPr lang="en-US" dirty="0">
+                <a:solidFill>
+                  <a:schemeClr val="tx1"/>
+                </a:solidFill>
+              </a:rPr>
+              <a:t>name</a:t>
+            </a:r>
+          </a:p>
+          <a:p>
+            <a:pPr marL="285750" indent="-285750">
+              <a:buFont typeface="Arial" panose="020B0604020202020204" pitchFamily="34" charset="0"/>
+              <a:buChar char="•"/>
+            </a:pPr>
+            <a:r>
+              <a:rPr lang="en-US" dirty="0">
+                <a:solidFill>
+                  <a:schemeClr val="tx1"/>
+                </a:solidFill>
+              </a:rPr>
+              <a:t>category</a:t>
+            </a:r>
+          </a:p>
+          <a:p>
+            <a:pPr marL="285750" indent="-285750">
+              <a:buFont typeface="Arial" panose="020B0604020202020204" pitchFamily="34" charset="0"/>
+              <a:buChar char="•"/>
+            </a:pPr>
+            <a:r>
+              <a:rPr lang="en-US" dirty="0" err="1">
+                <a:solidFill>
+                  <a:schemeClr val="tx1"/>
+                </a:solidFill>
+              </a:rPr>
+              <a:t>url</a:t>
+            </a:r>
+            <a:endParaRPr lang="en-US" dirty="0">
+              <a:solidFill>
+                <a:schemeClr val="tx1"/>
+              </a:solidFill>
+            </a:endParaRPr>
+          </a:p>
+        </p:txBody>
+      </p:sp>
+      <p:sp>
+        <p:nvSpPr>
+          <p:cNvPr id="5" name="Rounded Rectangle 4">
+            <a:extLst>
+              <a:ext uri="{FF2B5EF4-FFF2-40B4-BE49-F238E27FC236}">
+                <a16:creationId xmlns:a16="http://schemas.microsoft.com/office/drawing/2014/main" id="{B378A2C7-CA97-5F4D-92D7-6D1713ACA531}"/>
+              </a:ext>
+            </a:extLst>
+          </p:cNvPr>
+          <p:cNvSpPr/>
+          <p:nvPr/>
+        </p:nvSpPr>
+        <p:spPr>
+          <a:xfrm>
+            <a:off x="3581400" y="793376"/>
+            <a:ext cx="2160494" cy="1788460"/>
+          </a:xfrm>
+          <a:prstGeom prst="roundRect">
+            <a:avLst/>
+          </a:prstGeom>
+          <a:solidFill>
+            <a:schemeClr val="bg1"/>
+          </a:solidFill>
+          <a:ln>
+            <a:solidFill>
+              <a:schemeClr val="tx1"/>
+            </a:solidFill>
+          </a:ln>
+        </p:spPr>
+        <p:style>
+          <a:lnRef idx="2">
+            <a:schemeClr val="accent1">
+              <a:shade val="50000"/>
+            </a:schemeClr>
+          </a:lnRef>
+          <a:fillRef idx="1">
+            <a:schemeClr val="accent1"/>
+          </a:fillRef>
+          <a:effectRef idx="0">
+            <a:schemeClr val="accent1"/>
+          </a:effectRef>
+          <a:fontRef idx="minor">
+            <a:schemeClr val="lt1"/>
+          </a:fontRef>
+        </p:style>
+        <p:txBody>
+          <a:bodyPr rtlCol="0" anchor="t"/>
+          <a:lstStyle/>
+          <a:p>
+            <a:pPr algn="ctr"/>
+            <a:r>
+              <a:rPr lang="en-US" dirty="0">
+                <a:solidFill>
+                  <a:schemeClr val="tx1"/>
+                </a:solidFill>
+              </a:rPr>
+              <a:t>Cart</a:t>
+            </a:r>
+          </a:p>
+          <a:p>
+            <a:pPr marL="285750" indent="-285750">
+              <a:buFont typeface="Arial" panose="020B0604020202020204" pitchFamily="34" charset="0"/>
+              <a:buChar char="•"/>
+            </a:pPr>
+            <a:r>
+              <a:rPr lang="en-US" dirty="0" err="1">
+                <a:solidFill>
+                  <a:schemeClr val="tx1"/>
+                </a:solidFill>
+              </a:rPr>
+              <a:t>user_id</a:t>
+            </a:r>
+            <a:endParaRPr lang="en-US" dirty="0">
+              <a:solidFill>
+                <a:schemeClr val="tx1"/>
+              </a:solidFill>
+            </a:endParaRPr>
+          </a:p>
+          <a:p>
+            <a:pPr marL="285750" indent="-285750">
+              <a:buFont typeface="Arial" panose="020B0604020202020204" pitchFamily="34" charset="0"/>
+              <a:buChar char="•"/>
+            </a:pPr>
+            <a:r>
+              <a:rPr lang="en-US" dirty="0" err="1">
+                <a:solidFill>
+                  <a:schemeClr val="tx1"/>
+                </a:solidFill>
+              </a:rPr>
+              <a:t>product_list</a:t>
+            </a:r>
+            <a:endParaRPr lang="en-US" dirty="0">
+              <a:solidFill>
+                <a:schemeClr val="tx1"/>
+              </a:solidFill>
+            </a:endParaRPr>
+          </a:p>
+          <a:p>
+            <a:pPr marL="742950" lvl="1" indent="-285750">
+              <a:buFont typeface="Arial" panose="020B0604020202020204" pitchFamily="34" charset="0"/>
+              <a:buChar char="•"/>
+            </a:pPr>
+            <a:r>
+              <a:rPr lang="en-US" dirty="0">
+                <a:solidFill>
+                  <a:schemeClr val="tx1"/>
+                </a:solidFill>
+              </a:rPr>
+              <a:t>products</a:t>
+            </a:r>
+          </a:p>
+          <a:p>
+            <a:pPr marL="285750" indent="-285750">
+              <a:buFont typeface="Arial" panose="020B0604020202020204" pitchFamily="34" charset="0"/>
+              <a:buChar char="•"/>
+            </a:pPr>
+            <a:endParaRPr lang="en-US" dirty="0">
+              <a:solidFill>
+                <a:schemeClr val="tx1"/>
+              </a:solidFill>
+            </a:endParaRPr>
+          </a:p>
+        </p:txBody>
+      </p:sp>
+    </p:spTree>
+    <p:extLst>
+      <p:ext uri="{BB962C8B-B14F-4D97-AF65-F5344CB8AC3E}">
+        <p14:creationId xmlns:p14="http://schemas.microsoft.com/office/powerpoint/2010/main" val="69742902"/>
       </p:ext>
     </p:extLst>
   </p:cSld>
@@ -4190,4 +8185,299 @@
     </a:ext>
   </a:extLst>
 </a:theme>
+</file>
+
+<file path=ppt/theme/theme2.xml><?xml version="1.0" encoding="utf-8"?>
+<a:theme xmlns:a="http://schemas.openxmlformats.org/drawingml/2006/main" name="Office Theme">
+  <a:themeElements>
+    <a:clrScheme name="Office">
+      <a:dk1>
+        <a:sysClr val="windowText" lastClr="000000"/>
+      </a:dk1>
+      <a:lt1>
+        <a:sysClr val="window" lastClr="FFFFFF"/>
+      </a:lt1>
+      <a:dk2>
+        <a:srgbClr val="44546A"/>
+      </a:dk2>
+      <a:lt2>
+        <a:srgbClr val="E7E6E6"/>
+      </a:lt2>
+      <a:accent1>
+        <a:srgbClr val="4472C4"/>
+      </a:accent1>
+      <a:accent2>
+        <a:srgbClr val="ED7D31"/>
+      </a:accent2>
+      <a:accent3>
+        <a:srgbClr val="A5A5A5"/>
+      </a:accent3>
+      <a:accent4>
+        <a:srgbClr val="FFC000"/>
+      </a:accent4>
+      <a:accent5>
+        <a:srgbClr val="5B9BD5"/>
+      </a:accent5>
+      <a:accent6>
+        <a:srgbClr val="70AD47"/>
+      </a:accent6>
+      <a:hlink>
+        <a:srgbClr val="0563C1"/>
+      </a:hlink>
+      <a:folHlink>
+        <a:srgbClr val="954F72"/>
+      </a:folHlink>
+    </a:clrScheme>
+    <a:fontScheme name="Office">
+      <a:majorFont>
+        <a:latin typeface="Calibri Light" panose="020F0302020204030204"/>
+        <a:ea typeface=""/>
+        <a:cs typeface=""/>
+        <a:font script="Jpan" typeface="游ゴシック Light"/>
+        <a:font script="Hang" typeface="맑은 고딕"/>
+        <a:font script="Hans" typeface="等线 Light"/>
+        <a:font script="Hant" typeface="新細明體"/>
+        <a:font script="Arab" typeface="Times New Roman"/>
+        <a:font script="Hebr" typeface="Times New Roman"/>
+        <a:font script="Thai" typeface="Angsana New"/>
+        <a:font script="Ethi" typeface="Nyala"/>
+        <a:font script="Beng" typeface="Vrinda"/>
+        <a:font script="Gujr" typeface="Shruti"/>
+        <a:font script="Khmr" typeface="MoolBoran"/>
+        <a:font script="Knda" typeface="Tunga"/>
+        <a:font script="Guru" typeface="Raavi"/>
+        <a:font script="Cans" typeface="Euphemia"/>
+        <a:font script="Cher" typeface="Plantagenet Cherokee"/>
+        <a:font script="Yiii" typeface="Microsoft Yi Baiti"/>
+        <a:font script="Tibt" typeface="Microsoft Himalaya"/>
+        <a:font script="Thaa" typeface="MV Boli"/>
+        <a:font script="Deva" typeface="Mangal"/>
+        <a:font script="Telu" typeface="Gautami"/>
+        <a:font script="Taml" typeface="Latha"/>
+        <a:font script="Syrc" typeface="Estrangelo Edessa"/>
+        <a:font script="Orya" typeface="Kalinga"/>
+        <a:font script="Mlym" typeface="Kartika"/>
+        <a:font script="Laoo" typeface="DokChampa"/>
+        <a:font script="Sinh" typeface="Iskoola Pota"/>
+        <a:font script="Mong" typeface="Mongolian Baiti"/>
+        <a:font script="Viet" typeface="Times New Roman"/>
+        <a:font script="Uigh" typeface="Microsoft Uighur"/>
+        <a:font script="Geor" typeface="Sylfaen"/>
+        <a:font script="Armn" typeface="Arial"/>
+        <a:font script="Bugi" typeface="Leelawadee UI"/>
+        <a:font script="Bopo" typeface="Microsoft JhengHei"/>
+        <a:font script="Java" typeface="Javanese Text"/>
+        <a:font script="Lisu" typeface="Segoe UI"/>
+        <a:font script="Mymr" typeface="Myanmar Text"/>
+        <a:font script="Nkoo" typeface="Ebrima"/>
+        <a:font script="Olck" typeface="Nirmala UI"/>
+        <a:font script="Osma" typeface="Ebrima"/>
+        <a:font script="Phag" typeface="Phagspa"/>
+        <a:font script="Syrn" typeface="Estrangelo Edessa"/>
+        <a:font script="Syrj" typeface="Estrangelo Edessa"/>
+        <a:font script="Syre" typeface="Estrangelo Edessa"/>
+        <a:font script="Sora" typeface="Nirmala UI"/>
+        <a:font script="Tale" typeface="Microsoft Tai Le"/>
+        <a:font script="Talu" typeface="Microsoft New Tai Lue"/>
+        <a:font script="Tfng" typeface="Ebrima"/>
+      </a:majorFont>
+      <a:minorFont>
+        <a:latin typeface="Calibri" panose="020F0502020204030204"/>
+        <a:ea typeface=""/>
+        <a:cs typeface=""/>
+        <a:font script="Jpan" typeface="游ゴシック"/>
+        <a:font script="Hang" typeface="맑은 고딕"/>
+        <a:font script="Hans" typeface="等线"/>
+        <a:font script="Hant" typeface="新細明體"/>
+        <a:font script="Arab" typeface="Arial"/>
+        <a:font script="Hebr" typeface="Arial"/>
+        <a:font script="Thai" typeface="Cordia New"/>
+        <a:font script="Ethi" typeface="Nyala"/>
+        <a:font script="Beng" typeface="Vrinda"/>
+        <a:font script="Gujr" typeface="Shruti"/>
+        <a:font script="Khmr" typeface="DaunPenh"/>
+        <a:font script="Knda" typeface="Tunga"/>
+        <a:font script="Guru" typeface="Raavi"/>
+        <a:font script="Cans" typeface="Euphemia"/>
+        <a:font script="Cher" typeface="Plantagenet Cherokee"/>
+        <a:font script="Yiii" typeface="Microsoft Yi Baiti"/>
+        <a:font script="Tibt" typeface="Microsoft Himalaya"/>
+        <a:font script="Thaa" typeface="MV Boli"/>
+        <a:font script="Deva" typeface="Mangal"/>
+        <a:font script="Telu" typeface="Gautami"/>
+        <a:font script="Taml" typeface="Latha"/>
+        <a:font script="Syrc" typeface="Estrangelo Edessa"/>
+        <a:font script="Orya" typeface="Kalinga"/>
+        <a:font script="Mlym" typeface="Kartika"/>
+        <a:font script="Laoo" typeface="DokChampa"/>
+        <a:font script="Sinh" typeface="Iskoola Pota"/>
+        <a:font script="Mong" typeface="Mongolian Baiti"/>
+        <a:font script="Viet" typeface="Arial"/>
+        <a:font script="Uigh" typeface="Microsoft Uighur"/>
+        <a:font script="Geor" typeface="Sylfaen"/>
+        <a:font script="Armn" typeface="Arial"/>
+        <a:font script="Bugi" typeface="Leelawadee UI"/>
+        <a:font script="Bopo" typeface="Microsoft JhengHei"/>
+        <a:font script="Java" typeface="Javanese Text"/>
+        <a:font script="Lisu" typeface="Segoe UI"/>
+        <a:font script="Mymr" typeface="Myanmar Text"/>
+        <a:font script="Nkoo" typeface="Ebrima"/>
+        <a:font script="Olck" typeface="Nirmala UI"/>
+        <a:font script="Osma" typeface="Ebrima"/>
+        <a:font script="Phag" typeface="Phagspa"/>
+        <a:font script="Syrn" typeface="Estrangelo Edessa"/>
+        <a:font script="Syrj" typeface="Estrangelo Edessa"/>
+        <a:font script="Syre" typeface="Estrangelo Edessa"/>
+        <a:font script="Sora" typeface="Nirmala UI"/>
+        <a:font script="Tale" typeface="Microsoft Tai Le"/>
+        <a:font script="Talu" typeface="Microsoft New Tai Lue"/>
+        <a:font script="Tfng" typeface="Ebrima"/>
+      </a:minorFont>
+    </a:fontScheme>
+    <a:fmtScheme name="Office">
+      <a:fillStyleLst>
+        <a:solidFill>
+          <a:schemeClr val="phClr"/>
+        </a:solidFill>
+        <a:gradFill rotWithShape="1">
+          <a:gsLst>
+            <a:gs pos="0">
+              <a:schemeClr val="phClr">
+                <a:lumMod val="110000"/>
+                <a:satMod val="105000"/>
+                <a:tint val="67000"/>
+              </a:schemeClr>
+            </a:gs>
+            <a:gs pos="50000">
+              <a:schemeClr val="phClr">
+                <a:lumMod val="105000"/>
+                <a:satMod val="103000"/>
+                <a:tint val="73000"/>
+              </a:schemeClr>
+            </a:gs>
+            <a:gs pos="100000">
+              <a:schemeClr val="phClr">
+                <a:lumMod val="105000"/>
+                <a:satMod val="109000"/>
+                <a:tint val="81000"/>
+              </a:schemeClr>
+            </a:gs>
+          </a:gsLst>
+          <a:lin ang="5400000" scaled="0"/>
+        </a:gradFill>
+        <a:gradFill rotWithShape="1">
+          <a:gsLst>
+            <a:gs pos="0">
+              <a:schemeClr val="phClr">
+                <a:satMod val="103000"/>
+                <a:lumMod val="102000"/>
+                <a:tint val="94000"/>
+              </a:schemeClr>
+            </a:gs>
+            <a:gs pos="50000">
+              <a:schemeClr val="phClr">
+                <a:satMod val="110000"/>
+                <a:lumMod val="100000"/>
+                <a:shade val="100000"/>
+              </a:schemeClr>
+            </a:gs>
+            <a:gs pos="100000">
+              <a:schemeClr val="phClr">
+                <a:lumMod val="99000"/>
+                <a:satMod val="120000"/>
+                <a:shade val="78000"/>
+              </a:schemeClr>
+            </a:gs>
+          </a:gsLst>
+          <a:lin ang="5400000" scaled="0"/>
+        </a:gradFill>
+      </a:fillStyleLst>
+      <a:lnStyleLst>
+        <a:ln w="6350" cap="flat" cmpd="sng" algn="ctr">
+          <a:solidFill>
+            <a:schemeClr val="phClr"/>
+          </a:solidFill>
+          <a:prstDash val="solid"/>
+          <a:miter lim="800000"/>
+        </a:ln>
+        <a:ln w="12700" cap="flat" cmpd="sng" algn="ctr">
+          <a:solidFill>
+            <a:schemeClr val="phClr"/>
+          </a:solidFill>
+          <a:prstDash val="solid"/>
+          <a:miter lim="800000"/>
+        </a:ln>
+        <a:ln w="19050" cap="flat" cmpd="sng" algn="ctr">
+          <a:solidFill>
+            <a:schemeClr val="phClr"/>
+          </a:solidFill>
+          <a:prstDash val="solid"/>
+          <a:miter lim="800000"/>
+        </a:ln>
+      </a:lnStyleLst>
+      <a:effectStyleLst>
+        <a:effectStyle>
+          <a:effectLst/>
+        </a:effectStyle>
+        <a:effectStyle>
+          <a:effectLst/>
+        </a:effectStyle>
+        <a:effectStyle>
+          <a:effectLst>
+            <a:outerShdw blurRad="57150" dist="19050" dir="5400000" algn="ctr" rotWithShape="0">
+              <a:srgbClr val="000000">
+                <a:alpha val="63000"/>
+              </a:srgbClr>
+            </a:outerShdw>
+          </a:effectLst>
+        </a:effectStyle>
+      </a:effectStyleLst>
+      <a:bgFillStyleLst>
+        <a:solidFill>
+          <a:schemeClr val="phClr"/>
+        </a:solidFill>
+        <a:solidFill>
+          <a:schemeClr val="phClr">
+            <a:tint val="95000"/>
+            <a:satMod val="170000"/>
+          </a:schemeClr>
+        </a:solidFill>
+        <a:gradFill rotWithShape="1">
+          <a:gsLst>
+            <a:gs pos="0">
+              <a:schemeClr val="phClr">
+                <a:tint val="93000"/>
+                <a:satMod val="150000"/>
+                <a:shade val="98000"/>
+                <a:lumMod val="102000"/>
+              </a:schemeClr>
+            </a:gs>
+            <a:gs pos="50000">
+              <a:schemeClr val="phClr">
+                <a:tint val="98000"/>
+                <a:satMod val="130000"/>
+                <a:shade val="90000"/>
+                <a:lumMod val="103000"/>
+              </a:schemeClr>
+            </a:gs>
+            <a:gs pos="100000">
+              <a:schemeClr val="phClr">
+                <a:shade val="63000"/>
+                <a:satMod val="120000"/>
+              </a:schemeClr>
+            </a:gs>
+          </a:gsLst>
+          <a:lin ang="5400000" scaled="0"/>
+        </a:gradFill>
+      </a:bgFillStyleLst>
+    </a:fmtScheme>
+  </a:themeElements>
+  <a:objectDefaults/>
+  <a:extraClrSchemeLst/>
+  <a:extLst>
+    <a:ext uri="{05A4C25C-085E-4340-85A3-A5531E510DB2}">
+      <thm15:themeFamily xmlns:thm15="http://schemas.microsoft.com/office/thememl/2012/main" name="Office Theme" id="{62F939B6-93AF-4DB8-9C6B-D6C7DFDC589F}" vid="{4A3C46E8-61CC-4603-A589-7422A47A8E4A}"/>
+    </a:ext>
+  </a:extLst>
+</a:theme>
 </file>
--- a/design/mockups.pptx
+++ b/design/mockups.pptx
@@ -719,6 +719,93 @@
     <p:extLst>
       <p:ext uri="{BB962C8B-B14F-4D97-AF65-F5344CB8AC3E}">
         <p14:creationId xmlns:p14="http://schemas.microsoft.com/office/powerpoint/2010/main" val="3236123164"/>
+      </p:ext>
+    </p:extLst>
+  </p:cSld>
+  <p:clrMapOvr>
+    <a:masterClrMapping/>
+  </p:clrMapOvr>
+</p:notes>
+</file>
+
+<file path=ppt/notesSlides/notesSlide4.xml><?xml version="1.0" encoding="utf-8"?>
+<p:notes xmlns:a="http://schemas.openxmlformats.org/drawingml/2006/main" xmlns:r="http://schemas.openxmlformats.org/officeDocument/2006/relationships" xmlns:p="http://schemas.openxmlformats.org/presentationml/2006/main">
+  <p:cSld>
+    <p:spTree>
+      <p:nvGrpSpPr>
+        <p:cNvPr id="1" name=""/>
+        <p:cNvGrpSpPr/>
+        <p:nvPr/>
+      </p:nvGrpSpPr>
+      <p:grpSpPr>
+        <a:xfrm>
+          <a:off x="0" y="0"/>
+          <a:ext cx="0" cy="0"/>
+          <a:chOff x="0" y="0"/>
+          <a:chExt cx="0" cy="0"/>
+        </a:xfrm>
+      </p:grpSpPr>
+      <p:sp>
+        <p:nvSpPr>
+          <p:cNvPr id="2" name="Slide Image Placeholder 1"/>
+          <p:cNvSpPr>
+            <a:spLocks noGrp="1" noRot="1" noChangeAspect="1"/>
+          </p:cNvSpPr>
+          <p:nvPr>
+            <p:ph type="sldImg"/>
+          </p:nvPr>
+        </p:nvSpPr>
+        <p:spPr/>
+      </p:sp>
+      <p:sp>
+        <p:nvSpPr>
+          <p:cNvPr id="3" name="Notes Placeholder 2"/>
+          <p:cNvSpPr>
+            <a:spLocks noGrp="1"/>
+          </p:cNvSpPr>
+          <p:nvPr>
+            <p:ph type="body" idx="1"/>
+          </p:nvPr>
+        </p:nvSpPr>
+        <p:spPr/>
+        <p:txBody>
+          <a:bodyPr/>
+          <a:lstStyle/>
+          <a:p>
+            <a:r>
+              <a:rPr lang="en-US" dirty="0"/>
+              <a:t>Database Structure</a:t>
+            </a:r>
+          </a:p>
+        </p:txBody>
+      </p:sp>
+      <p:sp>
+        <p:nvSpPr>
+          <p:cNvPr id="4" name="Slide Number Placeholder 3"/>
+          <p:cNvSpPr>
+            <a:spLocks noGrp="1"/>
+          </p:cNvSpPr>
+          <p:nvPr>
+            <p:ph type="sldNum" sz="quarter" idx="5"/>
+          </p:nvPr>
+        </p:nvSpPr>
+        <p:spPr/>
+        <p:txBody>
+          <a:bodyPr/>
+          <a:lstStyle/>
+          <a:p>
+            <a:fld id="{B43C8CF7-923B-534E-BF53-23230B27D7C1}" type="slidenum">
+              <a:rPr lang="en-US" smtClean="0"/>
+              <a:t>4</a:t>
+            </a:fld>
+            <a:endParaRPr lang="en-US"/>
+          </a:p>
+        </p:txBody>
+      </p:sp>
+    </p:spTree>
+    <p:extLst>
+      <p:ext uri="{BB962C8B-B14F-4D97-AF65-F5344CB8AC3E}">
+        <p14:creationId xmlns:p14="http://schemas.microsoft.com/office/powerpoint/2010/main" val="4258977486"/>
       </p:ext>
     </p:extLst>
   </p:cSld>
@@ -5494,6 +5581,41 @@
           </a:prstGeom>
         </p:spPr>
       </p:pic>
+      <p:sp>
+        <p:nvSpPr>
+          <p:cNvPr id="24" name="TextBox 23">
+            <a:extLst>
+              <a:ext uri="{FF2B5EF4-FFF2-40B4-BE49-F238E27FC236}">
+                <a16:creationId xmlns:a16="http://schemas.microsoft.com/office/drawing/2014/main" id="{DA25CA6F-25E5-924F-8779-C15AF95F3D90}"/>
+              </a:ext>
+            </a:extLst>
+          </p:cNvPr>
+          <p:cNvSpPr txBox="1"/>
+          <p:nvPr/>
+        </p:nvSpPr>
+        <p:spPr>
+          <a:xfrm>
+            <a:off x="9102427" y="1514601"/>
+            <a:ext cx="1145826" cy="369332"/>
+          </a:xfrm>
+          <a:prstGeom prst="rect">
+            <a:avLst/>
+          </a:prstGeom>
+          <a:noFill/>
+        </p:spPr>
+        <p:txBody>
+          <a:bodyPr wrap="none" rtlCol="0">
+            <a:spAutoFit/>
+          </a:bodyPr>
+          <a:lstStyle/>
+          <a:p>
+            <a:r>
+              <a:rPr lang="en-US" dirty="0"/>
+              <a:t>Go to Cart</a:t>
+            </a:r>
+          </a:p>
+        </p:txBody>
+      </p:sp>
     </p:spTree>
     <p:extLst>
       <p:ext uri="{BB962C8B-B14F-4D97-AF65-F5344CB8AC3E}">
@@ -7825,25 +7947,6 @@
                   <a:schemeClr val="tx1"/>
                 </a:solidFill>
               </a:rPr>
-              <a:t>user_id</a:t>
-            </a:r>
-            <a:endParaRPr lang="en-US" dirty="0">
-              <a:solidFill>
-                <a:schemeClr val="tx1"/>
-              </a:solidFill>
-            </a:endParaRPr>
-          </a:p>
-          <a:p>
-            <a:pPr marL="285750" indent="-285750">
-              <a:buFont typeface="Arial" panose="020B0604020202020204" pitchFamily="34" charset="0"/>
-              <a:buChar char="•"/>
-            </a:pPr>
-            <a:r>
-              <a:rPr lang="en-US" dirty="0" err="1">
-                <a:solidFill>
-                  <a:schemeClr val="tx1"/>
-                </a:solidFill>
-              </a:rPr>
               <a:t>product_list</a:t>
             </a:r>
             <a:endParaRPr lang="en-US" dirty="0">
@@ -7865,6 +7968,39 @@
               </a:rPr>
               <a:t>products</a:t>
             </a:r>
+          </a:p>
+          <a:p>
+            <a:pPr marL="1200150" lvl="2" indent="-285750">
+              <a:buFont typeface="Arial" panose="020B0604020202020204" pitchFamily="34" charset="0"/>
+              <a:buChar char="•"/>
+            </a:pPr>
+            <a:r>
+              <a:rPr lang="en-US" dirty="0">
+                <a:solidFill>
+                  <a:schemeClr val="tx1"/>
+                </a:solidFill>
+              </a:rPr>
+              <a:t>id</a:t>
+            </a:r>
+          </a:p>
+          <a:p>
+            <a:pPr marL="1200150" lvl="2" indent="-285750">
+              <a:buFont typeface="Arial" panose="020B0604020202020204" pitchFamily="34" charset="0"/>
+              <a:buChar char="•"/>
+            </a:pPr>
+            <a:r>
+              <a:rPr lang="en-US">
+                <a:solidFill>
+                  <a:schemeClr val="tx1"/>
+                </a:solidFill>
+              </a:rPr>
+              <a:t>name</a:t>
+            </a:r>
+            <a:endParaRPr lang="en-US" dirty="0">
+              <a:solidFill>
+                <a:schemeClr val="tx1"/>
+              </a:solidFill>
+            </a:endParaRPr>
           </a:p>
           <a:p>
             <a:pPr marL="285750" indent="-285750">

--- a/design/mockups.pptx
+++ b/design/mockups.pptx
@@ -200,7 +200,7 @@
           <a:p>
             <a:fld id="{C4902ADE-2808-B04C-8705-B2BAAD8AD498}" type="datetimeFigureOut">
               <a:rPr lang="en-US" smtClean="0"/>
-              <a:t>4/17/20</a:t>
+              <a:t>4/29/20</a:t>
             </a:fld>
             <a:endParaRPr lang="en-US"/>
           </a:p>
@@ -962,7 +962,7 @@
           <a:p>
             <a:fld id="{B6B90777-D4DB-F44E-BA64-F53F1477FE6B}" type="datetimeFigureOut">
               <a:rPr lang="en-US" smtClean="0"/>
-              <a:t>4/17/20</a:t>
+              <a:t>4/29/20</a:t>
             </a:fld>
             <a:endParaRPr lang="en-US"/>
           </a:p>
@@ -1160,7 +1160,7 @@
           <a:p>
             <a:fld id="{B6B90777-D4DB-F44E-BA64-F53F1477FE6B}" type="datetimeFigureOut">
               <a:rPr lang="en-US" smtClean="0"/>
-              <a:t>4/17/20</a:t>
+              <a:t>4/29/20</a:t>
             </a:fld>
             <a:endParaRPr lang="en-US"/>
           </a:p>
@@ -1368,7 +1368,7 @@
           <a:p>
             <a:fld id="{B6B90777-D4DB-F44E-BA64-F53F1477FE6B}" type="datetimeFigureOut">
               <a:rPr lang="en-US" smtClean="0"/>
-              <a:t>4/17/20</a:t>
+              <a:t>4/29/20</a:t>
             </a:fld>
             <a:endParaRPr lang="en-US"/>
           </a:p>
@@ -1566,7 +1566,7 @@
           <a:p>
             <a:fld id="{B6B90777-D4DB-F44E-BA64-F53F1477FE6B}" type="datetimeFigureOut">
               <a:rPr lang="en-US" smtClean="0"/>
-              <a:t>4/17/20</a:t>
+              <a:t>4/29/20</a:t>
             </a:fld>
             <a:endParaRPr lang="en-US"/>
           </a:p>
@@ -1841,7 +1841,7 @@
           <a:p>
             <a:fld id="{B6B90777-D4DB-F44E-BA64-F53F1477FE6B}" type="datetimeFigureOut">
               <a:rPr lang="en-US" smtClean="0"/>
-              <a:t>4/17/20</a:t>
+              <a:t>4/29/20</a:t>
             </a:fld>
             <a:endParaRPr lang="en-US"/>
           </a:p>
@@ -2106,7 +2106,7 @@
           <a:p>
             <a:fld id="{B6B90777-D4DB-F44E-BA64-F53F1477FE6B}" type="datetimeFigureOut">
               <a:rPr lang="en-US" smtClean="0"/>
-              <a:t>4/17/20</a:t>
+              <a:t>4/29/20</a:t>
             </a:fld>
             <a:endParaRPr lang="en-US"/>
           </a:p>
@@ -2518,7 +2518,7 @@
           <a:p>
             <a:fld id="{B6B90777-D4DB-F44E-BA64-F53F1477FE6B}" type="datetimeFigureOut">
               <a:rPr lang="en-US" smtClean="0"/>
-              <a:t>4/17/20</a:t>
+              <a:t>4/29/20</a:t>
             </a:fld>
             <a:endParaRPr lang="en-US"/>
           </a:p>
@@ -2659,7 +2659,7 @@
           <a:p>
             <a:fld id="{B6B90777-D4DB-F44E-BA64-F53F1477FE6B}" type="datetimeFigureOut">
               <a:rPr lang="en-US" smtClean="0"/>
-              <a:t>4/17/20</a:t>
+              <a:t>4/29/20</a:t>
             </a:fld>
             <a:endParaRPr lang="en-US"/>
           </a:p>
@@ -2772,7 +2772,7 @@
           <a:p>
             <a:fld id="{B6B90777-D4DB-F44E-BA64-F53F1477FE6B}" type="datetimeFigureOut">
               <a:rPr lang="en-US" smtClean="0"/>
-              <a:t>4/17/20</a:t>
+              <a:t>4/29/20</a:t>
             </a:fld>
             <a:endParaRPr lang="en-US"/>
           </a:p>
@@ -3083,7 +3083,7 @@
           <a:p>
             <a:fld id="{B6B90777-D4DB-F44E-BA64-F53F1477FE6B}" type="datetimeFigureOut">
               <a:rPr lang="en-US" smtClean="0"/>
-              <a:t>4/17/20</a:t>
+              <a:t>4/29/20</a:t>
             </a:fld>
             <a:endParaRPr lang="en-US"/>
           </a:p>
@@ -3371,7 +3371,7 @@
           <a:p>
             <a:fld id="{B6B90777-D4DB-F44E-BA64-F53F1477FE6B}" type="datetimeFigureOut">
               <a:rPr lang="en-US" smtClean="0"/>
-              <a:t>4/17/20</a:t>
+              <a:t>4/29/20</a:t>
             </a:fld>
             <a:endParaRPr lang="en-US"/>
           </a:p>
@@ -3612,7 +3612,7 @@
           <a:p>
             <a:fld id="{B6B90777-D4DB-F44E-BA64-F53F1477FE6B}" type="datetimeFigureOut">
               <a:rPr lang="en-US" smtClean="0"/>
-              <a:t>4/17/20</a:t>
+              <a:t>4/29/20</a:t>
             </a:fld>
             <a:endParaRPr lang="en-US"/>
           </a:p>
@@ -4556,8 +4556,8 @@
         </p:nvSpPr>
         <p:spPr>
           <a:xfrm>
-            <a:off x="9675340" y="1001721"/>
-            <a:ext cx="1529277" cy="357522"/>
+            <a:off x="9543246" y="1001721"/>
+            <a:ext cx="1661372" cy="357522"/>
           </a:xfrm>
           <a:prstGeom prst="rect">
             <a:avLst/>
@@ -4586,7 +4586,7 @@
             <a:pPr algn="ctr"/>
             <a:r>
               <a:rPr lang="en-US" sz="1400" dirty="0"/>
-              <a:t>Login With GitHub</a:t>
+              <a:t>Sign in With Github</a:t>
             </a:r>
             <a:endParaRPr lang="en-US" dirty="0"/>
           </a:p>
@@ -4606,7 +4606,7 @@
         </p:nvSpPr>
         <p:spPr>
           <a:xfrm>
-            <a:off x="1365160" y="1584095"/>
+            <a:off x="1365160" y="2047734"/>
             <a:ext cx="3129567" cy="296216"/>
           </a:xfrm>
           <a:prstGeom prst="roundRect">
@@ -4664,7 +4664,7 @@
         </p:nvSpPr>
         <p:spPr>
           <a:xfrm>
-            <a:off x="1460727" y="1640572"/>
+            <a:off x="1460727" y="2104211"/>
             <a:ext cx="110270" cy="117390"/>
           </a:xfrm>
           <a:prstGeom prst="donut">
@@ -4726,7 +4726,7 @@
         </p:nvCxnSpPr>
         <p:spPr>
           <a:xfrm>
-            <a:off x="1554848" y="1740771"/>
+            <a:off x="1554848" y="2204410"/>
             <a:ext cx="74827" cy="105174"/>
           </a:xfrm>
           <a:prstGeom prst="line">
@@ -4768,14 +4768,14 @@
           <p:nvPr>
             <p:extLst>
               <p:ext uri="{D42A27DB-BD31-4B8C-83A1-F6EECF244321}">
-                <p14:modId xmlns:p14="http://schemas.microsoft.com/office/powerpoint/2010/main" val="3046443203"/>
+                <p14:modId xmlns:p14="http://schemas.microsoft.com/office/powerpoint/2010/main" val="491876942"/>
               </p:ext>
             </p:extLst>
           </p:nvPr>
         </p:nvGraphicFramePr>
         <p:xfrm>
-          <a:off x="1365159" y="2550017"/>
-          <a:ext cx="8950818" cy="3772205"/>
+          <a:off x="1365158" y="2550018"/>
+          <a:ext cx="9345773" cy="3714073"/>
         </p:xfrm>
         <a:graphic>
           <a:graphicData uri="http://schemas.openxmlformats.org/drawingml/2006/table">
@@ -4784,29 +4784,15 @@
                 <a:tableStyleId>{5940675A-B579-460E-94D1-54222C63F5DA}</a:tableStyleId>
               </a:tblPr>
               <a:tblGrid>
-                <a:gridCol w="2983606">
+                <a:gridCol w="9345773">
                   <a:extLst>
                     <a:ext uri="{9D8B030D-6E8A-4147-A177-3AD203B41FA5}">
                       <a16:colId xmlns:a16="http://schemas.microsoft.com/office/drawing/2014/main" val="1231118601"/>
                     </a:ext>
                   </a:extLst>
                 </a:gridCol>
-                <a:gridCol w="2983606">
-                  <a:extLst>
-                    <a:ext uri="{9D8B030D-6E8A-4147-A177-3AD203B41FA5}">
-                      <a16:colId xmlns:a16="http://schemas.microsoft.com/office/drawing/2014/main" val="2596623796"/>
-                    </a:ext>
-                  </a:extLst>
-                </a:gridCol>
-                <a:gridCol w="2983606">
-                  <a:extLst>
-                    <a:ext uri="{9D8B030D-6E8A-4147-A177-3AD203B41FA5}">
-                      <a16:colId xmlns:a16="http://schemas.microsoft.com/office/drawing/2014/main" val="1884620015"/>
-                    </a:ext>
-                  </a:extLst>
-                </a:gridCol>
               </a:tblGrid>
-              <a:tr h="450440">
+              <a:tr h="423881">
                 <a:tc>
                   <a:txBody>
                     <a:bodyPr/>
@@ -4814,7 +4800,7 @@
                     <a:p>
                       <a:pPr algn="l" fontAlgn="b"/>
                       <a:r>
-                        <a:rPr lang="en-US" sz="2000" b="0" i="0" u="none" strike="noStrike" dirty="0">
+                        <a:rPr lang="en-US" sz="1200" b="0" i="0" u="none" strike="noStrike" dirty="0">
                           <a:solidFill>
                             <a:srgbClr val="000000"/>
                           </a:solidFill>
@@ -4827,6 +4813,13 @@
                   </a:txBody>
                   <a:tcPr marL="9525" marR="9525" marT="9525" marB="0" anchor="b"/>
                 </a:tc>
+                <a:extLst>
+                  <a:ext uri="{0D108BD9-81ED-4DB2-BD59-A6C34878D82A}">
+                    <a16:rowId xmlns:a16="http://schemas.microsoft.com/office/drawing/2014/main" val="366143541"/>
+                  </a:ext>
+                </a:extLst>
+              </a:tr>
+              <a:tr h="423881">
                 <a:tc>
                   <a:txBody>
                     <a:bodyPr/>
@@ -4834,16 +4827,26 @@
                     <a:p>
                       <a:pPr algn="l" fontAlgn="b"/>
                       <a:r>
-                        <a:rPr lang="en-US" sz="2000" b="0" i="0" u="none" strike="noStrike" dirty="0" err="1">
+                        <a:rPr lang="en-US" sz="1200" b="0" i="0" u="none" strike="noStrike" dirty="0">
                           <a:solidFill>
                             <a:srgbClr val="000000"/>
                           </a:solidFill>
                           <a:effectLst/>
                           <a:latin typeface="Calibri" panose="020F0502020204030204" pitchFamily="34" charset="0"/>
                         </a:rPr>
-                        <a:t>en:celery</a:t>
+                        <a:t>Coeur de </a:t>
                       </a:r>
-                      <a:endParaRPr lang="en-US" sz="2000" b="0" i="0" u="none" strike="noStrike" dirty="0">
+                      <a:r>
+                        <a:rPr lang="en-US" sz="1200" b="0" i="0" u="none" strike="noStrike" dirty="0" err="1">
+                          <a:solidFill>
+                            <a:srgbClr val="000000"/>
+                          </a:solidFill>
+                          <a:effectLst/>
+                          <a:latin typeface="Calibri" panose="020F0502020204030204" pitchFamily="34" charset="0"/>
+                        </a:rPr>
+                        <a:t>laitue</a:t>
+                      </a:r>
+                      <a:endParaRPr lang="en-US" sz="1200" b="0" i="0" u="none" strike="noStrike" dirty="0">
                         <a:solidFill>
                           <a:srgbClr val="000000"/>
                         </a:solidFill>
@@ -4854,27 +4857,13 @@
                   </a:txBody>
                   <a:tcPr marL="9525" marR="9525" marT="9525" marB="0" anchor="b"/>
                 </a:tc>
-                <a:tc>
-                  <a:txBody>
-                    <a:bodyPr/>
-                    <a:lstStyle/>
-                    <a:p>
-                      <a:pPr algn="ctr"/>
-                      <a:r>
-                        <a:rPr lang="en-US" sz="1400" dirty="0"/>
-                        <a:t>Add to Cart</a:t>
-                      </a:r>
-                    </a:p>
-                  </a:txBody>
-                  <a:tcPr anchor="ctr"/>
-                </a:tc>
                 <a:extLst>
                   <a:ext uri="{0D108BD9-81ED-4DB2-BD59-A6C34878D82A}">
-                    <a16:rowId xmlns:a16="http://schemas.microsoft.com/office/drawing/2014/main" val="366143541"/>
+                    <a16:rowId xmlns:a16="http://schemas.microsoft.com/office/drawing/2014/main" val="2032564742"/>
                   </a:ext>
                 </a:extLst>
               </a:tr>
-              <a:tr h="450440">
+              <a:tr h="746906">
                 <a:tc>
                   <a:txBody>
                     <a:bodyPr/>
@@ -4882,26 +4871,46 @@
                     <a:p>
                       <a:pPr algn="l" fontAlgn="b"/>
                       <a:r>
-                        <a:rPr lang="en-US" sz="2000" b="0" i="0" u="none" strike="noStrike" dirty="0">
+                        <a:rPr lang="en-US" sz="1200" b="0" i="0" u="none" strike="noStrike" dirty="0">
                           <a:solidFill>
                             <a:srgbClr val="000000"/>
                           </a:solidFill>
                           <a:effectLst/>
                           <a:latin typeface="Calibri" panose="020F0502020204030204" pitchFamily="34" charset="0"/>
                         </a:rPr>
-                        <a:t>Coeur de </a:t>
+                        <a:t>The glace </a:t>
                       </a:r>
                       <a:r>
-                        <a:rPr lang="en-US" sz="2000" b="0" i="0" u="none" strike="noStrike" dirty="0" err="1">
+                        <a:rPr lang="en-US" sz="1200" b="0" i="0" u="none" strike="noStrike" dirty="0" err="1">
                           <a:solidFill>
                             <a:srgbClr val="000000"/>
                           </a:solidFill>
                           <a:effectLst/>
                           <a:latin typeface="Calibri" panose="020F0502020204030204" pitchFamily="34" charset="0"/>
                         </a:rPr>
-                        <a:t>laitue</a:t>
+                        <a:t>saveur</a:t>
                       </a:r>
-                      <a:endParaRPr lang="en-US" sz="2000" b="0" i="0" u="none" strike="noStrike" dirty="0">
+                      <a:r>
+                        <a:rPr lang="en-US" sz="1200" b="0" i="0" u="none" strike="noStrike" dirty="0">
+                          <a:solidFill>
+                            <a:srgbClr val="000000"/>
+                          </a:solidFill>
+                          <a:effectLst/>
+                          <a:latin typeface="Calibri" panose="020F0502020204030204" pitchFamily="34" charset="0"/>
+                        </a:rPr>
+                        <a:t> </a:t>
+                      </a:r>
+                      <a:r>
+                        <a:rPr lang="en-US" sz="1200" b="0" i="0" u="none" strike="noStrike" dirty="0" err="1">
+                          <a:solidFill>
+                            <a:srgbClr val="000000"/>
+                          </a:solidFill>
+                          <a:effectLst/>
+                          <a:latin typeface="Calibri" panose="020F0502020204030204" pitchFamily="34" charset="0"/>
+                        </a:rPr>
+                        <a:t>peche</a:t>
+                      </a:r>
+                      <a:endParaRPr lang="en-US" sz="1200" b="0" i="0" u="none" strike="noStrike" dirty="0">
                         <a:solidFill>
                           <a:srgbClr val="000000"/>
                         </a:solidFill>
@@ -4912,74 +4921,13 @@
                   </a:txBody>
                   <a:tcPr marL="9525" marR="9525" marT="9525" marB="0" anchor="b"/>
                 </a:tc>
-                <a:tc>
-                  <a:txBody>
-                    <a:bodyPr/>
-                    <a:lstStyle/>
-                    <a:p>
-                      <a:pPr algn="l" fontAlgn="b"/>
-                      <a:endParaRPr lang="en-US" sz="2000" b="0" i="0" u="none" strike="noStrike">
-                        <a:solidFill>
-                          <a:srgbClr val="000000"/>
-                        </a:solidFill>
-                        <a:effectLst/>
-                        <a:latin typeface="Calibri" panose="020F0502020204030204" pitchFamily="34" charset="0"/>
-                      </a:endParaRPr>
-                    </a:p>
-                  </a:txBody>
-                  <a:tcPr marL="9525" marR="9525" marT="9525" marB="0" anchor="b"/>
-                </a:tc>
-                <a:tc>
-                  <a:txBody>
-                    <a:bodyPr/>
-                    <a:lstStyle/>
-                    <a:p>
-                      <a:pPr marL="0" marR="0" indent="0" algn="ctr" defTabSz="914400" rtl="0" eaLnBrk="1" fontAlgn="auto" latinLnBrk="0" hangingPunct="1">
-                        <a:lnSpc>
-                          <a:spcPct val="100000"/>
-                        </a:lnSpc>
-                        <a:spcBef>
-                          <a:spcPts val="0"/>
-                        </a:spcBef>
-                        <a:spcAft>
-                          <a:spcPts val="0"/>
-                        </a:spcAft>
-                        <a:buClrTx/>
-                        <a:buSzTx/>
-                        <a:buFontTx/>
-                        <a:buNone/>
-                        <a:tabLst/>
-                        <a:defRPr/>
-                      </a:pPr>
-                      <a:r>
-                        <a:rPr kumimoji="0" lang="en-US" sz="1400" b="0" i="0" u="none" strike="noStrike" kern="1200" cap="none" spc="0" normalizeH="0" baseline="0" noProof="0" dirty="0">
-                          <a:ln>
-                            <a:noFill/>
-                          </a:ln>
-                          <a:solidFill>
-                            <a:prstClr val="black"/>
-                          </a:solidFill>
-                          <a:effectLst/>
-                          <a:uLnTx/>
-                          <a:uFillTx/>
-                          <a:latin typeface="+mn-lt"/>
-                          <a:ea typeface="+mn-ea"/>
-                          <a:cs typeface="+mn-cs"/>
-                        </a:rPr>
-                        <a:t>Add to Cart</a:t>
-                      </a:r>
-                      <a:endParaRPr lang="en-US" dirty="0"/>
-                    </a:p>
-                  </a:txBody>
-                  <a:tcPr anchor="ctr"/>
-                </a:tc>
                 <a:extLst>
                   <a:ext uri="{0D108BD9-81ED-4DB2-BD59-A6C34878D82A}">
-                    <a16:rowId xmlns:a16="http://schemas.microsoft.com/office/drawing/2014/main" val="2032564742"/>
+                    <a16:rowId xmlns:a16="http://schemas.microsoft.com/office/drawing/2014/main" val="3300080902"/>
                   </a:ext>
                 </a:extLst>
               </a:tr>
-              <a:tr h="604718">
+              <a:tr h="423881">
                 <a:tc>
                   <a:txBody>
                     <a:bodyPr/>
@@ -4987,105 +4935,7 @@
                     <a:p>
                       <a:pPr algn="l" fontAlgn="b"/>
                       <a:r>
-                        <a:rPr lang="en-US" sz="2000" b="0" i="0" u="none" strike="noStrike" dirty="0">
-                          <a:solidFill>
-                            <a:srgbClr val="000000"/>
-                          </a:solidFill>
-                          <a:effectLst/>
-                          <a:latin typeface="Calibri" panose="020F0502020204030204" pitchFamily="34" charset="0"/>
-                        </a:rPr>
-                        <a:t>The glace </a:t>
-                      </a:r>
-                      <a:r>
-                        <a:rPr lang="en-US" sz="2000" b="0" i="0" u="none" strike="noStrike" dirty="0" err="1">
-                          <a:solidFill>
-                            <a:srgbClr val="000000"/>
-                          </a:solidFill>
-                          <a:effectLst/>
-                          <a:latin typeface="Calibri" panose="020F0502020204030204" pitchFamily="34" charset="0"/>
-                        </a:rPr>
-                        <a:t>saveur</a:t>
-                      </a:r>
-                      <a:r>
-                        <a:rPr lang="en-US" sz="2000" b="0" i="0" u="none" strike="noStrike" dirty="0">
-                          <a:solidFill>
-                            <a:srgbClr val="000000"/>
-                          </a:solidFill>
-                          <a:effectLst/>
-                          <a:latin typeface="Calibri" panose="020F0502020204030204" pitchFamily="34" charset="0"/>
-                        </a:rPr>
-                        <a:t> </a:t>
-                      </a:r>
-                      <a:r>
-                        <a:rPr lang="en-US" sz="2000" b="0" i="0" u="none" strike="noStrike" dirty="0" err="1">
-                          <a:solidFill>
-                            <a:srgbClr val="000000"/>
-                          </a:solidFill>
-                          <a:effectLst/>
-                          <a:latin typeface="Calibri" panose="020F0502020204030204" pitchFamily="34" charset="0"/>
-                        </a:rPr>
-                        <a:t>peche</a:t>
-                      </a:r>
-                      <a:endParaRPr lang="en-US" sz="2000" b="0" i="0" u="none" strike="noStrike" dirty="0">
-                        <a:solidFill>
-                          <a:srgbClr val="000000"/>
-                        </a:solidFill>
-                        <a:effectLst/>
-                        <a:latin typeface="Calibri" panose="020F0502020204030204" pitchFamily="34" charset="0"/>
-                      </a:endParaRPr>
-                    </a:p>
-                  </a:txBody>
-                  <a:tcPr marL="9525" marR="9525" marT="9525" marB="0" anchor="b"/>
-                </a:tc>
-                <a:tc>
-                  <a:txBody>
-                    <a:bodyPr/>
-                    <a:lstStyle/>
-                    <a:p>
-                      <a:pPr algn="l" fontAlgn="b"/>
-                      <a:r>
-                        <a:rPr lang="fr" sz="2000" b="0" i="0" u="none" strike="noStrike" dirty="0">
-                          <a:solidFill>
-                            <a:srgbClr val="000000"/>
-                          </a:solidFill>
-                          <a:effectLst/>
-                          <a:latin typeface="Calibri" panose="020F0502020204030204" pitchFamily="34" charset="0"/>
-                        </a:rPr>
-                        <a:t>Aliments et boissons √† base de v√©g√©taux</a:t>
-                      </a:r>
-                    </a:p>
-                  </a:txBody>
-                  <a:tcPr marL="9525" marR="9525" marT="9525" marB="0" anchor="b"/>
-                </a:tc>
-                <a:tc>
-                  <a:txBody>
-                    <a:bodyPr/>
-                    <a:lstStyle/>
-                    <a:p>
-                      <a:pPr algn="ctr"/>
-                      <a:r>
-                        <a:rPr lang="en-US" sz="1400" dirty="0"/>
-                        <a:t>Add to Cart</a:t>
-                      </a:r>
-                    </a:p>
-                  </a:txBody>
-                  <a:tcPr anchor="ctr"/>
-                </a:tc>
-                <a:extLst>
-                  <a:ext uri="{0D108BD9-81ED-4DB2-BD59-A6C34878D82A}">
-                    <a16:rowId xmlns:a16="http://schemas.microsoft.com/office/drawing/2014/main" val="3300080902"/>
-                  </a:ext>
-                </a:extLst>
-              </a:tr>
-              <a:tr h="450440">
-                <a:tc>
-                  <a:txBody>
-                    <a:bodyPr/>
-                    <a:lstStyle/>
-                    <a:p>
-                      <a:pPr algn="l" fontAlgn="b"/>
-                      <a:r>
-                        <a:rPr lang="en-US" sz="2000" b="0" i="0" u="none" strike="noStrike" dirty="0">
+                        <a:rPr lang="en-US" sz="1200" b="0" i="0" u="none" strike="noStrike" dirty="0">
                           <a:solidFill>
                             <a:srgbClr val="000000"/>
                           </a:solidFill>
@@ -5098,74 +4948,13 @@
                   </a:txBody>
                   <a:tcPr marL="9525" marR="9525" marT="9525" marB="0" anchor="b"/>
                 </a:tc>
-                <a:tc>
-                  <a:txBody>
-                    <a:bodyPr/>
-                    <a:lstStyle/>
-                    <a:p>
-                      <a:pPr algn="l" fontAlgn="b"/>
-                      <a:endParaRPr lang="en-US" sz="2000" b="0" i="0" u="none" strike="noStrike">
-                        <a:solidFill>
-                          <a:srgbClr val="000000"/>
-                        </a:solidFill>
-                        <a:effectLst/>
-                        <a:latin typeface="Calibri" panose="020F0502020204030204" pitchFamily="34" charset="0"/>
-                      </a:endParaRPr>
-                    </a:p>
-                  </a:txBody>
-                  <a:tcPr marL="9525" marR="9525" marT="9525" marB="0" anchor="b"/>
-                </a:tc>
-                <a:tc>
-                  <a:txBody>
-                    <a:bodyPr/>
-                    <a:lstStyle/>
-                    <a:p>
-                      <a:pPr marL="0" marR="0" indent="0" algn="ctr" defTabSz="914400" rtl="0" eaLnBrk="1" fontAlgn="auto" latinLnBrk="0" hangingPunct="1">
-                        <a:lnSpc>
-                          <a:spcPct val="100000"/>
-                        </a:lnSpc>
-                        <a:spcBef>
-                          <a:spcPts val="0"/>
-                        </a:spcBef>
-                        <a:spcAft>
-                          <a:spcPts val="0"/>
-                        </a:spcAft>
-                        <a:buClrTx/>
-                        <a:buSzTx/>
-                        <a:buFontTx/>
-                        <a:buNone/>
-                        <a:tabLst/>
-                        <a:defRPr/>
-                      </a:pPr>
-                      <a:r>
-                        <a:rPr kumimoji="0" lang="en-US" sz="1400" b="0" i="0" u="none" strike="noStrike" kern="1200" cap="none" spc="0" normalizeH="0" baseline="0" noProof="0" dirty="0">
-                          <a:ln>
-                            <a:noFill/>
-                          </a:ln>
-                          <a:solidFill>
-                            <a:prstClr val="black"/>
-                          </a:solidFill>
-                          <a:effectLst/>
-                          <a:uLnTx/>
-                          <a:uFillTx/>
-                          <a:latin typeface="+mn-lt"/>
-                          <a:ea typeface="+mn-ea"/>
-                          <a:cs typeface="+mn-cs"/>
-                        </a:rPr>
-                        <a:t>Add to Cart</a:t>
-                      </a:r>
-                      <a:endParaRPr lang="en-US" dirty="0"/>
-                    </a:p>
-                  </a:txBody>
-                  <a:tcPr anchor="ctr"/>
-                </a:tc>
                 <a:extLst>
                   <a:ext uri="{0D108BD9-81ED-4DB2-BD59-A6C34878D82A}">
                     <a16:rowId xmlns:a16="http://schemas.microsoft.com/office/drawing/2014/main" val="4012003779"/>
                   </a:ext>
                 </a:extLst>
               </a:tr>
-              <a:tr h="450440">
+              <a:tr h="423881">
                 <a:tc>
                   <a:txBody>
                     <a:bodyPr/>
@@ -5173,7 +4962,7 @@
                     <a:p>
                       <a:pPr algn="l" fontAlgn="b"/>
                       <a:r>
-                        <a:rPr lang="en-US" sz="2000" b="0" i="0" u="none" strike="noStrike">
+                        <a:rPr lang="en-US" sz="1200" b="0" i="0" u="none" strike="noStrike">
                           <a:solidFill>
                             <a:srgbClr val="000000"/>
                           </a:solidFill>
@@ -5186,44 +4975,13 @@
                   </a:txBody>
                   <a:tcPr marL="9525" marR="9525" marT="9525" marB="0" anchor="b"/>
                 </a:tc>
-                <a:tc>
-                  <a:txBody>
-                    <a:bodyPr/>
-                    <a:lstStyle/>
-                    <a:p>
-                      <a:pPr algn="l" fontAlgn="b"/>
-                      <a:endParaRPr lang="en-US" sz="2000" b="0" i="0" u="none" strike="noStrike">
-                        <a:solidFill>
-                          <a:srgbClr val="000000"/>
-                        </a:solidFill>
-                        <a:effectLst/>
-                        <a:latin typeface="Calibri" panose="020F0502020204030204" pitchFamily="34" charset="0"/>
-                      </a:endParaRPr>
-                    </a:p>
-                  </a:txBody>
-                  <a:tcPr marL="9525" marR="9525" marT="9525" marB="0" anchor="b"/>
-                </a:tc>
-                <a:tc>
-                  <a:txBody>
-                    <a:bodyPr/>
-                    <a:lstStyle/>
-                    <a:p>
-                      <a:pPr algn="ctr"/>
-                      <a:r>
-                        <a:rPr lang="en-US" sz="1400" dirty="0"/>
-                        <a:t>Add to Cart</a:t>
-                      </a:r>
-                    </a:p>
-                  </a:txBody>
-                  <a:tcPr anchor="ctr"/>
-                </a:tc>
                 <a:extLst>
                   <a:ext uri="{0D108BD9-81ED-4DB2-BD59-A6C34878D82A}">
                     <a16:rowId xmlns:a16="http://schemas.microsoft.com/office/drawing/2014/main" val="1819319870"/>
                   </a:ext>
                 </a:extLst>
               </a:tr>
-              <a:tr h="450440">
+              <a:tr h="423881">
                 <a:tc>
                   <a:txBody>
                     <a:bodyPr/>
@@ -5231,7 +4989,7 @@
                     <a:p>
                       <a:pPr algn="l" fontAlgn="b"/>
                       <a:r>
-                        <a:rPr lang="en-US" sz="2000" b="0" i="0" u="none" strike="noStrike" dirty="0">
+                        <a:rPr lang="en-US" sz="1200" b="0" i="0" u="none" strike="noStrike" dirty="0">
                           <a:solidFill>
                             <a:srgbClr val="000000"/>
                           </a:solidFill>
@@ -5244,6 +5002,13 @@
                   </a:txBody>
                   <a:tcPr marL="9525" marR="9525" marT="9525" marB="0" anchor="b"/>
                 </a:tc>
+                <a:extLst>
+                  <a:ext uri="{0D108BD9-81ED-4DB2-BD59-A6C34878D82A}">
+                    <a16:rowId xmlns:a16="http://schemas.microsoft.com/office/drawing/2014/main" val="1761819702"/>
+                  </a:ext>
+                </a:extLst>
+              </a:tr>
+              <a:tr h="423881">
                 <a:tc>
                   <a:txBody>
                     <a:bodyPr/>
@@ -5251,78 +5016,7 @@
                     <a:p>
                       <a:pPr algn="l" fontAlgn="b"/>
                       <a:r>
-                        <a:rPr lang="en-US" sz="2000" b="0" i="0" u="none" strike="noStrike">
-                          <a:solidFill>
-                            <a:srgbClr val="000000"/>
-                          </a:solidFill>
-                          <a:effectLst/>
-                          <a:latin typeface="Calibri" panose="020F0502020204030204" pitchFamily="34" charset="0"/>
-                        </a:rPr>
-                        <a:t>en:fresh-mung-bean-sprouts</a:t>
-                      </a:r>
-                    </a:p>
-                  </a:txBody>
-                  <a:tcPr marL="9525" marR="9525" marT="9525" marB="0" anchor="b"/>
-                </a:tc>
-                <a:tc>
-                  <a:txBody>
-                    <a:bodyPr/>
-                    <a:lstStyle/>
-                    <a:p>
-                      <a:pPr marL="0" marR="0" indent="0" algn="ctr" defTabSz="914400" rtl="0" eaLnBrk="1" fontAlgn="auto" latinLnBrk="0" hangingPunct="1">
-                        <a:lnSpc>
-                          <a:spcPct val="100000"/>
-                        </a:lnSpc>
-                        <a:spcBef>
-                          <a:spcPts val="0"/>
-                        </a:spcBef>
-                        <a:spcAft>
-                          <a:spcPts val="0"/>
-                        </a:spcAft>
-                        <a:buClrTx/>
-                        <a:buSzTx/>
-                        <a:buFontTx/>
-                        <a:buNone/>
-                        <a:tabLst/>
-                        <a:defRPr/>
-                      </a:pPr>
-                      <a:r>
-                        <a:rPr kumimoji="0" lang="en-US" sz="1400" b="0" i="0" u="none" strike="noStrike" kern="1200" cap="none" spc="0" normalizeH="0" baseline="0" noProof="0" dirty="0">
-                          <a:ln>
-                            <a:noFill/>
-                          </a:ln>
-                          <a:solidFill>
-                            <a:prstClr val="black"/>
-                          </a:solidFill>
-                          <a:effectLst/>
-                          <a:uLnTx/>
-                          <a:uFillTx/>
-                          <a:latin typeface="+mn-lt"/>
-                          <a:ea typeface="+mn-ea"/>
-                          <a:cs typeface="+mn-cs"/>
-                        </a:rPr>
-                        <a:t>Add to Cart</a:t>
-                      </a:r>
-                      <a:endParaRPr lang="en-US" dirty="0"/>
-                    </a:p>
-                  </a:txBody>
-                  <a:tcPr anchor="ctr"/>
-                </a:tc>
-                <a:extLst>
-                  <a:ext uri="{0D108BD9-81ED-4DB2-BD59-A6C34878D82A}">
-                    <a16:rowId xmlns:a16="http://schemas.microsoft.com/office/drawing/2014/main" val="1761819702"/>
-                  </a:ext>
-                </a:extLst>
-              </a:tr>
-              <a:tr h="450440">
-                <a:tc>
-                  <a:txBody>
-                    <a:bodyPr/>
-                    <a:lstStyle/>
-                    <a:p>
-                      <a:pPr algn="l" fontAlgn="b"/>
-                      <a:r>
-                        <a:rPr lang="en-US" sz="2000" b="0" i="0" u="none" strike="noStrike">
+                        <a:rPr lang="en-US" sz="1200" b="0" i="0" u="none" strike="noStrike">
                           <a:solidFill>
                             <a:srgbClr val="000000"/>
                           </a:solidFill>
@@ -5335,44 +5029,13 @@
                   </a:txBody>
                   <a:tcPr marL="9525" marR="9525" marT="9525" marB="0" anchor="b"/>
                 </a:tc>
-                <a:tc>
-                  <a:txBody>
-                    <a:bodyPr/>
-                    <a:lstStyle/>
-                    <a:p>
-                      <a:pPr algn="l" fontAlgn="b"/>
-                      <a:endParaRPr lang="en-US" sz="2000" b="0" i="0" u="none" strike="noStrike">
-                        <a:solidFill>
-                          <a:srgbClr val="000000"/>
-                        </a:solidFill>
-                        <a:effectLst/>
-                        <a:latin typeface="Calibri" panose="020F0502020204030204" pitchFamily="34" charset="0"/>
-                      </a:endParaRPr>
-                    </a:p>
-                  </a:txBody>
-                  <a:tcPr marL="9525" marR="9525" marT="9525" marB="0" anchor="b"/>
-                </a:tc>
-                <a:tc>
-                  <a:txBody>
-                    <a:bodyPr/>
-                    <a:lstStyle/>
-                    <a:p>
-                      <a:pPr algn="ctr"/>
-                      <a:r>
-                        <a:rPr lang="en-US" sz="1400" dirty="0"/>
-                        <a:t>Add to Cart</a:t>
-                      </a:r>
-                    </a:p>
-                  </a:txBody>
-                  <a:tcPr anchor="ctr"/>
-                </a:tc>
                 <a:extLst>
                   <a:ext uri="{0D108BD9-81ED-4DB2-BD59-A6C34878D82A}">
                     <a16:rowId xmlns:a16="http://schemas.microsoft.com/office/drawing/2014/main" val="68921221"/>
                   </a:ext>
                 </a:extLst>
               </a:tr>
-              <a:tr h="450440">
+              <a:tr h="423881">
                 <a:tc>
                   <a:txBody>
                     <a:bodyPr/>
@@ -5380,7 +5043,7 @@
                     <a:p>
                       <a:pPr algn="l" fontAlgn="b"/>
                       <a:r>
-                        <a:rPr lang="en-US" sz="2000" b="0" i="0" u="none" strike="noStrike" dirty="0">
+                        <a:rPr lang="en-US" sz="1200" b="0" i="0" u="none" strike="noStrike" dirty="0">
                           <a:solidFill>
                             <a:srgbClr val="000000"/>
                           </a:solidFill>
@@ -5393,67 +5056,6 @@
                   </a:txBody>
                   <a:tcPr marL="9525" marR="9525" marT="9525" marB="0" anchor="b"/>
                 </a:tc>
-                <a:tc>
-                  <a:txBody>
-                    <a:bodyPr/>
-                    <a:lstStyle/>
-                    <a:p>
-                      <a:pPr algn="l" fontAlgn="b"/>
-                      <a:endParaRPr lang="en-US" sz="2000" b="0" i="0" u="none" strike="noStrike" dirty="0">
-                        <a:solidFill>
-                          <a:srgbClr val="000000"/>
-                        </a:solidFill>
-                        <a:effectLst/>
-                        <a:latin typeface="Calibri" panose="020F0502020204030204" pitchFamily="34" charset="0"/>
-                      </a:endParaRPr>
-                    </a:p>
-                  </a:txBody>
-                  <a:tcPr marL="9525" marR="9525" marT="9525" marB="0" anchor="b"/>
-                </a:tc>
-                <a:tc>
-                  <a:txBody>
-                    <a:bodyPr/>
-                    <a:lstStyle/>
-                    <a:p>
-                      <a:pPr marL="0" marR="0" indent="0" algn="ctr" defTabSz="914400" rtl="0" eaLnBrk="1" fontAlgn="auto" latinLnBrk="0" hangingPunct="1">
-                        <a:lnSpc>
-                          <a:spcPct val="100000"/>
-                        </a:lnSpc>
-                        <a:spcBef>
-                          <a:spcPts val="0"/>
-                        </a:spcBef>
-                        <a:spcAft>
-                          <a:spcPts val="0"/>
-                        </a:spcAft>
-                        <a:buClrTx/>
-                        <a:buSzTx/>
-                        <a:buFontTx/>
-                        <a:buNone/>
-                        <a:tabLst/>
-                        <a:defRPr/>
-                      </a:pPr>
-                      <a:r>
-                        <a:rPr kumimoji="0" lang="en-US" sz="1400" b="0" i="0" u="none" strike="noStrike" kern="1200" cap="none" spc="0" normalizeH="0" baseline="0" noProof="0" dirty="0">
-                          <a:ln>
-                            <a:noFill/>
-                          </a:ln>
-                          <a:solidFill>
-                            <a:prstClr val="black"/>
-                          </a:solidFill>
-                          <a:effectLst/>
-                          <a:uLnTx/>
-                          <a:uFillTx/>
-                          <a:latin typeface="+mn-lt"/>
-                          <a:ea typeface="+mn-ea"/>
-                          <a:cs typeface="+mn-cs"/>
-                        </a:rPr>
-                        <a:t>Add to Cart</a:t>
-                      </a:r>
-                      <a:endParaRPr lang="en-US" dirty="0"/>
-                    </a:p>
-                  </a:txBody>
-                  <a:tcPr anchor="ctr"/>
-                </a:tc>
                 <a:extLst>
                   <a:ext uri="{0D108BD9-81ED-4DB2-BD59-A6C34878D82A}">
                     <a16:rowId xmlns:a16="http://schemas.microsoft.com/office/drawing/2014/main" val="4013289324"/>
@@ -5478,8 +5080,8 @@
         </p:nvSpPr>
         <p:spPr>
           <a:xfrm>
-            <a:off x="5335718" y="1996228"/>
-            <a:ext cx="1009700" cy="369332"/>
+            <a:off x="1336747" y="1520903"/>
+            <a:ext cx="1673215" cy="369332"/>
           </a:xfrm>
           <a:prstGeom prst="rect">
             <a:avLst/>
@@ -5494,7 +5096,7 @@
           <a:p>
             <a:r>
               <a:rPr lang="en-US" dirty="0"/>
-              <a:t>Products</a:t>
+              <a:t>Product Catalog</a:t>
             </a:r>
           </a:p>
         </p:txBody>
@@ -5581,41 +5183,6 @@
           </a:prstGeom>
         </p:spPr>
       </p:pic>
-      <p:sp>
-        <p:nvSpPr>
-          <p:cNvPr id="24" name="TextBox 23">
-            <a:extLst>
-              <a:ext uri="{FF2B5EF4-FFF2-40B4-BE49-F238E27FC236}">
-                <a16:creationId xmlns:a16="http://schemas.microsoft.com/office/drawing/2014/main" id="{DA25CA6F-25E5-924F-8779-C15AF95F3D90}"/>
-              </a:ext>
-            </a:extLst>
-          </p:cNvPr>
-          <p:cNvSpPr txBox="1"/>
-          <p:nvPr/>
-        </p:nvSpPr>
-        <p:spPr>
-          <a:xfrm>
-            <a:off x="9102427" y="1514601"/>
-            <a:ext cx="1145826" cy="369332"/>
-          </a:xfrm>
-          <a:prstGeom prst="rect">
-            <a:avLst/>
-          </a:prstGeom>
-          <a:noFill/>
-        </p:spPr>
-        <p:txBody>
-          <a:bodyPr wrap="none" rtlCol="0">
-            <a:spAutoFit/>
-          </a:bodyPr>
-          <a:lstStyle/>
-          <a:p>
-            <a:r>
-              <a:rPr lang="en-US" dirty="0"/>
-              <a:t>Go to Cart</a:t>
-            </a:r>
-          </a:p>
-        </p:txBody>
-      </p:sp>
     </p:spTree>
     <p:extLst>
       <p:ext uri="{BB962C8B-B14F-4D97-AF65-F5344CB8AC3E}">
@@ -6203,7 +5770,7 @@
             <a:pPr algn="ctr"/>
             <a:r>
               <a:rPr lang="en-US" sz="1400" dirty="0"/>
-              <a:t>Login With GitHub</a:t>
+              <a:t>Sign Out</a:t>
             </a:r>
             <a:endParaRPr lang="en-US" dirty="0"/>
           </a:p>
@@ -6433,7 +6000,7 @@
         </p:nvSpPr>
         <p:spPr>
           <a:xfrm>
-            <a:off x="5071319" y="3427398"/>
+            <a:off x="9822476" y="5447999"/>
             <a:ext cx="1519518" cy="549341"/>
           </a:xfrm>
           <a:prstGeom prst="roundRect">
@@ -6474,6 +6041,41 @@
                 </a:solidFill>
               </a:rPr>
               <a:t>Add to Cart</a:t>
+            </a:r>
+          </a:p>
+        </p:txBody>
+      </p:sp>
+      <p:sp>
+        <p:nvSpPr>
+          <p:cNvPr id="18" name="TextBox 17">
+            <a:extLst>
+              <a:ext uri="{FF2B5EF4-FFF2-40B4-BE49-F238E27FC236}">
+                <a16:creationId xmlns:a16="http://schemas.microsoft.com/office/drawing/2014/main" id="{55B0531D-9CD4-8644-9FA8-2C6C5E268344}"/>
+              </a:ext>
+            </a:extLst>
+          </p:cNvPr>
+          <p:cNvSpPr txBox="1"/>
+          <p:nvPr/>
+        </p:nvSpPr>
+        <p:spPr>
+          <a:xfrm>
+            <a:off x="8260315" y="987315"/>
+            <a:ext cx="1145826" cy="369332"/>
+          </a:xfrm>
+          <a:prstGeom prst="rect">
+            <a:avLst/>
+          </a:prstGeom>
+          <a:noFill/>
+        </p:spPr>
+        <p:txBody>
+          <a:bodyPr wrap="none" rtlCol="0">
+            <a:spAutoFit/>
+          </a:bodyPr>
+          <a:lstStyle/>
+          <a:p>
+            <a:r>
+              <a:rPr lang="en-US" dirty="0"/>
+              <a:t>Go to Cart</a:t>
             </a:r>
           </a:p>
         </p:txBody>
@@ -6969,58 +6571,6 @@
           </a:fontRef>
         </p:style>
       </p:cxnSp>
-      <p:sp>
-        <p:nvSpPr>
-          <p:cNvPr id="2" name="Rectangle 1">
-            <a:extLst>
-              <a:ext uri="{FF2B5EF4-FFF2-40B4-BE49-F238E27FC236}">
-                <a16:creationId xmlns:a16="http://schemas.microsoft.com/office/drawing/2014/main" id="{B333E7D1-2B50-5143-BB58-BCA3E8B5C698}"/>
-              </a:ext>
-            </a:extLst>
-          </p:cNvPr>
-          <p:cNvSpPr/>
-          <p:nvPr/>
-        </p:nvSpPr>
-        <p:spPr>
-          <a:xfrm>
-            <a:off x="850006" y="347730"/>
-            <a:ext cx="10650828" cy="5859887"/>
-          </a:xfrm>
-          <a:prstGeom prst="rect">
-            <a:avLst/>
-          </a:prstGeom>
-          <a:noFill/>
-          <a:ln w="28575">
-            <a:solidFill>
-              <a:schemeClr val="tx1"/>
-            </a:solidFill>
-          </a:ln>
-        </p:spPr>
-        <p:style>
-          <a:lnRef idx="2">
-            <a:schemeClr val="accent1">
-              <a:shade val="50000"/>
-            </a:schemeClr>
-          </a:lnRef>
-          <a:fillRef idx="1">
-            <a:schemeClr val="accent1"/>
-          </a:fillRef>
-          <a:effectRef idx="0">
-            <a:schemeClr val="accent1"/>
-          </a:effectRef>
-          <a:fontRef idx="minor">
-            <a:schemeClr val="lt1"/>
-          </a:fontRef>
-        </p:style>
-        <p:txBody>
-          <a:bodyPr rtlCol="0" anchor="ctr"/>
-          <a:lstStyle/>
-          <a:p>
-            <a:pPr algn="ctr"/>
-            <a:endParaRPr lang="en-US"/>
-          </a:p>
-        </p:txBody>
-      </p:sp>
       <p:sp>
         <p:nvSpPr>
           <p:cNvPr id="16" name="Rectangle 15">
@@ -7194,14 +6744,14 @@
           <p:nvPr>
             <p:extLst>
               <p:ext uri="{D42A27DB-BD31-4B8C-83A1-F6EECF244321}">
-                <p14:modId xmlns:p14="http://schemas.microsoft.com/office/powerpoint/2010/main" val="3988681876"/>
+                <p14:modId xmlns:p14="http://schemas.microsoft.com/office/powerpoint/2010/main" val="3086040577"/>
               </p:ext>
             </p:extLst>
           </p:nvPr>
         </p:nvGraphicFramePr>
         <p:xfrm>
           <a:off x="1365159" y="2136071"/>
-          <a:ext cx="5967212" cy="4171744"/>
+          <a:ext cx="9672035" cy="4221480"/>
         </p:xfrm>
         <a:graphic>
           <a:graphicData uri="http://schemas.openxmlformats.org/drawingml/2006/table">
@@ -7210,17 +6760,10 @@
                 <a:tableStyleId>{5940675A-B579-460E-94D1-54222C63F5DA}</a:tableStyleId>
               </a:tblPr>
               <a:tblGrid>
-                <a:gridCol w="2983606">
+                <a:gridCol w="9672035">
                   <a:extLst>
                     <a:ext uri="{9D8B030D-6E8A-4147-A177-3AD203B41FA5}">
                       <a16:colId xmlns:a16="http://schemas.microsoft.com/office/drawing/2014/main" val="1231118601"/>
-                    </a:ext>
-                  </a:extLst>
-                </a:gridCol>
-                <a:gridCol w="2983606">
-                  <a:extLst>
-                    <a:ext uri="{9D8B030D-6E8A-4147-A177-3AD203B41FA5}">
-                      <a16:colId xmlns:a16="http://schemas.microsoft.com/office/drawing/2014/main" val="1884620015"/>
                     </a:ext>
                   </a:extLst>
                 </a:gridCol>
@@ -7243,15 +6786,8 @@
                         <a:t>Celery</a:t>
                       </a:r>
                     </a:p>
-                  </a:txBody>
-                  <a:tcPr marL="9525" marR="9525" marT="9525" marB="0" anchor="b"/>
-                </a:tc>
-                <a:tc>
-                  <a:txBody>
-                    <a:bodyPr/>
-                    <a:lstStyle/>
                     <a:p>
-                      <a:pPr algn="ctr"/>
+                      <a:pPr algn="r"/>
                       <a:r>
                         <a:rPr lang="en-US" sz="1400" dirty="0">
                           <a:solidFill>
@@ -7262,7 +6798,7 @@
                       </a:r>
                     </a:p>
                   </a:txBody>
-                  <a:tcPr anchor="ctr"/>
+                  <a:tcPr marL="9525" marR="9525" marT="9525" marB="0" anchor="ctr"/>
                 </a:tc>
                 <a:extLst>
                   <a:ext uri="{0D108BD9-81ED-4DB2-BD59-A6C34878D82A}">
@@ -7305,15 +6841,8 @@
                         <a:latin typeface="Calibri" panose="020F0502020204030204" pitchFamily="34" charset="0"/>
                       </a:endParaRPr>
                     </a:p>
-                  </a:txBody>
-                  <a:tcPr marL="9525" marR="9525" marT="9525" marB="0" anchor="b"/>
-                </a:tc>
-                <a:tc>
-                  <a:txBody>
-                    <a:bodyPr/>
-                    <a:lstStyle/>
                     <a:p>
-                      <a:pPr algn="ctr"/>
+                      <a:pPr algn="r"/>
                       <a:r>
                         <a:rPr lang="en-US" sz="1400" dirty="0">
                           <a:solidFill>
@@ -7324,7 +6853,7 @@
                       </a:r>
                     </a:p>
                   </a:txBody>
-                  <a:tcPr anchor="ctr"/>
+                  <a:tcPr marL="9525" marR="9525" marT="9525" marB="0" anchor="ctr"/>
                 </a:tc>
                 <a:extLst>
                   <a:ext uri="{0D108BD9-81ED-4DB2-BD59-A6C34878D82A}">
@@ -7387,15 +6916,8 @@
                         <a:latin typeface="Calibri" panose="020F0502020204030204" pitchFamily="34" charset="0"/>
                       </a:endParaRPr>
                     </a:p>
-                  </a:txBody>
-                  <a:tcPr marL="9525" marR="9525" marT="9525" marB="0" anchor="b"/>
-                </a:tc>
-                <a:tc>
-                  <a:txBody>
-                    <a:bodyPr/>
-                    <a:lstStyle/>
                     <a:p>
-                      <a:pPr algn="ctr"/>
+                      <a:pPr algn="r"/>
                       <a:r>
                         <a:rPr lang="en-US" sz="1400" dirty="0">
                           <a:solidFill>
@@ -7406,7 +6928,7 @@
                       </a:r>
                     </a:p>
                   </a:txBody>
-                  <a:tcPr anchor="ctr"/>
+                  <a:tcPr marL="9525" marR="9525" marT="9525" marB="0" anchor="ctr"/>
                 </a:tc>
                 <a:extLst>
                   <a:ext uri="{0D108BD9-81ED-4DB2-BD59-A6C34878D82A}">
@@ -7432,15 +6954,8 @@
                         <a:t>Whole Green Chile</a:t>
                       </a:r>
                     </a:p>
-                  </a:txBody>
-                  <a:tcPr marL="9525" marR="9525" marT="9525" marB="0" anchor="b"/>
-                </a:tc>
-                <a:tc>
-                  <a:txBody>
-                    <a:bodyPr/>
-                    <a:lstStyle/>
                     <a:p>
-                      <a:pPr algn="ctr"/>
+                      <a:pPr algn="r"/>
                       <a:r>
                         <a:rPr lang="en-US" sz="1400" dirty="0">
                           <a:solidFill>
@@ -7451,7 +6966,7 @@
                       </a:r>
                     </a:p>
                   </a:txBody>
-                  <a:tcPr anchor="ctr"/>
+                  <a:tcPr marL="9525" marR="9525" marT="9525" marB="0" anchor="ctr"/>
                 </a:tc>
                 <a:extLst>
                   <a:ext uri="{0D108BD9-81ED-4DB2-BD59-A6C34878D82A}">
@@ -7477,15 +6992,8 @@
                         <a:t>Chopped Mixed Greens</a:t>
                       </a:r>
                     </a:p>
-                  </a:txBody>
-                  <a:tcPr marL="9525" marR="9525" marT="9525" marB="0" anchor="b"/>
-                </a:tc>
-                <a:tc>
-                  <a:txBody>
-                    <a:bodyPr/>
-                    <a:lstStyle/>
                     <a:p>
-                      <a:pPr algn="ctr"/>
+                      <a:pPr algn="r"/>
                       <a:r>
                         <a:rPr lang="en-US" sz="1400" dirty="0">
                           <a:solidFill>
@@ -7496,7 +7004,7 @@
                       </a:r>
                     </a:p>
                   </a:txBody>
-                  <a:tcPr anchor="ctr"/>
+                  <a:tcPr marL="9525" marR="9525" marT="9525" marB="0" anchor="ctr"/>
                 </a:tc>
                 <a:extLst>
                   <a:ext uri="{0D108BD9-81ED-4DB2-BD59-A6C34878D82A}">
@@ -7522,15 +7030,8 @@
                         <a:t>Bean Sprouts</a:t>
                       </a:r>
                     </a:p>
-                  </a:txBody>
-                  <a:tcPr marL="9525" marR="9525" marT="9525" marB="0" anchor="b"/>
-                </a:tc>
-                <a:tc>
-                  <a:txBody>
-                    <a:bodyPr/>
-                    <a:lstStyle/>
                     <a:p>
-                      <a:pPr algn="ctr"/>
+                      <a:pPr algn="r"/>
                       <a:r>
                         <a:rPr lang="en-US" sz="1400" dirty="0">
                           <a:solidFill>
@@ -7541,7 +7042,7 @@
                       </a:r>
                     </a:p>
                   </a:txBody>
-                  <a:tcPr anchor="ctr"/>
+                  <a:tcPr marL="9525" marR="9525" marT="9525" marB="0" anchor="ctr"/>
                 </a:tc>
                 <a:extLst>
                   <a:ext uri="{0D108BD9-81ED-4DB2-BD59-A6C34878D82A}">
@@ -7557,7 +7058,7 @@
                     <a:p>
                       <a:pPr algn="l" fontAlgn="b"/>
                       <a:r>
-                        <a:rPr lang="en-US" sz="2000" b="0" i="0" u="none" strike="noStrike">
+                        <a:rPr lang="en-US" sz="2000" b="0" i="0" u="none" strike="noStrike" dirty="0">
                           <a:solidFill>
                             <a:srgbClr val="000000"/>
                           </a:solidFill>
@@ -7567,15 +7068,8 @@
                         <a:t>Stir-Fry Vegetables</a:t>
                       </a:r>
                     </a:p>
-                  </a:txBody>
-                  <a:tcPr marL="9525" marR="9525" marT="9525" marB="0" anchor="b"/>
-                </a:tc>
-                <a:tc>
-                  <a:txBody>
-                    <a:bodyPr/>
-                    <a:lstStyle/>
                     <a:p>
-                      <a:pPr algn="ctr"/>
+                      <a:pPr algn="r"/>
                       <a:r>
                         <a:rPr lang="en-US" sz="1400" dirty="0">
                           <a:solidFill>
@@ -7586,7 +7080,7 @@
                       </a:r>
                     </a:p>
                   </a:txBody>
-                  <a:tcPr anchor="ctr"/>
+                  <a:tcPr marL="9525" marR="9525" marT="9525" marB="0" anchor="ctr"/>
                 </a:tc>
                 <a:extLst>
                   <a:ext uri="{0D108BD9-81ED-4DB2-BD59-A6C34878D82A}">
@@ -7612,15 +7106,8 @@
                         <a:t>Chopped Collard Greens</a:t>
                       </a:r>
                     </a:p>
-                  </a:txBody>
-                  <a:tcPr marL="9525" marR="9525" marT="9525" marB="0" anchor="b"/>
-                </a:tc>
-                <a:tc>
-                  <a:txBody>
-                    <a:bodyPr/>
-                    <a:lstStyle/>
                     <a:p>
-                      <a:pPr algn="ctr"/>
+                      <a:pPr algn="r"/>
                       <a:r>
                         <a:rPr lang="en-US" sz="1400" dirty="0">
                           <a:solidFill>
@@ -7631,7 +7118,7 @@
                       </a:r>
                     </a:p>
                   </a:txBody>
-                  <a:tcPr anchor="ctr"/>
+                  <a:tcPr marL="9525" marR="9525" marT="9525" marB="0" anchor="ctr"/>
                 </a:tc>
                 <a:extLst>
                   <a:ext uri="{0D108BD9-81ED-4DB2-BD59-A6C34878D82A}">
@@ -7658,7 +7145,7 @@
         <p:spPr>
           <a:xfrm>
             <a:off x="1197734" y="6224808"/>
-            <a:ext cx="9513198" cy="285462"/>
+            <a:ext cx="10133068" cy="242291"/>
           </a:xfrm>
           <a:prstGeom prst="rect">
             <a:avLst/>
@@ -7725,6 +7212,93 @@
           </a:prstGeom>
         </p:spPr>
       </p:pic>
+      <p:sp>
+        <p:nvSpPr>
+          <p:cNvPr id="2" name="Rectangle 1">
+            <a:extLst>
+              <a:ext uri="{FF2B5EF4-FFF2-40B4-BE49-F238E27FC236}">
+                <a16:creationId xmlns:a16="http://schemas.microsoft.com/office/drawing/2014/main" id="{B333E7D1-2B50-5143-BB58-BCA3E8B5C698}"/>
+              </a:ext>
+            </a:extLst>
+          </p:cNvPr>
+          <p:cNvSpPr/>
+          <p:nvPr/>
+        </p:nvSpPr>
+        <p:spPr>
+          <a:xfrm>
+            <a:off x="850006" y="347730"/>
+            <a:ext cx="10650828" cy="5859887"/>
+          </a:xfrm>
+          <a:prstGeom prst="rect">
+            <a:avLst/>
+          </a:prstGeom>
+          <a:noFill/>
+          <a:ln w="28575">
+            <a:solidFill>
+              <a:schemeClr val="tx1"/>
+            </a:solidFill>
+          </a:ln>
+        </p:spPr>
+        <p:style>
+          <a:lnRef idx="2">
+            <a:schemeClr val="accent1">
+              <a:shade val="50000"/>
+            </a:schemeClr>
+          </a:lnRef>
+          <a:fillRef idx="1">
+            <a:schemeClr val="accent1"/>
+          </a:fillRef>
+          <a:effectRef idx="0">
+            <a:schemeClr val="accent1"/>
+          </a:effectRef>
+          <a:fontRef idx="minor">
+            <a:schemeClr val="lt1"/>
+          </a:fontRef>
+        </p:style>
+        <p:txBody>
+          <a:bodyPr rtlCol="0" anchor="ctr"/>
+          <a:lstStyle/>
+          <a:p>
+            <a:pPr algn="ctr"/>
+            <a:endParaRPr lang="en-US"/>
+          </a:p>
+        </p:txBody>
+      </p:sp>
+      <p:sp>
+        <p:nvSpPr>
+          <p:cNvPr id="20" name="TextBox 19">
+            <a:extLst>
+              <a:ext uri="{FF2B5EF4-FFF2-40B4-BE49-F238E27FC236}">
+                <a16:creationId xmlns:a16="http://schemas.microsoft.com/office/drawing/2014/main" id="{A07C70A7-F732-6240-BCDB-614D73BCFCA9}"/>
+              </a:ext>
+            </a:extLst>
+          </p:cNvPr>
+          <p:cNvSpPr txBox="1"/>
+          <p:nvPr/>
+        </p:nvSpPr>
+        <p:spPr>
+          <a:xfrm>
+            <a:off x="8260315" y="987315"/>
+            <a:ext cx="1145826" cy="369332"/>
+          </a:xfrm>
+          <a:prstGeom prst="rect">
+            <a:avLst/>
+          </a:prstGeom>
+          <a:noFill/>
+        </p:spPr>
+        <p:txBody>
+          <a:bodyPr wrap="none" rtlCol="0">
+            <a:spAutoFit/>
+          </a:bodyPr>
+          <a:lstStyle/>
+          <a:p>
+            <a:r>
+              <a:rPr lang="en-US" dirty="0"/>
+              <a:t>Go to Cart</a:t>
+            </a:r>
+          </a:p>
+        </p:txBody>
+      </p:sp>
     </p:spTree>
     <p:extLst>
       <p:ext uri="{BB962C8B-B14F-4D97-AF65-F5344CB8AC3E}">
@@ -7769,8 +7343,8 @@
         </p:nvSpPr>
         <p:spPr>
           <a:xfrm>
-            <a:off x="1075764" y="793376"/>
-            <a:ext cx="1828801" cy="1788460"/>
+            <a:off x="1075763" y="1002939"/>
+            <a:ext cx="2362895" cy="1788460"/>
           </a:xfrm>
           <a:prstGeom prst="roundRect">
             <a:avLst/>
@@ -7811,7 +7385,7 @@
                   <a:schemeClr val="tx1"/>
                 </a:solidFill>
               </a:rPr>
-              <a:t>Product</a:t>
+              <a:t>Products</a:t>
             </a:r>
           </a:p>
           <a:p>
@@ -7834,26 +7408,31 @@
               <a:buChar char="•"/>
             </a:pPr>
             <a:r>
+              <a:rPr lang="en-US" dirty="0" err="1">
+                <a:solidFill>
+                  <a:schemeClr val="tx1"/>
+                </a:solidFill>
+              </a:rPr>
+              <a:t>product_name</a:t>
+            </a:r>
+            <a:endParaRPr lang="en-US" dirty="0">
+              <a:solidFill>
+                <a:schemeClr val="tx1"/>
+              </a:solidFill>
+            </a:endParaRPr>
+          </a:p>
+          <a:p>
+            <a:pPr marL="285750" indent="-285750">
+              <a:buFont typeface="Arial" panose="020B0604020202020204" pitchFamily="34" charset="0"/>
+              <a:buChar char="•"/>
+            </a:pPr>
+            <a:r>
               <a:rPr lang="en-US" dirty="0">
                 <a:solidFill>
                   <a:schemeClr val="tx1"/>
                 </a:solidFill>
               </a:rPr>
-              <a:t>name</a:t>
-            </a:r>
-          </a:p>
-          <a:p>
-            <a:pPr marL="285750" indent="-285750">
-              <a:buFont typeface="Arial" panose="020B0604020202020204" pitchFamily="34" charset="0"/>
-              <a:buChar char="•"/>
-            </a:pPr>
-            <a:r>
-              <a:rPr lang="en-US" dirty="0">
-                <a:solidFill>
-                  <a:schemeClr val="tx1"/>
-                </a:solidFill>
-              </a:rPr>
-              <a:t>category</a:t>
+              <a:t>categories</a:t>
             </a:r>
           </a:p>
           <a:p>
@@ -7891,8 +7470,8 @@
         </p:nvSpPr>
         <p:spPr>
           <a:xfrm>
-            <a:off x="3581400" y="793376"/>
-            <a:ext cx="2160494" cy="1788460"/>
+            <a:off x="4710099" y="1000289"/>
+            <a:ext cx="2362895" cy="1788460"/>
           </a:xfrm>
           <a:prstGeom prst="roundRect">
             <a:avLst/>
@@ -7942,39 +7521,6 @@
               <a:buChar char="•"/>
             </a:pPr>
             <a:r>
-              <a:rPr lang="en-US" dirty="0" err="1">
-                <a:solidFill>
-                  <a:schemeClr val="tx1"/>
-                </a:solidFill>
-              </a:rPr>
-              <a:t>product_list</a:t>
-            </a:r>
-            <a:endParaRPr lang="en-US" dirty="0">
-              <a:solidFill>
-                <a:schemeClr val="tx1"/>
-              </a:solidFill>
-            </a:endParaRPr>
-          </a:p>
-          <a:p>
-            <a:pPr marL="742950" lvl="1" indent="-285750">
-              <a:buFont typeface="Arial" panose="020B0604020202020204" pitchFamily="34" charset="0"/>
-              <a:buChar char="•"/>
-            </a:pPr>
-            <a:r>
-              <a:rPr lang="en-US" dirty="0">
-                <a:solidFill>
-                  <a:schemeClr val="tx1"/>
-                </a:solidFill>
-              </a:rPr>
-              <a:t>products</a:t>
-            </a:r>
-          </a:p>
-          <a:p>
-            <a:pPr marL="1200150" lvl="2" indent="-285750">
-              <a:buFont typeface="Arial" panose="020B0604020202020204" pitchFamily="34" charset="0"/>
-              <a:buChar char="•"/>
-            </a:pPr>
-            <a:r>
               <a:rPr lang="en-US" dirty="0">
                 <a:solidFill>
                   <a:schemeClr val="tx1"/>
@@ -7984,17 +7530,17 @@
             </a:r>
           </a:p>
           <a:p>
-            <a:pPr marL="1200150" lvl="2" indent="-285750">
+            <a:pPr marL="285750" indent="-285750">
               <a:buFont typeface="Arial" panose="020B0604020202020204" pitchFamily="34" charset="0"/>
               <a:buChar char="•"/>
             </a:pPr>
             <a:r>
-              <a:rPr lang="en-US">
+              <a:rPr lang="en-US" dirty="0" err="1">
                 <a:solidFill>
                   <a:schemeClr val="tx1"/>
                 </a:solidFill>
               </a:rPr>
-              <a:t>name</a:t>
+              <a:t>product_name</a:t>
             </a:r>
             <a:endParaRPr lang="en-US" dirty="0">
               <a:solidFill>
@@ -8007,14 +7553,526 @@
               <a:buFont typeface="Arial" panose="020B0604020202020204" pitchFamily="34" charset="0"/>
               <a:buChar char="•"/>
             </a:pPr>
+            <a:r>
+              <a:rPr lang="en-US" dirty="0" err="1">
+                <a:solidFill>
+                  <a:schemeClr val="tx1"/>
+                </a:solidFill>
+              </a:rPr>
+              <a:t>product_quantity</a:t>
+            </a:r>
             <a:endParaRPr lang="en-US" dirty="0">
               <a:solidFill>
                 <a:schemeClr val="tx1"/>
               </a:solidFill>
             </a:endParaRPr>
           </a:p>
-        </p:txBody>
-      </p:sp>
+          <a:p>
+            <a:pPr marL="285750" indent="-285750">
+              <a:buFont typeface="Arial" panose="020B0604020202020204" pitchFamily="34" charset="0"/>
+              <a:buChar char="•"/>
+            </a:pPr>
+            <a:r>
+              <a:rPr lang="en-US" dirty="0" err="1">
+                <a:solidFill>
+                  <a:schemeClr val="tx1"/>
+                </a:solidFill>
+              </a:rPr>
+              <a:t>inserted_at</a:t>
+            </a:r>
+            <a:endParaRPr lang="en-US" dirty="0">
+              <a:solidFill>
+                <a:schemeClr val="tx1"/>
+              </a:solidFill>
+            </a:endParaRPr>
+          </a:p>
+          <a:p>
+            <a:pPr marL="285750" indent="-285750">
+              <a:buFont typeface="Arial" panose="020B0604020202020204" pitchFamily="34" charset="0"/>
+              <a:buChar char="•"/>
+            </a:pPr>
+            <a:r>
+              <a:rPr lang="en-US" dirty="0" err="1">
+                <a:solidFill>
+                  <a:schemeClr val="tx1"/>
+                </a:solidFill>
+              </a:rPr>
+              <a:t>updated_at</a:t>
+            </a:r>
+            <a:endParaRPr lang="en-US" dirty="0">
+              <a:solidFill>
+                <a:schemeClr val="tx1"/>
+              </a:solidFill>
+            </a:endParaRPr>
+          </a:p>
+        </p:txBody>
+      </p:sp>
+      <p:sp>
+        <p:nvSpPr>
+          <p:cNvPr id="6" name="Rounded Rectangle 5">
+            <a:extLst>
+              <a:ext uri="{FF2B5EF4-FFF2-40B4-BE49-F238E27FC236}">
+                <a16:creationId xmlns:a16="http://schemas.microsoft.com/office/drawing/2014/main" id="{32AB7919-1978-8245-901B-3F32EFDD85DE}"/>
+              </a:ext>
+            </a:extLst>
+          </p:cNvPr>
+          <p:cNvSpPr/>
+          <p:nvPr/>
+        </p:nvSpPr>
+        <p:spPr>
+          <a:xfrm>
+            <a:off x="8344435" y="788261"/>
+            <a:ext cx="2362895" cy="2212515"/>
+          </a:xfrm>
+          <a:prstGeom prst="roundRect">
+            <a:avLst/>
+          </a:prstGeom>
+          <a:solidFill>
+            <a:schemeClr val="bg1"/>
+          </a:solidFill>
+          <a:ln>
+            <a:solidFill>
+              <a:schemeClr val="tx1"/>
+            </a:solidFill>
+          </a:ln>
+        </p:spPr>
+        <p:style>
+          <a:lnRef idx="2">
+            <a:schemeClr val="accent1">
+              <a:shade val="50000"/>
+            </a:schemeClr>
+          </a:lnRef>
+          <a:fillRef idx="1">
+            <a:schemeClr val="accent1"/>
+          </a:fillRef>
+          <a:effectRef idx="0">
+            <a:schemeClr val="accent1"/>
+          </a:effectRef>
+          <a:fontRef idx="minor">
+            <a:schemeClr val="lt1"/>
+          </a:fontRef>
+        </p:style>
+        <p:txBody>
+          <a:bodyPr rtlCol="0" anchor="t"/>
+          <a:lstStyle/>
+          <a:p>
+            <a:pPr algn="ctr"/>
+            <a:r>
+              <a:rPr lang="en-US" dirty="0">
+                <a:solidFill>
+                  <a:schemeClr val="tx1"/>
+                </a:solidFill>
+              </a:rPr>
+              <a:t>Users</a:t>
+            </a:r>
+          </a:p>
+          <a:p>
+            <a:pPr marL="285750" indent="-285750">
+              <a:buFont typeface="Arial" panose="020B0604020202020204" pitchFamily="34" charset="0"/>
+              <a:buChar char="•"/>
+            </a:pPr>
+            <a:r>
+              <a:rPr lang="en-US" dirty="0">
+                <a:solidFill>
+                  <a:schemeClr val="tx1"/>
+                </a:solidFill>
+              </a:rPr>
+              <a:t>id</a:t>
+            </a:r>
+          </a:p>
+          <a:p>
+            <a:pPr marL="285750" indent="-285750">
+              <a:buFont typeface="Arial" panose="020B0604020202020204" pitchFamily="34" charset="0"/>
+              <a:buChar char="•"/>
+            </a:pPr>
+            <a:r>
+              <a:rPr lang="en-US" dirty="0">
+                <a:solidFill>
+                  <a:schemeClr val="tx1"/>
+                </a:solidFill>
+              </a:rPr>
+              <a:t>email</a:t>
+            </a:r>
+          </a:p>
+          <a:p>
+            <a:pPr marL="285750" indent="-285750">
+              <a:buFont typeface="Arial" panose="020B0604020202020204" pitchFamily="34" charset="0"/>
+              <a:buChar char="•"/>
+            </a:pPr>
+            <a:r>
+              <a:rPr lang="en-US" dirty="0">
+                <a:solidFill>
+                  <a:schemeClr val="tx1"/>
+                </a:solidFill>
+              </a:rPr>
+              <a:t>provider</a:t>
+            </a:r>
+          </a:p>
+          <a:p>
+            <a:pPr marL="285750" indent="-285750">
+              <a:buFont typeface="Arial" panose="020B0604020202020204" pitchFamily="34" charset="0"/>
+              <a:buChar char="•"/>
+            </a:pPr>
+            <a:r>
+              <a:rPr lang="en-US" dirty="0">
+                <a:solidFill>
+                  <a:schemeClr val="tx1"/>
+                </a:solidFill>
+              </a:rPr>
+              <a:t>token</a:t>
+            </a:r>
+          </a:p>
+          <a:p>
+            <a:pPr marL="285750" indent="-285750">
+              <a:buFont typeface="Arial" panose="020B0604020202020204" pitchFamily="34" charset="0"/>
+              <a:buChar char="•"/>
+            </a:pPr>
+            <a:r>
+              <a:rPr lang="en-US" dirty="0" err="1">
+                <a:solidFill>
+                  <a:schemeClr val="tx1"/>
+                </a:solidFill>
+              </a:rPr>
+              <a:t>inserted_at</a:t>
+            </a:r>
+            <a:endParaRPr lang="en-US" dirty="0">
+              <a:solidFill>
+                <a:schemeClr val="tx1"/>
+              </a:solidFill>
+            </a:endParaRPr>
+          </a:p>
+          <a:p>
+            <a:pPr marL="285750" indent="-285750">
+              <a:buFont typeface="Arial" panose="020B0604020202020204" pitchFamily="34" charset="0"/>
+              <a:buChar char="•"/>
+            </a:pPr>
+            <a:r>
+              <a:rPr lang="en-US" dirty="0" err="1">
+                <a:solidFill>
+                  <a:schemeClr val="tx1"/>
+                </a:solidFill>
+              </a:rPr>
+              <a:t>updated_at</a:t>
+            </a:r>
+            <a:endParaRPr lang="en-US" dirty="0">
+              <a:solidFill>
+                <a:schemeClr val="tx1"/>
+              </a:solidFill>
+            </a:endParaRPr>
+          </a:p>
+        </p:txBody>
+      </p:sp>
+      <p:cxnSp>
+        <p:nvCxnSpPr>
+          <p:cNvPr id="3" name="Straight Connector 2">
+            <a:extLst>
+              <a:ext uri="{FF2B5EF4-FFF2-40B4-BE49-F238E27FC236}">
+                <a16:creationId xmlns:a16="http://schemas.microsoft.com/office/drawing/2014/main" id="{F14169A5-C95B-1B41-AAD7-58D459EF9980}"/>
+              </a:ext>
+            </a:extLst>
+          </p:cNvPr>
+          <p:cNvCxnSpPr>
+            <a:stCxn id="5" idx="3"/>
+            <a:endCxn id="6" idx="1"/>
+          </p:cNvCxnSpPr>
+          <p:nvPr/>
+        </p:nvCxnSpPr>
+        <p:spPr>
+          <a:xfrm>
+            <a:off x="7072994" y="1894519"/>
+            <a:ext cx="1271441" cy="0"/>
+          </a:xfrm>
+          <a:prstGeom prst="line">
+            <a:avLst/>
+          </a:prstGeom>
+          <a:ln w="38100"/>
+        </p:spPr>
+        <p:style>
+          <a:lnRef idx="1">
+            <a:schemeClr val="dk1"/>
+          </a:lnRef>
+          <a:fillRef idx="0">
+            <a:schemeClr val="dk1"/>
+          </a:fillRef>
+          <a:effectRef idx="0">
+            <a:schemeClr val="dk1"/>
+          </a:effectRef>
+          <a:fontRef idx="minor">
+            <a:schemeClr val="tx1"/>
+          </a:fontRef>
+        </p:style>
+      </p:cxnSp>
+      <p:cxnSp>
+        <p:nvCxnSpPr>
+          <p:cNvPr id="8" name="Straight Connector 7">
+            <a:extLst>
+              <a:ext uri="{FF2B5EF4-FFF2-40B4-BE49-F238E27FC236}">
+                <a16:creationId xmlns:a16="http://schemas.microsoft.com/office/drawing/2014/main" id="{F6E65848-76B4-674E-A63E-D2910A7697C6}"/>
+              </a:ext>
+            </a:extLst>
+          </p:cNvPr>
+          <p:cNvCxnSpPr/>
+          <p:nvPr/>
+        </p:nvCxnSpPr>
+        <p:spPr>
+          <a:xfrm>
+            <a:off x="3438658" y="1894518"/>
+            <a:ext cx="1271441" cy="0"/>
+          </a:xfrm>
+          <a:prstGeom prst="line">
+            <a:avLst/>
+          </a:prstGeom>
+          <a:ln w="38100"/>
+        </p:spPr>
+        <p:style>
+          <a:lnRef idx="1">
+            <a:schemeClr val="dk1"/>
+          </a:lnRef>
+          <a:fillRef idx="0">
+            <a:schemeClr val="dk1"/>
+          </a:fillRef>
+          <a:effectRef idx="0">
+            <a:schemeClr val="dk1"/>
+          </a:effectRef>
+          <a:fontRef idx="minor">
+            <a:schemeClr val="tx1"/>
+          </a:fontRef>
+        </p:style>
+      </p:cxnSp>
+      <p:cxnSp>
+        <p:nvCxnSpPr>
+          <p:cNvPr id="9" name="Straight Connector 8">
+            <a:extLst>
+              <a:ext uri="{FF2B5EF4-FFF2-40B4-BE49-F238E27FC236}">
+                <a16:creationId xmlns:a16="http://schemas.microsoft.com/office/drawing/2014/main" id="{159112AE-0819-6B49-9F1A-C3AD140EE2A5}"/>
+              </a:ext>
+            </a:extLst>
+          </p:cNvPr>
+          <p:cNvCxnSpPr>
+            <a:cxnSpLocks/>
+          </p:cNvCxnSpPr>
+          <p:nvPr/>
+        </p:nvCxnSpPr>
+        <p:spPr>
+          <a:xfrm flipH="1">
+            <a:off x="4498323" y="1779431"/>
+            <a:ext cx="211776" cy="115087"/>
+          </a:xfrm>
+          <a:prstGeom prst="line">
+            <a:avLst/>
+          </a:prstGeom>
+          <a:ln w="38100"/>
+        </p:spPr>
+        <p:style>
+          <a:lnRef idx="1">
+            <a:schemeClr val="dk1"/>
+          </a:lnRef>
+          <a:fillRef idx="0">
+            <a:schemeClr val="dk1"/>
+          </a:fillRef>
+          <a:effectRef idx="0">
+            <a:schemeClr val="dk1"/>
+          </a:effectRef>
+          <a:fontRef idx="minor">
+            <a:schemeClr val="tx1"/>
+          </a:fontRef>
+        </p:style>
+      </p:cxnSp>
+      <p:cxnSp>
+        <p:nvCxnSpPr>
+          <p:cNvPr id="12" name="Straight Connector 11">
+            <a:extLst>
+              <a:ext uri="{FF2B5EF4-FFF2-40B4-BE49-F238E27FC236}">
+                <a16:creationId xmlns:a16="http://schemas.microsoft.com/office/drawing/2014/main" id="{97457690-20D9-9F4C-880A-868C44A01B6E}"/>
+              </a:ext>
+            </a:extLst>
+          </p:cNvPr>
+          <p:cNvCxnSpPr>
+            <a:cxnSpLocks/>
+          </p:cNvCxnSpPr>
+          <p:nvPr/>
+        </p:nvCxnSpPr>
+        <p:spPr>
+          <a:xfrm flipH="1" flipV="1">
+            <a:off x="4498323" y="1894517"/>
+            <a:ext cx="211776" cy="115088"/>
+          </a:xfrm>
+          <a:prstGeom prst="line">
+            <a:avLst/>
+          </a:prstGeom>
+          <a:ln w="38100"/>
+        </p:spPr>
+        <p:style>
+          <a:lnRef idx="1">
+            <a:schemeClr val="dk1"/>
+          </a:lnRef>
+          <a:fillRef idx="0">
+            <a:schemeClr val="dk1"/>
+          </a:fillRef>
+          <a:effectRef idx="0">
+            <a:schemeClr val="dk1"/>
+          </a:effectRef>
+          <a:fontRef idx="minor">
+            <a:schemeClr val="tx1"/>
+          </a:fontRef>
+        </p:style>
+      </p:cxnSp>
+      <p:cxnSp>
+        <p:nvCxnSpPr>
+          <p:cNvPr id="15" name="Straight Connector 14">
+            <a:extLst>
+              <a:ext uri="{FF2B5EF4-FFF2-40B4-BE49-F238E27FC236}">
+                <a16:creationId xmlns:a16="http://schemas.microsoft.com/office/drawing/2014/main" id="{73A31F9B-809A-EE40-9C75-BE62710F9F08}"/>
+              </a:ext>
+            </a:extLst>
+          </p:cNvPr>
+          <p:cNvCxnSpPr>
+            <a:cxnSpLocks/>
+          </p:cNvCxnSpPr>
+          <p:nvPr/>
+        </p:nvCxnSpPr>
+        <p:spPr>
+          <a:xfrm>
+            <a:off x="3423496" y="1773754"/>
+            <a:ext cx="210312" cy="118872"/>
+          </a:xfrm>
+          <a:prstGeom prst="line">
+            <a:avLst/>
+          </a:prstGeom>
+          <a:ln w="38100"/>
+        </p:spPr>
+        <p:style>
+          <a:lnRef idx="1">
+            <a:schemeClr val="dk1"/>
+          </a:lnRef>
+          <a:fillRef idx="0">
+            <a:schemeClr val="dk1"/>
+          </a:fillRef>
+          <a:effectRef idx="0">
+            <a:schemeClr val="dk1"/>
+          </a:effectRef>
+          <a:fontRef idx="minor">
+            <a:schemeClr val="tx1"/>
+          </a:fontRef>
+        </p:style>
+      </p:cxnSp>
+      <p:cxnSp>
+        <p:nvCxnSpPr>
+          <p:cNvPr id="17" name="Straight Connector 16">
+            <a:extLst>
+              <a:ext uri="{FF2B5EF4-FFF2-40B4-BE49-F238E27FC236}">
+                <a16:creationId xmlns:a16="http://schemas.microsoft.com/office/drawing/2014/main" id="{AE1610CA-766C-C548-91EE-EB4F6BE5327C}"/>
+              </a:ext>
+            </a:extLst>
+          </p:cNvPr>
+          <p:cNvCxnSpPr>
+            <a:cxnSpLocks/>
+          </p:cNvCxnSpPr>
+          <p:nvPr/>
+        </p:nvCxnSpPr>
+        <p:spPr>
+          <a:xfrm flipV="1">
+            <a:off x="3423496" y="1892626"/>
+            <a:ext cx="210312" cy="116979"/>
+          </a:xfrm>
+          <a:prstGeom prst="line">
+            <a:avLst/>
+          </a:prstGeom>
+          <a:ln w="38100"/>
+        </p:spPr>
+        <p:style>
+          <a:lnRef idx="1">
+            <a:schemeClr val="dk1"/>
+          </a:lnRef>
+          <a:fillRef idx="0">
+            <a:schemeClr val="dk1"/>
+          </a:fillRef>
+          <a:effectRef idx="0">
+            <a:schemeClr val="dk1"/>
+          </a:effectRef>
+          <a:fontRef idx="minor">
+            <a:schemeClr val="tx1"/>
+          </a:fontRef>
+        </p:style>
+      </p:cxnSp>
+      <p:cxnSp>
+        <p:nvCxnSpPr>
+          <p:cNvPr id="19" name="Straight Connector 18">
+            <a:extLst>
+              <a:ext uri="{FF2B5EF4-FFF2-40B4-BE49-F238E27FC236}">
+                <a16:creationId xmlns:a16="http://schemas.microsoft.com/office/drawing/2014/main" id="{E7A34110-7AEE-5343-A269-3EEF3B59B612}"/>
+              </a:ext>
+            </a:extLst>
+          </p:cNvPr>
+          <p:cNvCxnSpPr>
+            <a:cxnSpLocks/>
+          </p:cNvCxnSpPr>
+          <p:nvPr/>
+        </p:nvCxnSpPr>
+        <p:spPr>
+          <a:xfrm>
+            <a:off x="7179614" y="1773754"/>
+            <a:ext cx="0" cy="251188"/>
+          </a:xfrm>
+          <a:prstGeom prst="line">
+            <a:avLst/>
+          </a:prstGeom>
+          <a:ln w="38100"/>
+        </p:spPr>
+        <p:style>
+          <a:lnRef idx="1">
+            <a:schemeClr val="dk1"/>
+          </a:lnRef>
+          <a:fillRef idx="0">
+            <a:schemeClr val="dk1"/>
+          </a:fillRef>
+          <a:effectRef idx="0">
+            <a:schemeClr val="dk1"/>
+          </a:effectRef>
+          <a:fontRef idx="minor">
+            <a:schemeClr val="tx1"/>
+          </a:fontRef>
+        </p:style>
+      </p:cxnSp>
+      <p:cxnSp>
+        <p:nvCxnSpPr>
+          <p:cNvPr id="21" name="Straight Connector 20">
+            <a:extLst>
+              <a:ext uri="{FF2B5EF4-FFF2-40B4-BE49-F238E27FC236}">
+                <a16:creationId xmlns:a16="http://schemas.microsoft.com/office/drawing/2014/main" id="{BC20A5BA-CB95-7B46-A6B1-409B38824A8D}"/>
+              </a:ext>
+            </a:extLst>
+          </p:cNvPr>
+          <p:cNvCxnSpPr>
+            <a:cxnSpLocks/>
+          </p:cNvCxnSpPr>
+          <p:nvPr/>
+        </p:nvCxnSpPr>
+        <p:spPr>
+          <a:xfrm>
+            <a:off x="8197253" y="1782998"/>
+            <a:ext cx="0" cy="251188"/>
+          </a:xfrm>
+          <a:prstGeom prst="line">
+            <a:avLst/>
+          </a:prstGeom>
+          <a:ln w="38100"/>
+        </p:spPr>
+        <p:style>
+          <a:lnRef idx="1">
+            <a:schemeClr val="dk1"/>
+          </a:lnRef>
+          <a:fillRef idx="0">
+            <a:schemeClr val="dk1"/>
+          </a:fillRef>
+          <a:effectRef idx="0">
+            <a:schemeClr val="dk1"/>
+          </a:effectRef>
+          <a:fontRef idx="minor">
+            <a:schemeClr val="tx1"/>
+          </a:fontRef>
+        </p:style>
+      </p:cxnSp>
     </p:spTree>
     <p:extLst>
       <p:ext uri="{BB962C8B-B14F-4D97-AF65-F5344CB8AC3E}">
